--- a/render.pptx
+++ b/render.pptx
@@ -9121,6 +9121,224 @@
   <p:transition spd="slow">
     <p:push dir="u"/>
   </p:transition>
+  <p:timing>
+    <p:tnLst>
+      <p:par>
+        <p:cTn id="1" dur="indefinite" restart="never" nodeType="tmRoot">
+          <p:childTnLst>
+            <p:seq concurrent="1" nextAc="seek">
+              <p:cTn id="2" dur="indefinite" nodeType="mainSeq">
+                <p:childTnLst>
+                  <p:par>
+                    <p:cTn id="3" fill="hold">
+                      <p:stCondLst>
+                        <p:cond delay="indefinite"/>
+                      </p:stCondLst>
+                      <p:childTnLst>
+                        <p:par>
+                          <p:cTn id="4" fill="hold">
+                            <p:stCondLst>
+                              <p:cond delay="0"/>
+                            </p:stCondLst>
+                            <p:childTnLst>
+                              <p:par>
+                                <p:cTn id="5" presetID="2" presetClass="entr" presetSubtype="4" fill="hold" grpId="0" nodeType="clickEffect">
+                                  <p:stCondLst>
+                                    <p:cond delay="0"/>
+                                  </p:stCondLst>
+                                  <p:childTnLst>
+                                    <p:set>
+                                      <p:cBhvr>
+                                        <p:cTn id="6" dur="1" fill="hold">
+                                          <p:stCondLst>
+                                            <p:cond delay="0"/>
+                                          </p:stCondLst>
+                                        </p:cTn>
+                                        <p:tgtEl>
+                                          <p:spTgt spid="40"/>
+                                        </p:tgtEl>
+                                        <p:attrNameLst>
+                                          <p:attrName>style.visibility</p:attrName>
+                                        </p:attrNameLst>
+                                      </p:cBhvr>
+                                      <p:to>
+                                        <p:strVal val="visible"/>
+                                      </p:to>
+                                    </p:set>
+                                    <p:anim calcmode="lin" valueType="num">
+                                      <p:cBhvr additive="base">
+                                        <p:cTn id="7" dur="500" fill="hold"/>
+                                        <p:tgtEl>
+                                          <p:spTgt spid="40"/>
+                                        </p:tgtEl>
+                                        <p:attrNameLst>
+                                          <p:attrName>ppt_x</p:attrName>
+                                        </p:attrNameLst>
+                                      </p:cBhvr>
+                                      <p:tavLst>
+                                        <p:tav tm="0">
+                                          <p:val>
+                                            <p:strVal val="#ppt_x"/>
+                                          </p:val>
+                                        </p:tav>
+                                        <p:tav tm="100000">
+                                          <p:val>
+                                            <p:strVal val="#ppt_x"/>
+                                          </p:val>
+                                        </p:tav>
+                                      </p:tavLst>
+                                    </p:anim>
+                                    <p:anim calcmode="lin" valueType="num">
+                                      <p:cBhvr additive="base">
+                                        <p:cTn id="8" dur="500" fill="hold"/>
+                                        <p:tgtEl>
+                                          <p:spTgt spid="40"/>
+                                        </p:tgtEl>
+                                        <p:attrNameLst>
+                                          <p:attrName>ppt_y</p:attrName>
+                                        </p:attrNameLst>
+                                      </p:cBhvr>
+                                      <p:tavLst>
+                                        <p:tav tm="0">
+                                          <p:val>
+                                            <p:strVal val="1+#ppt_h/2"/>
+                                          </p:val>
+                                        </p:tav>
+                                        <p:tav tm="100000">
+                                          <p:val>
+                                            <p:strVal val="#ppt_y"/>
+                                          </p:val>
+                                        </p:tav>
+                                      </p:tavLst>
+                                    </p:anim>
+                                  </p:childTnLst>
+                                </p:cTn>
+                              </p:par>
+                            </p:childTnLst>
+                          </p:cTn>
+                        </p:par>
+                      </p:childTnLst>
+                    </p:cTn>
+                  </p:par>
+                  <p:par>
+                    <p:cTn id="9" fill="hold">
+                      <p:stCondLst>
+                        <p:cond delay="indefinite"/>
+                      </p:stCondLst>
+                      <p:childTnLst>
+                        <p:par>
+                          <p:cTn id="10" fill="hold">
+                            <p:stCondLst>
+                              <p:cond delay="0"/>
+                            </p:stCondLst>
+                            <p:childTnLst>
+                              <p:par>
+                                <p:cTn id="11" presetID="2" presetClass="entr" presetSubtype="4" fill="hold" grpId="0" nodeType="clickEffect">
+                                  <p:stCondLst>
+                                    <p:cond delay="0"/>
+                                  </p:stCondLst>
+                                  <p:childTnLst>
+                                    <p:set>
+                                      <p:cBhvr>
+                                        <p:cTn id="12" dur="1" fill="hold">
+                                          <p:stCondLst>
+                                            <p:cond delay="0"/>
+                                          </p:stCondLst>
+                                        </p:cTn>
+                                        <p:tgtEl>
+                                          <p:spTgt spid="41"/>
+                                        </p:tgtEl>
+                                        <p:attrNameLst>
+                                          <p:attrName>style.visibility</p:attrName>
+                                        </p:attrNameLst>
+                                      </p:cBhvr>
+                                      <p:to>
+                                        <p:strVal val="visible"/>
+                                      </p:to>
+                                    </p:set>
+                                    <p:anim calcmode="lin" valueType="num">
+                                      <p:cBhvr additive="base">
+                                        <p:cTn id="13" dur="500" fill="hold"/>
+                                        <p:tgtEl>
+                                          <p:spTgt spid="41"/>
+                                        </p:tgtEl>
+                                        <p:attrNameLst>
+                                          <p:attrName>ppt_x</p:attrName>
+                                        </p:attrNameLst>
+                                      </p:cBhvr>
+                                      <p:tavLst>
+                                        <p:tav tm="0">
+                                          <p:val>
+                                            <p:strVal val="#ppt_x"/>
+                                          </p:val>
+                                        </p:tav>
+                                        <p:tav tm="100000">
+                                          <p:val>
+                                            <p:strVal val="#ppt_x"/>
+                                          </p:val>
+                                        </p:tav>
+                                      </p:tavLst>
+                                    </p:anim>
+                                    <p:anim calcmode="lin" valueType="num">
+                                      <p:cBhvr additive="base">
+                                        <p:cTn id="14" dur="500" fill="hold"/>
+                                        <p:tgtEl>
+                                          <p:spTgt spid="41"/>
+                                        </p:tgtEl>
+                                        <p:attrNameLst>
+                                          <p:attrName>ppt_y</p:attrName>
+                                        </p:attrNameLst>
+                                      </p:cBhvr>
+                                      <p:tavLst>
+                                        <p:tav tm="0">
+                                          <p:val>
+                                            <p:strVal val="1+#ppt_h/2"/>
+                                          </p:val>
+                                        </p:tav>
+                                        <p:tav tm="100000">
+                                          <p:val>
+                                            <p:strVal val="#ppt_y"/>
+                                          </p:val>
+                                        </p:tav>
+                                      </p:tavLst>
+                                    </p:anim>
+                                  </p:childTnLst>
+                                </p:cTn>
+                              </p:par>
+                            </p:childTnLst>
+                          </p:cTn>
+                        </p:par>
+                      </p:childTnLst>
+                    </p:cTn>
+                  </p:par>
+                </p:childTnLst>
+              </p:cTn>
+              <p:prevCondLst>
+                <p:cond evt="onPrev" delay="0">
+                  <p:tgtEl>
+                    <p:sldTgt/>
+                  </p:tgtEl>
+                </p:cond>
+              </p:prevCondLst>
+              <p:nextCondLst>
+                <p:cond evt="onNext" delay="0">
+                  <p:tgtEl>
+                    <p:sldTgt/>
+                  </p:tgtEl>
+                </p:cond>
+              </p:nextCondLst>
+            </p:seq>
+          </p:childTnLst>
+        </p:cTn>
+      </p:par>
+    </p:tnLst>
+    <p:bldLst>
+      <p:bldP spid="40" grpId="0"/>
+      <p:bldP spid="40" grpId="1"/>
+      <p:bldP spid="41" grpId="0"/>
+      <p:bldP spid="41" grpId="1"/>
+    </p:bldLst>
+  </p:timing>
 </p:sld>
 </file>
 
@@ -10005,6 +10223,482 @@
   <p:transition spd="slow">
     <p:push dir="u"/>
   </p:transition>
+  <p:timing>
+    <p:tnLst>
+      <p:par>
+        <p:cTn id="1" dur="indefinite" restart="never" nodeType="tmRoot">
+          <p:childTnLst>
+            <p:seq concurrent="1" nextAc="seek">
+              <p:cTn id="2" dur="indefinite" nodeType="mainSeq">
+                <p:childTnLst>
+                  <p:par>
+                    <p:cTn id="3" fill="hold">
+                      <p:stCondLst>
+                        <p:cond delay="indefinite"/>
+                      </p:stCondLst>
+                      <p:childTnLst>
+                        <p:par>
+                          <p:cTn id="4" fill="hold">
+                            <p:stCondLst>
+                              <p:cond delay="0"/>
+                            </p:stCondLst>
+                            <p:childTnLst>
+                              <p:par>
+                                <p:cTn id="5" presetID="22" presetClass="entr" presetSubtype="4" fill="hold" grpId="0" nodeType="clickEffect">
+                                  <p:stCondLst>
+                                    <p:cond delay="0"/>
+                                  </p:stCondLst>
+                                  <p:childTnLst>
+                                    <p:set>
+                                      <p:cBhvr>
+                                        <p:cTn id="6" dur="1" fill="hold">
+                                          <p:stCondLst>
+                                            <p:cond delay="0"/>
+                                          </p:stCondLst>
+                                        </p:cTn>
+                                        <p:tgtEl>
+                                          <p:spTgt spid="35"/>
+                                        </p:tgtEl>
+                                        <p:attrNameLst>
+                                          <p:attrName>style.visibility</p:attrName>
+                                        </p:attrNameLst>
+                                      </p:cBhvr>
+                                      <p:to>
+                                        <p:strVal val="visible"/>
+                                      </p:to>
+                                    </p:set>
+                                    <p:animEffect transition="in" filter="wipe(down)">
+                                      <p:cBhvr>
+                                        <p:cTn id="7" dur="500"/>
+                                        <p:tgtEl>
+                                          <p:spTgt spid="35"/>
+                                        </p:tgtEl>
+                                      </p:cBhvr>
+                                    </p:animEffect>
+                                  </p:childTnLst>
+                                </p:cTn>
+                              </p:par>
+                            </p:childTnLst>
+                          </p:cTn>
+                        </p:par>
+                      </p:childTnLst>
+                    </p:cTn>
+                  </p:par>
+                  <p:par>
+                    <p:cTn id="8" fill="hold">
+                      <p:stCondLst>
+                        <p:cond delay="indefinite"/>
+                      </p:stCondLst>
+                      <p:childTnLst>
+                        <p:par>
+                          <p:cTn id="9" fill="hold">
+                            <p:stCondLst>
+                              <p:cond delay="0"/>
+                            </p:stCondLst>
+                            <p:childTnLst>
+                              <p:par>
+                                <p:cTn id="10" presetID="22" presetClass="entr" presetSubtype="4" fill="hold" grpId="0" nodeType="clickEffect">
+                                  <p:stCondLst>
+                                    <p:cond delay="0"/>
+                                  </p:stCondLst>
+                                  <p:childTnLst>
+                                    <p:set>
+                                      <p:cBhvr>
+                                        <p:cTn id="11" dur="1" fill="hold">
+                                          <p:stCondLst>
+                                            <p:cond delay="0"/>
+                                          </p:stCondLst>
+                                        </p:cTn>
+                                        <p:tgtEl>
+                                          <p:spTgt spid="36"/>
+                                        </p:tgtEl>
+                                        <p:attrNameLst>
+                                          <p:attrName>style.visibility</p:attrName>
+                                        </p:attrNameLst>
+                                      </p:cBhvr>
+                                      <p:to>
+                                        <p:strVal val="visible"/>
+                                      </p:to>
+                                    </p:set>
+                                    <p:animEffect transition="in" filter="wipe(down)">
+                                      <p:cBhvr>
+                                        <p:cTn id="12" dur="500"/>
+                                        <p:tgtEl>
+                                          <p:spTgt spid="36"/>
+                                        </p:tgtEl>
+                                      </p:cBhvr>
+                                    </p:animEffect>
+                                  </p:childTnLst>
+                                </p:cTn>
+                              </p:par>
+                            </p:childTnLst>
+                          </p:cTn>
+                        </p:par>
+                      </p:childTnLst>
+                    </p:cTn>
+                  </p:par>
+                  <p:par>
+                    <p:cTn id="13" fill="hold">
+                      <p:stCondLst>
+                        <p:cond delay="indefinite"/>
+                      </p:stCondLst>
+                      <p:childTnLst>
+                        <p:par>
+                          <p:cTn id="14" fill="hold">
+                            <p:stCondLst>
+                              <p:cond delay="0"/>
+                            </p:stCondLst>
+                            <p:childTnLst>
+                              <p:par>
+                                <p:cTn id="15" presetID="2" presetClass="entr" presetSubtype="4" fill="hold" grpId="0" nodeType="clickEffect">
+                                  <p:stCondLst>
+                                    <p:cond delay="0"/>
+                                  </p:stCondLst>
+                                  <p:childTnLst>
+                                    <p:set>
+                                      <p:cBhvr>
+                                        <p:cTn id="16" dur="1" fill="hold">
+                                          <p:stCondLst>
+                                            <p:cond delay="0"/>
+                                          </p:stCondLst>
+                                        </p:cTn>
+                                        <p:tgtEl>
+                                          <p:spTgt spid="37"/>
+                                        </p:tgtEl>
+                                        <p:attrNameLst>
+                                          <p:attrName>style.visibility</p:attrName>
+                                        </p:attrNameLst>
+                                      </p:cBhvr>
+                                      <p:to>
+                                        <p:strVal val="visible"/>
+                                      </p:to>
+                                    </p:set>
+                                    <p:anim calcmode="lin" valueType="num">
+                                      <p:cBhvr additive="base">
+                                        <p:cTn id="17" dur="500" fill="hold"/>
+                                        <p:tgtEl>
+                                          <p:spTgt spid="37"/>
+                                        </p:tgtEl>
+                                        <p:attrNameLst>
+                                          <p:attrName>ppt_x</p:attrName>
+                                        </p:attrNameLst>
+                                      </p:cBhvr>
+                                      <p:tavLst>
+                                        <p:tav tm="0">
+                                          <p:val>
+                                            <p:strVal val="#ppt_x"/>
+                                          </p:val>
+                                        </p:tav>
+                                        <p:tav tm="100000">
+                                          <p:val>
+                                            <p:strVal val="#ppt_x"/>
+                                          </p:val>
+                                        </p:tav>
+                                      </p:tavLst>
+                                    </p:anim>
+                                    <p:anim calcmode="lin" valueType="num">
+                                      <p:cBhvr additive="base">
+                                        <p:cTn id="18" dur="500" fill="hold"/>
+                                        <p:tgtEl>
+                                          <p:spTgt spid="37"/>
+                                        </p:tgtEl>
+                                        <p:attrNameLst>
+                                          <p:attrName>ppt_y</p:attrName>
+                                        </p:attrNameLst>
+                                      </p:cBhvr>
+                                      <p:tavLst>
+                                        <p:tav tm="0">
+                                          <p:val>
+                                            <p:strVal val="1+#ppt_h/2"/>
+                                          </p:val>
+                                        </p:tav>
+                                        <p:tav tm="100000">
+                                          <p:val>
+                                            <p:strVal val="#ppt_y"/>
+                                          </p:val>
+                                        </p:tav>
+                                      </p:tavLst>
+                                    </p:anim>
+                                  </p:childTnLst>
+                                </p:cTn>
+                              </p:par>
+                            </p:childTnLst>
+                          </p:cTn>
+                        </p:par>
+                      </p:childTnLst>
+                    </p:cTn>
+                  </p:par>
+                  <p:par>
+                    <p:cTn id="19" fill="hold">
+                      <p:stCondLst>
+                        <p:cond delay="indefinite"/>
+                      </p:stCondLst>
+                      <p:childTnLst>
+                        <p:par>
+                          <p:cTn id="20" fill="hold">
+                            <p:stCondLst>
+                              <p:cond delay="0"/>
+                            </p:stCondLst>
+                            <p:childTnLst>
+                              <p:par>
+                                <p:cTn id="21" presetID="2" presetClass="entr" presetSubtype="4" fill="hold" grpId="0" nodeType="clickEffect">
+                                  <p:stCondLst>
+                                    <p:cond delay="0"/>
+                                  </p:stCondLst>
+                                  <p:childTnLst>
+                                    <p:set>
+                                      <p:cBhvr>
+                                        <p:cTn id="22" dur="1" fill="hold">
+                                          <p:stCondLst>
+                                            <p:cond delay="0"/>
+                                          </p:stCondLst>
+                                        </p:cTn>
+                                        <p:tgtEl>
+                                          <p:spTgt spid="38"/>
+                                        </p:tgtEl>
+                                        <p:attrNameLst>
+                                          <p:attrName>style.visibility</p:attrName>
+                                        </p:attrNameLst>
+                                      </p:cBhvr>
+                                      <p:to>
+                                        <p:strVal val="visible"/>
+                                      </p:to>
+                                    </p:set>
+                                    <p:anim calcmode="lin" valueType="num">
+                                      <p:cBhvr additive="base">
+                                        <p:cTn id="23" dur="500" fill="hold"/>
+                                        <p:tgtEl>
+                                          <p:spTgt spid="38"/>
+                                        </p:tgtEl>
+                                        <p:attrNameLst>
+                                          <p:attrName>ppt_x</p:attrName>
+                                        </p:attrNameLst>
+                                      </p:cBhvr>
+                                      <p:tavLst>
+                                        <p:tav tm="0">
+                                          <p:val>
+                                            <p:strVal val="#ppt_x"/>
+                                          </p:val>
+                                        </p:tav>
+                                        <p:tav tm="100000">
+                                          <p:val>
+                                            <p:strVal val="#ppt_x"/>
+                                          </p:val>
+                                        </p:tav>
+                                      </p:tavLst>
+                                    </p:anim>
+                                    <p:anim calcmode="lin" valueType="num">
+                                      <p:cBhvr additive="base">
+                                        <p:cTn id="24" dur="500" fill="hold"/>
+                                        <p:tgtEl>
+                                          <p:spTgt spid="38"/>
+                                        </p:tgtEl>
+                                        <p:attrNameLst>
+                                          <p:attrName>ppt_y</p:attrName>
+                                        </p:attrNameLst>
+                                      </p:cBhvr>
+                                      <p:tavLst>
+                                        <p:tav tm="0">
+                                          <p:val>
+                                            <p:strVal val="1+#ppt_h/2"/>
+                                          </p:val>
+                                        </p:tav>
+                                        <p:tav tm="100000">
+                                          <p:val>
+                                            <p:strVal val="#ppt_y"/>
+                                          </p:val>
+                                        </p:tav>
+                                      </p:tavLst>
+                                    </p:anim>
+                                  </p:childTnLst>
+                                </p:cTn>
+                              </p:par>
+                            </p:childTnLst>
+                          </p:cTn>
+                        </p:par>
+                      </p:childTnLst>
+                    </p:cTn>
+                  </p:par>
+                  <p:par>
+                    <p:cTn id="25" fill="hold">
+                      <p:stCondLst>
+                        <p:cond delay="indefinite"/>
+                      </p:stCondLst>
+                      <p:childTnLst>
+                        <p:par>
+                          <p:cTn id="26" fill="hold">
+                            <p:stCondLst>
+                              <p:cond delay="0"/>
+                            </p:stCondLst>
+                            <p:childTnLst>
+                              <p:par>
+                                <p:cTn id="27" presetID="3" presetClass="entr" presetSubtype="10" fill="hold" grpId="0" nodeType="clickEffect">
+                                  <p:stCondLst>
+                                    <p:cond delay="0"/>
+                                  </p:stCondLst>
+                                  <p:childTnLst>
+                                    <p:set>
+                                      <p:cBhvr>
+                                        <p:cTn id="28" dur="1" fill="hold">
+                                          <p:stCondLst>
+                                            <p:cond delay="0"/>
+                                          </p:stCondLst>
+                                        </p:cTn>
+                                        <p:tgtEl>
+                                          <p:spTgt spid="39"/>
+                                        </p:tgtEl>
+                                        <p:attrNameLst>
+                                          <p:attrName>style.visibility</p:attrName>
+                                        </p:attrNameLst>
+                                      </p:cBhvr>
+                                      <p:to>
+                                        <p:strVal val="visible"/>
+                                      </p:to>
+                                    </p:set>
+                                    <p:animEffect transition="in" filter="blinds(horizontal)">
+                                      <p:cBhvr>
+                                        <p:cTn id="29" dur="500"/>
+                                        <p:tgtEl>
+                                          <p:spTgt spid="39"/>
+                                        </p:tgtEl>
+                                      </p:cBhvr>
+                                    </p:animEffect>
+                                  </p:childTnLst>
+                                </p:cTn>
+                              </p:par>
+                            </p:childTnLst>
+                          </p:cTn>
+                        </p:par>
+                      </p:childTnLst>
+                    </p:cTn>
+                  </p:par>
+                  <p:par>
+                    <p:cTn id="30" fill="hold">
+                      <p:stCondLst>
+                        <p:cond delay="indefinite"/>
+                      </p:stCondLst>
+                      <p:childTnLst>
+                        <p:par>
+                          <p:cTn id="31" fill="hold">
+                            <p:stCondLst>
+                              <p:cond delay="0"/>
+                            </p:stCondLst>
+                            <p:childTnLst>
+                              <p:par>
+                                <p:cTn id="32" presetID="2" presetClass="entr" presetSubtype="4" fill="hold" grpId="0" nodeType="clickEffect">
+                                  <p:stCondLst>
+                                    <p:cond delay="0"/>
+                                  </p:stCondLst>
+                                  <p:childTnLst>
+                                    <p:set>
+                                      <p:cBhvr>
+                                        <p:cTn id="33" dur="1" fill="hold">
+                                          <p:stCondLst>
+                                            <p:cond delay="0"/>
+                                          </p:stCondLst>
+                                        </p:cTn>
+                                        <p:tgtEl>
+                                          <p:spTgt spid="40"/>
+                                        </p:tgtEl>
+                                        <p:attrNameLst>
+                                          <p:attrName>style.visibility</p:attrName>
+                                        </p:attrNameLst>
+                                      </p:cBhvr>
+                                      <p:to>
+                                        <p:strVal val="visible"/>
+                                      </p:to>
+                                    </p:set>
+                                    <p:anim calcmode="lin" valueType="num">
+                                      <p:cBhvr additive="base">
+                                        <p:cTn id="34" dur="500" fill="hold"/>
+                                        <p:tgtEl>
+                                          <p:spTgt spid="40"/>
+                                        </p:tgtEl>
+                                        <p:attrNameLst>
+                                          <p:attrName>ppt_x</p:attrName>
+                                        </p:attrNameLst>
+                                      </p:cBhvr>
+                                      <p:tavLst>
+                                        <p:tav tm="0">
+                                          <p:val>
+                                            <p:strVal val="#ppt_x"/>
+                                          </p:val>
+                                        </p:tav>
+                                        <p:tav tm="100000">
+                                          <p:val>
+                                            <p:strVal val="#ppt_x"/>
+                                          </p:val>
+                                        </p:tav>
+                                      </p:tavLst>
+                                    </p:anim>
+                                    <p:anim calcmode="lin" valueType="num">
+                                      <p:cBhvr additive="base">
+                                        <p:cTn id="35" dur="500" fill="hold"/>
+                                        <p:tgtEl>
+                                          <p:spTgt spid="40"/>
+                                        </p:tgtEl>
+                                        <p:attrNameLst>
+                                          <p:attrName>ppt_y</p:attrName>
+                                        </p:attrNameLst>
+                                      </p:cBhvr>
+                                      <p:tavLst>
+                                        <p:tav tm="0">
+                                          <p:val>
+                                            <p:strVal val="1+#ppt_h/2"/>
+                                          </p:val>
+                                        </p:tav>
+                                        <p:tav tm="100000">
+                                          <p:val>
+                                            <p:strVal val="#ppt_y"/>
+                                          </p:val>
+                                        </p:tav>
+                                      </p:tavLst>
+                                    </p:anim>
+                                  </p:childTnLst>
+                                </p:cTn>
+                              </p:par>
+                            </p:childTnLst>
+                          </p:cTn>
+                        </p:par>
+                      </p:childTnLst>
+                    </p:cTn>
+                  </p:par>
+                </p:childTnLst>
+              </p:cTn>
+              <p:prevCondLst>
+                <p:cond evt="onPrev" delay="0">
+                  <p:tgtEl>
+                    <p:sldTgt/>
+                  </p:tgtEl>
+                </p:cond>
+              </p:prevCondLst>
+              <p:nextCondLst>
+                <p:cond evt="onNext" delay="0">
+                  <p:tgtEl>
+                    <p:sldTgt/>
+                  </p:tgtEl>
+                </p:cond>
+              </p:nextCondLst>
+            </p:seq>
+          </p:childTnLst>
+        </p:cTn>
+      </p:par>
+    </p:tnLst>
+    <p:bldLst>
+      <p:bldP spid="35" grpId="0"/>
+      <p:bldP spid="35" grpId="1"/>
+      <p:bldP spid="36" grpId="0"/>
+      <p:bldP spid="36" grpId="1"/>
+      <p:bldP spid="37" grpId="0"/>
+      <p:bldP spid="37" grpId="1"/>
+      <p:bldP spid="38" grpId="0"/>
+      <p:bldP spid="38" grpId="1"/>
+      <p:bldP spid="39" grpId="0"/>
+      <p:bldP spid="39" grpId="1"/>
+      <p:bldP spid="40" grpId="0"/>
+      <p:bldP spid="40" grpId="1"/>
+    </p:bldLst>
+  </p:timing>
 </p:sld>
 </file>
 
@@ -10786,6 +11480,412 @@
   <p:transition spd="slow">
     <p:push dir="u"/>
   </p:transition>
+  <p:timing>
+    <p:tnLst>
+      <p:par>
+        <p:cTn id="1" dur="indefinite" restart="never" nodeType="tmRoot">
+          <p:childTnLst>
+            <p:seq concurrent="1" nextAc="seek">
+              <p:cTn id="2" dur="indefinite" nodeType="mainSeq">
+                <p:childTnLst>
+                  <p:par>
+                    <p:cTn id="3" fill="hold">
+                      <p:stCondLst>
+                        <p:cond delay="indefinite"/>
+                      </p:stCondLst>
+                      <p:childTnLst>
+                        <p:par>
+                          <p:cTn id="4" fill="hold">
+                            <p:stCondLst>
+                              <p:cond delay="0"/>
+                            </p:stCondLst>
+                            <p:childTnLst>
+                              <p:par>
+                                <p:cTn id="5" presetID="2" presetClass="entr" presetSubtype="4" fill="hold" grpId="0" nodeType="clickEffect">
+                                  <p:stCondLst>
+                                    <p:cond delay="0"/>
+                                  </p:stCondLst>
+                                  <p:childTnLst>
+                                    <p:set>
+                                      <p:cBhvr>
+                                        <p:cTn id="6" dur="1" fill="hold">
+                                          <p:stCondLst>
+                                            <p:cond delay="0"/>
+                                          </p:stCondLst>
+                                        </p:cTn>
+                                        <p:tgtEl>
+                                          <p:spTgt spid="35"/>
+                                        </p:tgtEl>
+                                        <p:attrNameLst>
+                                          <p:attrName>style.visibility</p:attrName>
+                                        </p:attrNameLst>
+                                      </p:cBhvr>
+                                      <p:to>
+                                        <p:strVal val="visible"/>
+                                      </p:to>
+                                    </p:set>
+                                    <p:anim calcmode="lin" valueType="num">
+                                      <p:cBhvr additive="base">
+                                        <p:cTn id="7" dur="500" fill="hold"/>
+                                        <p:tgtEl>
+                                          <p:spTgt spid="35"/>
+                                        </p:tgtEl>
+                                        <p:attrNameLst>
+                                          <p:attrName>ppt_x</p:attrName>
+                                        </p:attrNameLst>
+                                      </p:cBhvr>
+                                      <p:tavLst>
+                                        <p:tav tm="0">
+                                          <p:val>
+                                            <p:strVal val="#ppt_x"/>
+                                          </p:val>
+                                        </p:tav>
+                                        <p:tav tm="100000">
+                                          <p:val>
+                                            <p:strVal val="#ppt_x"/>
+                                          </p:val>
+                                        </p:tav>
+                                      </p:tavLst>
+                                    </p:anim>
+                                    <p:anim calcmode="lin" valueType="num">
+                                      <p:cBhvr additive="base">
+                                        <p:cTn id="8" dur="500" fill="hold"/>
+                                        <p:tgtEl>
+                                          <p:spTgt spid="35"/>
+                                        </p:tgtEl>
+                                        <p:attrNameLst>
+                                          <p:attrName>ppt_y</p:attrName>
+                                        </p:attrNameLst>
+                                      </p:cBhvr>
+                                      <p:tavLst>
+                                        <p:tav tm="0">
+                                          <p:val>
+                                            <p:strVal val="1+#ppt_h/2"/>
+                                          </p:val>
+                                        </p:tav>
+                                        <p:tav tm="100000">
+                                          <p:val>
+                                            <p:strVal val="#ppt_y"/>
+                                          </p:val>
+                                        </p:tav>
+                                      </p:tavLst>
+                                    </p:anim>
+                                  </p:childTnLst>
+                                </p:cTn>
+                              </p:par>
+                            </p:childTnLst>
+                          </p:cTn>
+                        </p:par>
+                      </p:childTnLst>
+                    </p:cTn>
+                  </p:par>
+                  <p:par>
+                    <p:cTn id="9" fill="hold">
+                      <p:stCondLst>
+                        <p:cond delay="indefinite"/>
+                      </p:stCondLst>
+                      <p:childTnLst>
+                        <p:par>
+                          <p:cTn id="10" fill="hold">
+                            <p:stCondLst>
+                              <p:cond delay="0"/>
+                            </p:stCondLst>
+                            <p:childTnLst>
+                              <p:par>
+                                <p:cTn id="11" presetID="3" presetClass="entr" presetSubtype="10" fill="hold" grpId="0" nodeType="clickEffect">
+                                  <p:stCondLst>
+                                    <p:cond delay="0"/>
+                                  </p:stCondLst>
+                                  <p:childTnLst>
+                                    <p:set>
+                                      <p:cBhvr>
+                                        <p:cTn id="12" dur="1" fill="hold">
+                                          <p:stCondLst>
+                                            <p:cond delay="0"/>
+                                          </p:stCondLst>
+                                        </p:cTn>
+                                        <p:tgtEl>
+                                          <p:spTgt spid="36"/>
+                                        </p:tgtEl>
+                                        <p:attrNameLst>
+                                          <p:attrName>style.visibility</p:attrName>
+                                        </p:attrNameLst>
+                                      </p:cBhvr>
+                                      <p:to>
+                                        <p:strVal val="visible"/>
+                                      </p:to>
+                                    </p:set>
+                                    <p:animEffect transition="in" filter="blinds(horizontal)">
+                                      <p:cBhvr>
+                                        <p:cTn id="13" dur="500"/>
+                                        <p:tgtEl>
+                                          <p:spTgt spid="36"/>
+                                        </p:tgtEl>
+                                      </p:cBhvr>
+                                    </p:animEffect>
+                                  </p:childTnLst>
+                                </p:cTn>
+                              </p:par>
+                            </p:childTnLst>
+                          </p:cTn>
+                        </p:par>
+                      </p:childTnLst>
+                    </p:cTn>
+                  </p:par>
+                  <p:par>
+                    <p:cTn id="14" fill="hold">
+                      <p:stCondLst>
+                        <p:cond delay="indefinite"/>
+                      </p:stCondLst>
+                      <p:childTnLst>
+                        <p:par>
+                          <p:cTn id="15" fill="hold">
+                            <p:stCondLst>
+                              <p:cond delay="0"/>
+                            </p:stCondLst>
+                            <p:childTnLst>
+                              <p:par>
+                                <p:cTn id="16" presetID="22" presetClass="entr" presetSubtype="4" fill="hold" grpId="0" nodeType="clickEffect">
+                                  <p:stCondLst>
+                                    <p:cond delay="0"/>
+                                  </p:stCondLst>
+                                  <p:childTnLst>
+                                    <p:set>
+                                      <p:cBhvr>
+                                        <p:cTn id="17" dur="1" fill="hold">
+                                          <p:stCondLst>
+                                            <p:cond delay="0"/>
+                                          </p:stCondLst>
+                                        </p:cTn>
+                                        <p:tgtEl>
+                                          <p:spTgt spid="37"/>
+                                        </p:tgtEl>
+                                        <p:attrNameLst>
+                                          <p:attrName>style.visibility</p:attrName>
+                                        </p:attrNameLst>
+                                      </p:cBhvr>
+                                      <p:to>
+                                        <p:strVal val="visible"/>
+                                      </p:to>
+                                    </p:set>
+                                    <p:animEffect transition="in" filter="wipe(down)">
+                                      <p:cBhvr>
+                                        <p:cTn id="18" dur="500"/>
+                                        <p:tgtEl>
+                                          <p:spTgt spid="37"/>
+                                        </p:tgtEl>
+                                      </p:cBhvr>
+                                    </p:animEffect>
+                                  </p:childTnLst>
+                                </p:cTn>
+                              </p:par>
+                            </p:childTnLst>
+                          </p:cTn>
+                        </p:par>
+                      </p:childTnLst>
+                    </p:cTn>
+                  </p:par>
+                  <p:par>
+                    <p:cTn id="19" fill="hold">
+                      <p:stCondLst>
+                        <p:cond delay="indefinite"/>
+                      </p:stCondLst>
+                      <p:childTnLst>
+                        <p:par>
+                          <p:cTn id="20" fill="hold">
+                            <p:stCondLst>
+                              <p:cond delay="0"/>
+                            </p:stCondLst>
+                            <p:childTnLst>
+                              <p:par>
+                                <p:cTn id="21" presetID="12" presetClass="entr" presetSubtype="4" fill="hold" grpId="0" nodeType="clickEffect">
+                                  <p:stCondLst>
+                                    <p:cond delay="0"/>
+                                  </p:stCondLst>
+                                  <p:childTnLst>
+                                    <p:set>
+                                      <p:cBhvr>
+                                        <p:cTn id="22" dur="1" fill="hold">
+                                          <p:stCondLst>
+                                            <p:cond delay="0"/>
+                                          </p:stCondLst>
+                                        </p:cTn>
+                                        <p:tgtEl>
+                                          <p:spTgt spid="38"/>
+                                        </p:tgtEl>
+                                        <p:attrNameLst>
+                                          <p:attrName>style.visibility</p:attrName>
+                                        </p:attrNameLst>
+                                      </p:cBhvr>
+                                      <p:to>
+                                        <p:strVal val="visible"/>
+                                      </p:to>
+                                    </p:set>
+                                    <p:anim calcmode="lin" valueType="num">
+                                      <p:cBhvr additive="base">
+                                        <p:cTn id="23" dur="500"/>
+                                        <p:tgtEl>
+                                          <p:spTgt spid="38"/>
+                                        </p:tgtEl>
+                                        <p:attrNameLst>
+                                          <p:attrName>ppt_y</p:attrName>
+                                        </p:attrNameLst>
+                                      </p:cBhvr>
+                                      <p:tavLst>
+                                        <p:tav tm="0">
+                                          <p:val>
+                                            <p:strVal val="#ppt_y+#ppt_h*1.125000"/>
+                                          </p:val>
+                                        </p:tav>
+                                        <p:tav tm="100000">
+                                          <p:val>
+                                            <p:strVal val="#ppt_y"/>
+                                          </p:val>
+                                        </p:tav>
+                                      </p:tavLst>
+                                    </p:anim>
+                                    <p:animEffect transition="in" filter="wipe(up)">
+                                      <p:cBhvr>
+                                        <p:cTn id="24" dur="500"/>
+                                        <p:tgtEl>
+                                          <p:spTgt spid="38"/>
+                                        </p:tgtEl>
+                                      </p:cBhvr>
+                                    </p:animEffect>
+                                  </p:childTnLst>
+                                </p:cTn>
+                              </p:par>
+                            </p:childTnLst>
+                          </p:cTn>
+                        </p:par>
+                      </p:childTnLst>
+                    </p:cTn>
+                  </p:par>
+                  <p:par>
+                    <p:cTn id="25" fill="hold">
+                      <p:stCondLst>
+                        <p:cond delay="indefinite"/>
+                      </p:stCondLst>
+                      <p:childTnLst>
+                        <p:par>
+                          <p:cTn id="26" fill="hold">
+                            <p:stCondLst>
+                              <p:cond delay="0"/>
+                            </p:stCondLst>
+                            <p:childTnLst>
+                              <p:par>
+                                <p:cTn id="27" presetID="2" presetClass="entr" presetSubtype="4" fill="hold" grpId="0" nodeType="clickEffect">
+                                  <p:stCondLst>
+                                    <p:cond delay="0"/>
+                                  </p:stCondLst>
+                                  <p:childTnLst>
+                                    <p:set>
+                                      <p:cBhvr>
+                                        <p:cTn id="28" dur="1" fill="hold">
+                                          <p:stCondLst>
+                                            <p:cond delay="0"/>
+                                          </p:stCondLst>
+                                        </p:cTn>
+                                        <p:tgtEl>
+                                          <p:spTgt spid="39"/>
+                                        </p:tgtEl>
+                                        <p:attrNameLst>
+                                          <p:attrName>style.visibility</p:attrName>
+                                        </p:attrNameLst>
+                                      </p:cBhvr>
+                                      <p:to>
+                                        <p:strVal val="visible"/>
+                                      </p:to>
+                                    </p:set>
+                                    <p:anim calcmode="lin" valueType="num">
+                                      <p:cBhvr additive="base">
+                                        <p:cTn id="29" dur="500" fill="hold"/>
+                                        <p:tgtEl>
+                                          <p:spTgt spid="39"/>
+                                        </p:tgtEl>
+                                        <p:attrNameLst>
+                                          <p:attrName>ppt_x</p:attrName>
+                                        </p:attrNameLst>
+                                      </p:cBhvr>
+                                      <p:tavLst>
+                                        <p:tav tm="0">
+                                          <p:val>
+                                            <p:strVal val="#ppt_x"/>
+                                          </p:val>
+                                        </p:tav>
+                                        <p:tav tm="100000">
+                                          <p:val>
+                                            <p:strVal val="#ppt_x"/>
+                                          </p:val>
+                                        </p:tav>
+                                      </p:tavLst>
+                                    </p:anim>
+                                    <p:anim calcmode="lin" valueType="num">
+                                      <p:cBhvr additive="base">
+                                        <p:cTn id="30" dur="500" fill="hold"/>
+                                        <p:tgtEl>
+                                          <p:spTgt spid="39"/>
+                                        </p:tgtEl>
+                                        <p:attrNameLst>
+                                          <p:attrName>ppt_y</p:attrName>
+                                        </p:attrNameLst>
+                                      </p:cBhvr>
+                                      <p:tavLst>
+                                        <p:tav tm="0">
+                                          <p:val>
+                                            <p:strVal val="1+#ppt_h/2"/>
+                                          </p:val>
+                                        </p:tav>
+                                        <p:tav tm="100000">
+                                          <p:val>
+                                            <p:strVal val="#ppt_y"/>
+                                          </p:val>
+                                        </p:tav>
+                                      </p:tavLst>
+                                    </p:anim>
+                                  </p:childTnLst>
+                                </p:cTn>
+                              </p:par>
+                            </p:childTnLst>
+                          </p:cTn>
+                        </p:par>
+                      </p:childTnLst>
+                    </p:cTn>
+                  </p:par>
+                </p:childTnLst>
+              </p:cTn>
+              <p:prevCondLst>
+                <p:cond evt="onPrev" delay="0">
+                  <p:tgtEl>
+                    <p:sldTgt/>
+                  </p:tgtEl>
+                </p:cond>
+              </p:prevCondLst>
+              <p:nextCondLst>
+                <p:cond evt="onNext" delay="0">
+                  <p:tgtEl>
+                    <p:sldTgt/>
+                  </p:tgtEl>
+                </p:cond>
+              </p:nextCondLst>
+            </p:seq>
+          </p:childTnLst>
+        </p:cTn>
+      </p:par>
+    </p:tnLst>
+    <p:bldLst>
+      <p:bldP spid="35" grpId="0"/>
+      <p:bldP spid="35" grpId="1"/>
+      <p:bldP spid="36" grpId="0"/>
+      <p:bldP spid="36" grpId="1"/>
+      <p:bldP spid="37" grpId="0"/>
+      <p:bldP spid="37" grpId="1"/>
+      <p:bldP spid="38" grpId="0"/>
+      <p:bldP spid="38" grpId="1"/>
+      <p:bldP spid="39" grpId="0"/>
+      <p:bldP spid="39" grpId="1"/>
+    </p:bldLst>
+  </p:timing>
 </p:sld>
 </file>
 
@@ -11005,6 +12105,131 @@
   <p:transition spd="slow">
     <p:push dir="u"/>
   </p:transition>
+  <p:timing>
+    <p:tnLst>
+      <p:par>
+        <p:cTn id="1" dur="indefinite" restart="never" nodeType="tmRoot">
+          <p:childTnLst>
+            <p:seq concurrent="1" nextAc="seek">
+              <p:cTn id="2" dur="indefinite" nodeType="mainSeq">
+                <p:childTnLst>
+                  <p:par>
+                    <p:cTn id="3" fill="hold">
+                      <p:stCondLst>
+                        <p:cond delay="indefinite"/>
+                      </p:stCondLst>
+                      <p:childTnLst>
+                        <p:par>
+                          <p:cTn id="4" fill="hold">
+                            <p:stCondLst>
+                              <p:cond delay="0"/>
+                            </p:stCondLst>
+                            <p:childTnLst>
+                              <p:par>
+                                <p:cTn id="5" presetID="2" presetClass="entr" presetSubtype="4" fill="hold" grpId="0" nodeType="clickEffect">
+                                  <p:stCondLst>
+                                    <p:cond delay="0"/>
+                                  </p:stCondLst>
+                                  <p:childTnLst>
+                                    <p:set>
+                                      <p:cBhvr>
+                                        <p:cTn id="6" dur="1" fill="hold">
+                                          <p:stCondLst>
+                                            <p:cond delay="0"/>
+                                          </p:stCondLst>
+                                        </p:cTn>
+                                        <p:tgtEl>
+                                          <p:spTgt spid="77"/>
+                                        </p:tgtEl>
+                                        <p:attrNameLst>
+                                          <p:attrName>style.visibility</p:attrName>
+                                        </p:attrNameLst>
+                                      </p:cBhvr>
+                                      <p:to>
+                                        <p:strVal val="visible"/>
+                                      </p:to>
+                                    </p:set>
+                                    <p:anim calcmode="lin" valueType="num">
+                                      <p:cBhvr additive="base">
+                                        <p:cTn id="7" dur="500" fill="hold"/>
+                                        <p:tgtEl>
+                                          <p:spTgt spid="77"/>
+                                        </p:tgtEl>
+                                        <p:attrNameLst>
+                                          <p:attrName>ppt_x</p:attrName>
+                                        </p:attrNameLst>
+                                      </p:cBhvr>
+                                      <p:tavLst>
+                                        <p:tav tm="0">
+                                          <p:val>
+                                            <p:strVal val="#ppt_x"/>
+                                          </p:val>
+                                        </p:tav>
+                                        <p:tav tm="100000">
+                                          <p:val>
+                                            <p:strVal val="#ppt_x"/>
+                                          </p:val>
+                                        </p:tav>
+                                      </p:tavLst>
+                                    </p:anim>
+                                    <p:anim calcmode="lin" valueType="num">
+                                      <p:cBhvr additive="base">
+                                        <p:cTn id="8" dur="500" fill="hold"/>
+                                        <p:tgtEl>
+                                          <p:spTgt spid="77"/>
+                                        </p:tgtEl>
+                                        <p:attrNameLst>
+                                          <p:attrName>ppt_y</p:attrName>
+                                        </p:attrNameLst>
+                                      </p:cBhvr>
+                                      <p:tavLst>
+                                        <p:tav tm="0">
+                                          <p:val>
+                                            <p:strVal val="1+#ppt_h/2"/>
+                                          </p:val>
+                                        </p:tav>
+                                        <p:tav tm="100000">
+                                          <p:val>
+                                            <p:strVal val="#ppt_y"/>
+                                          </p:val>
+                                        </p:tav>
+                                      </p:tavLst>
+                                    </p:anim>
+                                  </p:childTnLst>
+                                </p:cTn>
+                              </p:par>
+                            </p:childTnLst>
+                          </p:cTn>
+                        </p:par>
+                      </p:childTnLst>
+                    </p:cTn>
+                  </p:par>
+                </p:childTnLst>
+              </p:cTn>
+              <p:prevCondLst>
+                <p:cond evt="onPrev" delay="0">
+                  <p:tgtEl>
+                    <p:sldTgt/>
+                  </p:tgtEl>
+                </p:cond>
+              </p:prevCondLst>
+              <p:nextCondLst>
+                <p:cond evt="onNext" delay="0">
+                  <p:tgtEl>
+                    <p:sldTgt/>
+                  </p:tgtEl>
+                </p:cond>
+              </p:nextCondLst>
+            </p:seq>
+          </p:childTnLst>
+        </p:cTn>
+      </p:par>
+    </p:tnLst>
+    <p:bldLst>
+      <p:bldP spid="77" grpId="0"/>
+      <p:bldP spid="77" grpId="1"/>
+    </p:bldLst>
+  </p:timing>
 </p:sld>
 </file>
 
@@ -11340,6 +12565,264 @@
   <p:transition spd="slow">
     <p:push dir="u"/>
   </p:transition>
+  <p:timing>
+    <p:tnLst>
+      <p:par>
+        <p:cTn id="1" dur="indefinite" restart="never" nodeType="tmRoot">
+          <p:childTnLst>
+            <p:seq concurrent="1" nextAc="seek">
+              <p:cTn id="2" dur="indefinite" nodeType="mainSeq">
+                <p:childTnLst>
+                  <p:par>
+                    <p:cTn id="3" fill="hold">
+                      <p:stCondLst>
+                        <p:cond delay="indefinite"/>
+                      </p:stCondLst>
+                      <p:childTnLst>
+                        <p:par>
+                          <p:cTn id="4" fill="hold">
+                            <p:stCondLst>
+                              <p:cond delay="0"/>
+                            </p:stCondLst>
+                            <p:childTnLst>
+                              <p:par>
+                                <p:cTn id="5" presetID="2" presetClass="entr" presetSubtype="4" fill="hold" grpId="0" nodeType="clickEffect">
+                                  <p:stCondLst>
+                                    <p:cond delay="0"/>
+                                  </p:stCondLst>
+                                  <p:childTnLst>
+                                    <p:set>
+                                      <p:cBhvr>
+                                        <p:cTn id="6" dur="1" fill="hold">
+                                          <p:stCondLst>
+                                            <p:cond delay="0"/>
+                                          </p:stCondLst>
+                                        </p:cTn>
+                                        <p:tgtEl>
+                                          <p:spTgt spid="31"/>
+                                        </p:tgtEl>
+                                        <p:attrNameLst>
+                                          <p:attrName>style.visibility</p:attrName>
+                                        </p:attrNameLst>
+                                      </p:cBhvr>
+                                      <p:to>
+                                        <p:strVal val="visible"/>
+                                      </p:to>
+                                    </p:set>
+                                    <p:anim calcmode="lin" valueType="num">
+                                      <p:cBhvr additive="base">
+                                        <p:cTn id="7" dur="500" fill="hold"/>
+                                        <p:tgtEl>
+                                          <p:spTgt spid="31"/>
+                                        </p:tgtEl>
+                                        <p:attrNameLst>
+                                          <p:attrName>ppt_x</p:attrName>
+                                        </p:attrNameLst>
+                                      </p:cBhvr>
+                                      <p:tavLst>
+                                        <p:tav tm="0">
+                                          <p:val>
+                                            <p:strVal val="#ppt_x"/>
+                                          </p:val>
+                                        </p:tav>
+                                        <p:tav tm="100000">
+                                          <p:val>
+                                            <p:strVal val="#ppt_x"/>
+                                          </p:val>
+                                        </p:tav>
+                                      </p:tavLst>
+                                    </p:anim>
+                                    <p:anim calcmode="lin" valueType="num">
+                                      <p:cBhvr additive="base">
+                                        <p:cTn id="8" dur="500" fill="hold"/>
+                                        <p:tgtEl>
+                                          <p:spTgt spid="31"/>
+                                        </p:tgtEl>
+                                        <p:attrNameLst>
+                                          <p:attrName>ppt_y</p:attrName>
+                                        </p:attrNameLst>
+                                      </p:cBhvr>
+                                      <p:tavLst>
+                                        <p:tav tm="0">
+                                          <p:val>
+                                            <p:strVal val="1+#ppt_h/2"/>
+                                          </p:val>
+                                        </p:tav>
+                                        <p:tav tm="100000">
+                                          <p:val>
+                                            <p:strVal val="#ppt_y"/>
+                                          </p:val>
+                                        </p:tav>
+                                      </p:tavLst>
+                                    </p:anim>
+                                  </p:childTnLst>
+                                </p:cTn>
+                              </p:par>
+                            </p:childTnLst>
+                          </p:cTn>
+                        </p:par>
+                      </p:childTnLst>
+                    </p:cTn>
+                  </p:par>
+                  <p:par>
+                    <p:cTn id="9" fill="hold">
+                      <p:stCondLst>
+                        <p:cond delay="indefinite"/>
+                      </p:stCondLst>
+                      <p:childTnLst>
+                        <p:par>
+                          <p:cTn id="10" fill="hold">
+                            <p:stCondLst>
+                              <p:cond delay="0"/>
+                            </p:stCondLst>
+                            <p:childTnLst>
+                              <p:par>
+                                <p:cTn id="11" presetID="12" presetClass="entr" presetSubtype="4" fill="hold" grpId="0" nodeType="clickEffect">
+                                  <p:stCondLst>
+                                    <p:cond delay="0"/>
+                                  </p:stCondLst>
+                                  <p:childTnLst>
+                                    <p:set>
+                                      <p:cBhvr>
+                                        <p:cTn id="12" dur="1" fill="hold">
+                                          <p:stCondLst>
+                                            <p:cond delay="0"/>
+                                          </p:stCondLst>
+                                        </p:cTn>
+                                        <p:tgtEl>
+                                          <p:spTgt spid="32"/>
+                                        </p:tgtEl>
+                                        <p:attrNameLst>
+                                          <p:attrName>style.visibility</p:attrName>
+                                        </p:attrNameLst>
+                                      </p:cBhvr>
+                                      <p:to>
+                                        <p:strVal val="visible"/>
+                                      </p:to>
+                                    </p:set>
+                                    <p:anim calcmode="lin" valueType="num">
+                                      <p:cBhvr additive="base">
+                                        <p:cTn id="13" dur="500"/>
+                                        <p:tgtEl>
+                                          <p:spTgt spid="32"/>
+                                        </p:tgtEl>
+                                        <p:attrNameLst>
+                                          <p:attrName>ppt_y</p:attrName>
+                                        </p:attrNameLst>
+                                      </p:cBhvr>
+                                      <p:tavLst>
+                                        <p:tav tm="0">
+                                          <p:val>
+                                            <p:strVal val="#ppt_y+#ppt_h*1.125000"/>
+                                          </p:val>
+                                        </p:tav>
+                                        <p:tav tm="100000">
+                                          <p:val>
+                                            <p:strVal val="#ppt_y"/>
+                                          </p:val>
+                                        </p:tav>
+                                      </p:tavLst>
+                                    </p:anim>
+                                    <p:animEffect transition="in" filter="wipe(up)">
+                                      <p:cBhvr>
+                                        <p:cTn id="14" dur="500"/>
+                                        <p:tgtEl>
+                                          <p:spTgt spid="32"/>
+                                        </p:tgtEl>
+                                      </p:cBhvr>
+                                    </p:animEffect>
+                                  </p:childTnLst>
+                                </p:cTn>
+                              </p:par>
+                            </p:childTnLst>
+                          </p:cTn>
+                        </p:par>
+                      </p:childTnLst>
+                    </p:cTn>
+                  </p:par>
+                  <p:par>
+                    <p:cTn id="15" fill="hold">
+                      <p:stCondLst>
+                        <p:cond delay="indefinite"/>
+                      </p:stCondLst>
+                      <p:childTnLst>
+                        <p:par>
+                          <p:cTn id="16" fill="hold">
+                            <p:stCondLst>
+                              <p:cond delay="0"/>
+                            </p:stCondLst>
+                            <p:childTnLst>
+                              <p:par>
+                                <p:cTn id="17" presetID="3" presetClass="entr" presetSubtype="10" fill="hold" grpId="0" nodeType="clickEffect">
+                                  <p:stCondLst>
+                                    <p:cond delay="0"/>
+                                  </p:stCondLst>
+                                  <p:childTnLst>
+                                    <p:set>
+                                      <p:cBhvr>
+                                        <p:cTn id="18" dur="1" fill="hold">
+                                          <p:stCondLst>
+                                            <p:cond delay="0"/>
+                                          </p:stCondLst>
+                                        </p:cTn>
+                                        <p:tgtEl>
+                                          <p:spTgt spid="34"/>
+                                        </p:tgtEl>
+                                        <p:attrNameLst>
+                                          <p:attrName>style.visibility</p:attrName>
+                                        </p:attrNameLst>
+                                      </p:cBhvr>
+                                      <p:to>
+                                        <p:strVal val="visible"/>
+                                      </p:to>
+                                    </p:set>
+                                    <p:animEffect transition="in" filter="blinds(horizontal)">
+                                      <p:cBhvr>
+                                        <p:cTn id="19" dur="500"/>
+                                        <p:tgtEl>
+                                          <p:spTgt spid="34"/>
+                                        </p:tgtEl>
+                                      </p:cBhvr>
+                                    </p:animEffect>
+                                  </p:childTnLst>
+                                </p:cTn>
+                              </p:par>
+                            </p:childTnLst>
+                          </p:cTn>
+                        </p:par>
+                      </p:childTnLst>
+                    </p:cTn>
+                  </p:par>
+                </p:childTnLst>
+              </p:cTn>
+              <p:prevCondLst>
+                <p:cond evt="onPrev" delay="0">
+                  <p:tgtEl>
+                    <p:sldTgt/>
+                  </p:tgtEl>
+                </p:cond>
+              </p:prevCondLst>
+              <p:nextCondLst>
+                <p:cond evt="onNext" delay="0">
+                  <p:tgtEl>
+                    <p:sldTgt/>
+                  </p:tgtEl>
+                </p:cond>
+              </p:nextCondLst>
+            </p:seq>
+          </p:childTnLst>
+        </p:cTn>
+      </p:par>
+    </p:tnLst>
+    <p:bldLst>
+      <p:bldP spid="31" grpId="0"/>
+      <p:bldP spid="31" grpId="1"/>
+      <p:bldP spid="32" grpId="0"/>
+      <p:bldP spid="32" grpId="1"/>
+      <p:bldP spid="34" grpId="0"/>
+      <p:bldP spid="34" grpId="1"/>
+    </p:bldLst>
+  </p:timing>
 </p:sld>
 </file>
 
@@ -11854,6 +13337,414 @@
   <p:transition spd="slow">
     <p:push dir="u"/>
   </p:transition>
+  <p:timing>
+    <p:tnLst>
+      <p:par>
+        <p:cTn id="1" dur="indefinite" restart="never" nodeType="tmRoot">
+          <p:childTnLst>
+            <p:seq concurrent="1" nextAc="seek">
+              <p:cTn id="2" dur="indefinite" nodeType="mainSeq">
+                <p:childTnLst>
+                  <p:par>
+                    <p:cTn id="3" fill="hold">
+                      <p:stCondLst>
+                        <p:cond delay="indefinite"/>
+                      </p:stCondLst>
+                      <p:childTnLst>
+                        <p:par>
+                          <p:cTn id="4" fill="hold">
+                            <p:stCondLst>
+                              <p:cond delay="0"/>
+                            </p:stCondLst>
+                            <p:childTnLst>
+                              <p:par>
+                                <p:cTn id="5" presetID="3" presetClass="entr" presetSubtype="10" fill="hold" grpId="0" nodeType="clickEffect">
+                                  <p:stCondLst>
+                                    <p:cond delay="0"/>
+                                  </p:stCondLst>
+                                  <p:childTnLst>
+                                    <p:set>
+                                      <p:cBhvr>
+                                        <p:cTn id="6" dur="1" fill="hold">
+                                          <p:stCondLst>
+                                            <p:cond delay="0"/>
+                                          </p:stCondLst>
+                                        </p:cTn>
+                                        <p:tgtEl>
+                                          <p:spTgt spid="31"/>
+                                        </p:tgtEl>
+                                        <p:attrNameLst>
+                                          <p:attrName>style.visibility</p:attrName>
+                                        </p:attrNameLst>
+                                      </p:cBhvr>
+                                      <p:to>
+                                        <p:strVal val="visible"/>
+                                      </p:to>
+                                    </p:set>
+                                    <p:animEffect transition="in" filter="blinds(horizontal)">
+                                      <p:cBhvr>
+                                        <p:cTn id="7" dur="500"/>
+                                        <p:tgtEl>
+                                          <p:spTgt spid="31"/>
+                                        </p:tgtEl>
+                                      </p:cBhvr>
+                                    </p:animEffect>
+                                  </p:childTnLst>
+                                </p:cTn>
+                              </p:par>
+                            </p:childTnLst>
+                          </p:cTn>
+                        </p:par>
+                      </p:childTnLst>
+                    </p:cTn>
+                  </p:par>
+                  <p:par>
+                    <p:cTn id="8" fill="hold">
+                      <p:stCondLst>
+                        <p:cond delay="indefinite"/>
+                      </p:stCondLst>
+                      <p:childTnLst>
+                        <p:par>
+                          <p:cTn id="9" fill="hold">
+                            <p:stCondLst>
+                              <p:cond delay="0"/>
+                            </p:stCondLst>
+                            <p:childTnLst>
+                              <p:par>
+                                <p:cTn id="10" presetID="12" presetClass="entr" presetSubtype="4" fill="hold" grpId="0" nodeType="clickEffect">
+                                  <p:stCondLst>
+                                    <p:cond delay="0"/>
+                                  </p:stCondLst>
+                                  <p:childTnLst>
+                                    <p:set>
+                                      <p:cBhvr>
+                                        <p:cTn id="11" dur="1" fill="hold">
+                                          <p:stCondLst>
+                                            <p:cond delay="0"/>
+                                          </p:stCondLst>
+                                        </p:cTn>
+                                        <p:tgtEl>
+                                          <p:spTgt spid="32"/>
+                                        </p:tgtEl>
+                                        <p:attrNameLst>
+                                          <p:attrName>style.visibility</p:attrName>
+                                        </p:attrNameLst>
+                                      </p:cBhvr>
+                                      <p:to>
+                                        <p:strVal val="visible"/>
+                                      </p:to>
+                                    </p:set>
+                                    <p:anim calcmode="lin" valueType="num">
+                                      <p:cBhvr additive="base">
+                                        <p:cTn id="12" dur="500"/>
+                                        <p:tgtEl>
+                                          <p:spTgt spid="32"/>
+                                        </p:tgtEl>
+                                        <p:attrNameLst>
+                                          <p:attrName>ppt_y</p:attrName>
+                                        </p:attrNameLst>
+                                      </p:cBhvr>
+                                      <p:tavLst>
+                                        <p:tav tm="0">
+                                          <p:val>
+                                            <p:strVal val="#ppt_y+#ppt_h*1.125000"/>
+                                          </p:val>
+                                        </p:tav>
+                                        <p:tav tm="100000">
+                                          <p:val>
+                                            <p:strVal val="#ppt_y"/>
+                                          </p:val>
+                                        </p:tav>
+                                      </p:tavLst>
+                                    </p:anim>
+                                    <p:animEffect transition="in" filter="wipe(up)">
+                                      <p:cBhvr>
+                                        <p:cTn id="13" dur="500"/>
+                                        <p:tgtEl>
+                                          <p:spTgt spid="32"/>
+                                        </p:tgtEl>
+                                      </p:cBhvr>
+                                    </p:animEffect>
+                                  </p:childTnLst>
+                                </p:cTn>
+                              </p:par>
+                            </p:childTnLst>
+                          </p:cTn>
+                        </p:par>
+                      </p:childTnLst>
+                    </p:cTn>
+                  </p:par>
+                  <p:par>
+                    <p:cTn id="14" fill="hold">
+                      <p:stCondLst>
+                        <p:cond delay="indefinite"/>
+                      </p:stCondLst>
+                      <p:childTnLst>
+                        <p:par>
+                          <p:cTn id="15" fill="hold">
+                            <p:stCondLst>
+                              <p:cond delay="0"/>
+                            </p:stCondLst>
+                            <p:childTnLst>
+                              <p:par>
+                                <p:cTn id="16" presetID="22" presetClass="entr" presetSubtype="4" fill="hold" grpId="0" nodeType="clickEffect">
+                                  <p:stCondLst>
+                                    <p:cond delay="0"/>
+                                  </p:stCondLst>
+                                  <p:childTnLst>
+                                    <p:set>
+                                      <p:cBhvr>
+                                        <p:cTn id="17" dur="1" fill="hold">
+                                          <p:stCondLst>
+                                            <p:cond delay="0"/>
+                                          </p:stCondLst>
+                                        </p:cTn>
+                                        <p:tgtEl>
+                                          <p:spTgt spid="33"/>
+                                        </p:tgtEl>
+                                        <p:attrNameLst>
+                                          <p:attrName>style.visibility</p:attrName>
+                                        </p:attrNameLst>
+                                      </p:cBhvr>
+                                      <p:to>
+                                        <p:strVal val="visible"/>
+                                      </p:to>
+                                    </p:set>
+                                    <p:animEffect transition="in" filter="wipe(down)">
+                                      <p:cBhvr>
+                                        <p:cTn id="18" dur="500"/>
+                                        <p:tgtEl>
+                                          <p:spTgt spid="33"/>
+                                        </p:tgtEl>
+                                      </p:cBhvr>
+                                    </p:animEffect>
+                                  </p:childTnLst>
+                                </p:cTn>
+                              </p:par>
+                            </p:childTnLst>
+                          </p:cTn>
+                        </p:par>
+                      </p:childTnLst>
+                    </p:cTn>
+                  </p:par>
+                  <p:par>
+                    <p:cTn id="19" fill="hold">
+                      <p:stCondLst>
+                        <p:cond delay="indefinite"/>
+                      </p:stCondLst>
+                      <p:childTnLst>
+                        <p:par>
+                          <p:cTn id="20" fill="hold">
+                            <p:stCondLst>
+                              <p:cond delay="0"/>
+                            </p:stCondLst>
+                            <p:childTnLst>
+                              <p:par>
+                                <p:cTn id="21" presetID="3" presetClass="entr" presetSubtype="10" fill="hold" grpId="0" nodeType="clickEffect">
+                                  <p:stCondLst>
+                                    <p:cond delay="0"/>
+                                  </p:stCondLst>
+                                  <p:childTnLst>
+                                    <p:set>
+                                      <p:cBhvr>
+                                        <p:cTn id="22" dur="1" fill="hold">
+                                          <p:stCondLst>
+                                            <p:cond delay="0"/>
+                                          </p:stCondLst>
+                                        </p:cTn>
+                                        <p:tgtEl>
+                                          <p:spTgt spid="34"/>
+                                        </p:tgtEl>
+                                        <p:attrNameLst>
+                                          <p:attrName>style.visibility</p:attrName>
+                                        </p:attrNameLst>
+                                      </p:cBhvr>
+                                      <p:to>
+                                        <p:strVal val="visible"/>
+                                      </p:to>
+                                    </p:set>
+                                    <p:animEffect transition="in" filter="blinds(horizontal)">
+                                      <p:cBhvr>
+                                        <p:cTn id="23" dur="500"/>
+                                        <p:tgtEl>
+                                          <p:spTgt spid="34"/>
+                                        </p:tgtEl>
+                                      </p:cBhvr>
+                                    </p:animEffect>
+                                  </p:childTnLst>
+                                </p:cTn>
+                              </p:par>
+                            </p:childTnLst>
+                          </p:cTn>
+                        </p:par>
+                      </p:childTnLst>
+                    </p:cTn>
+                  </p:par>
+                  <p:par>
+                    <p:cTn id="24" fill="hold">
+                      <p:stCondLst>
+                        <p:cond delay="indefinite"/>
+                      </p:stCondLst>
+                      <p:childTnLst>
+                        <p:par>
+                          <p:cTn id="25" fill="hold">
+                            <p:stCondLst>
+                              <p:cond delay="0"/>
+                            </p:stCondLst>
+                            <p:childTnLst>
+                              <p:par>
+                                <p:cTn id="26" presetID="22" presetClass="entr" presetSubtype="4" fill="hold" grpId="0" nodeType="clickEffect">
+                                  <p:stCondLst>
+                                    <p:cond delay="0"/>
+                                  </p:stCondLst>
+                                  <p:childTnLst>
+                                    <p:set>
+                                      <p:cBhvr>
+                                        <p:cTn id="27" dur="1" fill="hold">
+                                          <p:stCondLst>
+                                            <p:cond delay="0"/>
+                                          </p:stCondLst>
+                                        </p:cTn>
+                                        <p:tgtEl>
+                                          <p:spTgt spid="35"/>
+                                        </p:tgtEl>
+                                        <p:attrNameLst>
+                                          <p:attrName>style.visibility</p:attrName>
+                                        </p:attrNameLst>
+                                      </p:cBhvr>
+                                      <p:to>
+                                        <p:strVal val="visible"/>
+                                      </p:to>
+                                    </p:set>
+                                    <p:animEffect transition="in" filter="wipe(down)">
+                                      <p:cBhvr>
+                                        <p:cTn id="28" dur="500"/>
+                                        <p:tgtEl>
+                                          <p:spTgt spid="35"/>
+                                        </p:tgtEl>
+                                      </p:cBhvr>
+                                    </p:animEffect>
+                                  </p:childTnLst>
+                                </p:cTn>
+                              </p:par>
+                            </p:childTnLst>
+                          </p:cTn>
+                        </p:par>
+                      </p:childTnLst>
+                    </p:cTn>
+                  </p:par>
+                  <p:par>
+                    <p:cTn id="29" fill="hold">
+                      <p:stCondLst>
+                        <p:cond delay="indefinite"/>
+                      </p:stCondLst>
+                      <p:childTnLst>
+                        <p:par>
+                          <p:cTn id="30" fill="hold">
+                            <p:stCondLst>
+                              <p:cond delay="0"/>
+                            </p:stCondLst>
+                            <p:childTnLst>
+                              <p:par>
+                                <p:cTn id="31" presetID="12" presetClass="entr" presetSubtype="4" fill="hold" grpId="0" nodeType="clickEffect">
+                                  <p:stCondLst>
+                                    <p:cond delay="0"/>
+                                  </p:stCondLst>
+                                  <p:childTnLst>
+                                    <p:set>
+                                      <p:cBhvr>
+                                        <p:cTn id="32" dur="1" fill="hold">
+                                          <p:stCondLst>
+                                            <p:cond delay="0"/>
+                                          </p:stCondLst>
+                                        </p:cTn>
+                                        <p:tgtEl>
+                                          <p:spTgt spid="36"/>
+                                        </p:tgtEl>
+                                        <p:attrNameLst>
+                                          <p:attrName>style.visibility</p:attrName>
+                                        </p:attrNameLst>
+                                      </p:cBhvr>
+                                      <p:to>
+                                        <p:strVal val="visible"/>
+                                      </p:to>
+                                    </p:set>
+                                    <p:anim calcmode="lin" valueType="num">
+                                      <p:cBhvr additive="base">
+                                        <p:cTn id="33" dur="500"/>
+                                        <p:tgtEl>
+                                          <p:spTgt spid="36"/>
+                                        </p:tgtEl>
+                                        <p:attrNameLst>
+                                          <p:attrName>ppt_y</p:attrName>
+                                        </p:attrNameLst>
+                                      </p:cBhvr>
+                                      <p:tavLst>
+                                        <p:tav tm="0">
+                                          <p:val>
+                                            <p:strVal val="#ppt_y+#ppt_h*1.125000"/>
+                                          </p:val>
+                                        </p:tav>
+                                        <p:tav tm="100000">
+                                          <p:val>
+                                            <p:strVal val="#ppt_y"/>
+                                          </p:val>
+                                        </p:tav>
+                                      </p:tavLst>
+                                    </p:anim>
+                                    <p:animEffect transition="in" filter="wipe(up)">
+                                      <p:cBhvr>
+                                        <p:cTn id="34" dur="500"/>
+                                        <p:tgtEl>
+                                          <p:spTgt spid="36"/>
+                                        </p:tgtEl>
+                                      </p:cBhvr>
+                                    </p:animEffect>
+                                  </p:childTnLst>
+                                </p:cTn>
+                              </p:par>
+                            </p:childTnLst>
+                          </p:cTn>
+                        </p:par>
+                      </p:childTnLst>
+                    </p:cTn>
+                  </p:par>
+                </p:childTnLst>
+              </p:cTn>
+              <p:prevCondLst>
+                <p:cond evt="onPrev" delay="0">
+                  <p:tgtEl>
+                    <p:sldTgt/>
+                  </p:tgtEl>
+                </p:cond>
+              </p:prevCondLst>
+              <p:nextCondLst>
+                <p:cond evt="onNext" delay="0">
+                  <p:tgtEl>
+                    <p:sldTgt/>
+                  </p:tgtEl>
+                </p:cond>
+              </p:nextCondLst>
+            </p:seq>
+          </p:childTnLst>
+        </p:cTn>
+      </p:par>
+    </p:tnLst>
+    <p:bldLst>
+      <p:bldP spid="31" grpId="0"/>
+      <p:bldP spid="31" grpId="1"/>
+      <p:bldP spid="32" grpId="0"/>
+      <p:bldP spid="32" grpId="1"/>
+      <p:bldP spid="33" grpId="0"/>
+      <p:bldP spid="33" grpId="1"/>
+      <p:bldP spid="34" grpId="0"/>
+      <p:bldP spid="34" grpId="1"/>
+      <p:bldP spid="35" grpId="0"/>
+      <p:bldP spid="35" grpId="1"/>
+      <p:bldP spid="36" grpId="0"/>
+      <p:bldP spid="36" grpId="1"/>
+    </p:bldLst>
+  </p:timing>
 </p:sld>
 </file>
 
@@ -12457,6 +14348,264 @@
   <p:transition spd="slow">
     <p:push dir="u"/>
   </p:transition>
+  <p:timing>
+    <p:tnLst>
+      <p:par>
+        <p:cTn id="1" dur="indefinite" restart="never" nodeType="tmRoot">
+          <p:childTnLst>
+            <p:seq concurrent="1" nextAc="seek">
+              <p:cTn id="2" dur="indefinite" nodeType="mainSeq">
+                <p:childTnLst>
+                  <p:par>
+                    <p:cTn id="3" fill="hold">
+                      <p:stCondLst>
+                        <p:cond delay="indefinite"/>
+                      </p:stCondLst>
+                      <p:childTnLst>
+                        <p:par>
+                          <p:cTn id="4" fill="hold">
+                            <p:stCondLst>
+                              <p:cond delay="0"/>
+                            </p:stCondLst>
+                            <p:childTnLst>
+                              <p:par>
+                                <p:cTn id="5" presetID="2" presetClass="entr" presetSubtype="4" fill="hold" grpId="0" nodeType="clickEffect">
+                                  <p:stCondLst>
+                                    <p:cond delay="0"/>
+                                  </p:stCondLst>
+                                  <p:childTnLst>
+                                    <p:set>
+                                      <p:cBhvr>
+                                        <p:cTn id="6" dur="1" fill="hold">
+                                          <p:stCondLst>
+                                            <p:cond delay="0"/>
+                                          </p:stCondLst>
+                                        </p:cTn>
+                                        <p:tgtEl>
+                                          <p:spTgt spid="40"/>
+                                        </p:tgtEl>
+                                        <p:attrNameLst>
+                                          <p:attrName>style.visibility</p:attrName>
+                                        </p:attrNameLst>
+                                      </p:cBhvr>
+                                      <p:to>
+                                        <p:strVal val="visible"/>
+                                      </p:to>
+                                    </p:set>
+                                    <p:anim calcmode="lin" valueType="num">
+                                      <p:cBhvr additive="base">
+                                        <p:cTn id="7" dur="500" fill="hold"/>
+                                        <p:tgtEl>
+                                          <p:spTgt spid="40"/>
+                                        </p:tgtEl>
+                                        <p:attrNameLst>
+                                          <p:attrName>ppt_x</p:attrName>
+                                        </p:attrNameLst>
+                                      </p:cBhvr>
+                                      <p:tavLst>
+                                        <p:tav tm="0">
+                                          <p:val>
+                                            <p:strVal val="#ppt_x"/>
+                                          </p:val>
+                                        </p:tav>
+                                        <p:tav tm="100000">
+                                          <p:val>
+                                            <p:strVal val="#ppt_x"/>
+                                          </p:val>
+                                        </p:tav>
+                                      </p:tavLst>
+                                    </p:anim>
+                                    <p:anim calcmode="lin" valueType="num">
+                                      <p:cBhvr additive="base">
+                                        <p:cTn id="8" dur="500" fill="hold"/>
+                                        <p:tgtEl>
+                                          <p:spTgt spid="40"/>
+                                        </p:tgtEl>
+                                        <p:attrNameLst>
+                                          <p:attrName>ppt_y</p:attrName>
+                                        </p:attrNameLst>
+                                      </p:cBhvr>
+                                      <p:tavLst>
+                                        <p:tav tm="0">
+                                          <p:val>
+                                            <p:strVal val="1+#ppt_h/2"/>
+                                          </p:val>
+                                        </p:tav>
+                                        <p:tav tm="100000">
+                                          <p:val>
+                                            <p:strVal val="#ppt_y"/>
+                                          </p:val>
+                                        </p:tav>
+                                      </p:tavLst>
+                                    </p:anim>
+                                  </p:childTnLst>
+                                </p:cTn>
+                              </p:par>
+                            </p:childTnLst>
+                          </p:cTn>
+                        </p:par>
+                      </p:childTnLst>
+                    </p:cTn>
+                  </p:par>
+                  <p:par>
+                    <p:cTn id="9" fill="hold">
+                      <p:stCondLst>
+                        <p:cond delay="indefinite"/>
+                      </p:stCondLst>
+                      <p:childTnLst>
+                        <p:par>
+                          <p:cTn id="10" fill="hold">
+                            <p:stCondLst>
+                              <p:cond delay="0"/>
+                            </p:stCondLst>
+                            <p:childTnLst>
+                              <p:par>
+                                <p:cTn id="11" presetID="12" presetClass="entr" presetSubtype="4" fill="hold" grpId="0" nodeType="clickEffect">
+                                  <p:stCondLst>
+                                    <p:cond delay="0"/>
+                                  </p:stCondLst>
+                                  <p:childTnLst>
+                                    <p:set>
+                                      <p:cBhvr>
+                                        <p:cTn id="12" dur="1" fill="hold">
+                                          <p:stCondLst>
+                                            <p:cond delay="0"/>
+                                          </p:stCondLst>
+                                        </p:cTn>
+                                        <p:tgtEl>
+                                          <p:spTgt spid="41"/>
+                                        </p:tgtEl>
+                                        <p:attrNameLst>
+                                          <p:attrName>style.visibility</p:attrName>
+                                        </p:attrNameLst>
+                                      </p:cBhvr>
+                                      <p:to>
+                                        <p:strVal val="visible"/>
+                                      </p:to>
+                                    </p:set>
+                                    <p:anim calcmode="lin" valueType="num">
+                                      <p:cBhvr additive="base">
+                                        <p:cTn id="13" dur="500"/>
+                                        <p:tgtEl>
+                                          <p:spTgt spid="41"/>
+                                        </p:tgtEl>
+                                        <p:attrNameLst>
+                                          <p:attrName>ppt_y</p:attrName>
+                                        </p:attrNameLst>
+                                      </p:cBhvr>
+                                      <p:tavLst>
+                                        <p:tav tm="0">
+                                          <p:val>
+                                            <p:strVal val="#ppt_y+#ppt_h*1.125000"/>
+                                          </p:val>
+                                        </p:tav>
+                                        <p:tav tm="100000">
+                                          <p:val>
+                                            <p:strVal val="#ppt_y"/>
+                                          </p:val>
+                                        </p:tav>
+                                      </p:tavLst>
+                                    </p:anim>
+                                    <p:animEffect transition="in" filter="wipe(up)">
+                                      <p:cBhvr>
+                                        <p:cTn id="14" dur="500"/>
+                                        <p:tgtEl>
+                                          <p:spTgt spid="41"/>
+                                        </p:tgtEl>
+                                      </p:cBhvr>
+                                    </p:animEffect>
+                                  </p:childTnLst>
+                                </p:cTn>
+                              </p:par>
+                            </p:childTnLst>
+                          </p:cTn>
+                        </p:par>
+                      </p:childTnLst>
+                    </p:cTn>
+                  </p:par>
+                  <p:par>
+                    <p:cTn id="15" fill="hold">
+                      <p:stCondLst>
+                        <p:cond delay="indefinite"/>
+                      </p:stCondLst>
+                      <p:childTnLst>
+                        <p:par>
+                          <p:cTn id="16" fill="hold">
+                            <p:stCondLst>
+                              <p:cond delay="0"/>
+                            </p:stCondLst>
+                            <p:childTnLst>
+                              <p:par>
+                                <p:cTn id="17" presetID="22" presetClass="entr" presetSubtype="4" fill="hold" grpId="0" nodeType="clickEffect">
+                                  <p:stCondLst>
+                                    <p:cond delay="0"/>
+                                  </p:stCondLst>
+                                  <p:childTnLst>
+                                    <p:set>
+                                      <p:cBhvr>
+                                        <p:cTn id="18" dur="1" fill="hold">
+                                          <p:stCondLst>
+                                            <p:cond delay="0"/>
+                                          </p:stCondLst>
+                                        </p:cTn>
+                                        <p:tgtEl>
+                                          <p:spTgt spid="43"/>
+                                        </p:tgtEl>
+                                        <p:attrNameLst>
+                                          <p:attrName>style.visibility</p:attrName>
+                                        </p:attrNameLst>
+                                      </p:cBhvr>
+                                      <p:to>
+                                        <p:strVal val="visible"/>
+                                      </p:to>
+                                    </p:set>
+                                    <p:animEffect transition="in" filter="wipe(down)">
+                                      <p:cBhvr>
+                                        <p:cTn id="19" dur="500"/>
+                                        <p:tgtEl>
+                                          <p:spTgt spid="43"/>
+                                        </p:tgtEl>
+                                      </p:cBhvr>
+                                    </p:animEffect>
+                                  </p:childTnLst>
+                                </p:cTn>
+                              </p:par>
+                            </p:childTnLst>
+                          </p:cTn>
+                        </p:par>
+                      </p:childTnLst>
+                    </p:cTn>
+                  </p:par>
+                </p:childTnLst>
+              </p:cTn>
+              <p:prevCondLst>
+                <p:cond evt="onPrev" delay="0">
+                  <p:tgtEl>
+                    <p:sldTgt/>
+                  </p:tgtEl>
+                </p:cond>
+              </p:prevCondLst>
+              <p:nextCondLst>
+                <p:cond evt="onNext" delay="0">
+                  <p:tgtEl>
+                    <p:sldTgt/>
+                  </p:tgtEl>
+                </p:cond>
+              </p:nextCondLst>
+            </p:seq>
+          </p:childTnLst>
+        </p:cTn>
+      </p:par>
+    </p:tnLst>
+    <p:bldLst>
+      <p:bldP spid="40" grpId="0"/>
+      <p:bldP spid="40" grpId="1"/>
+      <p:bldP spid="41" grpId="0"/>
+      <p:bldP spid="41" grpId="1"/>
+      <p:bldP spid="43" grpId="0"/>
+      <p:bldP spid="43" grpId="1"/>
+    </p:bldLst>
+  </p:timing>
 </p:sld>
 </file>
 
@@ -12776,6 +14925,264 @@
   <p:transition spd="slow">
     <p:push dir="u"/>
   </p:transition>
+  <p:timing>
+    <p:tnLst>
+      <p:par>
+        <p:cTn id="1" dur="indefinite" restart="never" nodeType="tmRoot">
+          <p:childTnLst>
+            <p:seq concurrent="1" nextAc="seek">
+              <p:cTn id="2" dur="indefinite" nodeType="mainSeq">
+                <p:childTnLst>
+                  <p:par>
+                    <p:cTn id="3" fill="hold">
+                      <p:stCondLst>
+                        <p:cond delay="indefinite"/>
+                      </p:stCondLst>
+                      <p:childTnLst>
+                        <p:par>
+                          <p:cTn id="4" fill="hold">
+                            <p:stCondLst>
+                              <p:cond delay="0"/>
+                            </p:stCondLst>
+                            <p:childTnLst>
+                              <p:par>
+                                <p:cTn id="5" presetID="2" presetClass="entr" presetSubtype="4" fill="hold" grpId="0" nodeType="clickEffect">
+                                  <p:stCondLst>
+                                    <p:cond delay="0"/>
+                                  </p:stCondLst>
+                                  <p:childTnLst>
+                                    <p:set>
+                                      <p:cBhvr>
+                                        <p:cTn id="6" dur="1" fill="hold">
+                                          <p:stCondLst>
+                                            <p:cond delay="0"/>
+                                          </p:stCondLst>
+                                        </p:cTn>
+                                        <p:tgtEl>
+                                          <p:spTgt spid="40"/>
+                                        </p:tgtEl>
+                                        <p:attrNameLst>
+                                          <p:attrName>style.visibility</p:attrName>
+                                        </p:attrNameLst>
+                                      </p:cBhvr>
+                                      <p:to>
+                                        <p:strVal val="visible"/>
+                                      </p:to>
+                                    </p:set>
+                                    <p:anim calcmode="lin" valueType="num">
+                                      <p:cBhvr additive="base">
+                                        <p:cTn id="7" dur="500" fill="hold"/>
+                                        <p:tgtEl>
+                                          <p:spTgt spid="40"/>
+                                        </p:tgtEl>
+                                        <p:attrNameLst>
+                                          <p:attrName>ppt_x</p:attrName>
+                                        </p:attrNameLst>
+                                      </p:cBhvr>
+                                      <p:tavLst>
+                                        <p:tav tm="0">
+                                          <p:val>
+                                            <p:strVal val="#ppt_x"/>
+                                          </p:val>
+                                        </p:tav>
+                                        <p:tav tm="100000">
+                                          <p:val>
+                                            <p:strVal val="#ppt_x"/>
+                                          </p:val>
+                                        </p:tav>
+                                      </p:tavLst>
+                                    </p:anim>
+                                    <p:anim calcmode="lin" valueType="num">
+                                      <p:cBhvr additive="base">
+                                        <p:cTn id="8" dur="500" fill="hold"/>
+                                        <p:tgtEl>
+                                          <p:spTgt spid="40"/>
+                                        </p:tgtEl>
+                                        <p:attrNameLst>
+                                          <p:attrName>ppt_y</p:attrName>
+                                        </p:attrNameLst>
+                                      </p:cBhvr>
+                                      <p:tavLst>
+                                        <p:tav tm="0">
+                                          <p:val>
+                                            <p:strVal val="1+#ppt_h/2"/>
+                                          </p:val>
+                                        </p:tav>
+                                        <p:tav tm="100000">
+                                          <p:val>
+                                            <p:strVal val="#ppt_y"/>
+                                          </p:val>
+                                        </p:tav>
+                                      </p:tavLst>
+                                    </p:anim>
+                                  </p:childTnLst>
+                                </p:cTn>
+                              </p:par>
+                            </p:childTnLst>
+                          </p:cTn>
+                        </p:par>
+                      </p:childTnLst>
+                    </p:cTn>
+                  </p:par>
+                  <p:par>
+                    <p:cTn id="9" fill="hold">
+                      <p:stCondLst>
+                        <p:cond delay="indefinite"/>
+                      </p:stCondLst>
+                      <p:childTnLst>
+                        <p:par>
+                          <p:cTn id="10" fill="hold">
+                            <p:stCondLst>
+                              <p:cond delay="0"/>
+                            </p:stCondLst>
+                            <p:childTnLst>
+                              <p:par>
+                                <p:cTn id="11" presetID="22" presetClass="entr" presetSubtype="4" fill="hold" grpId="0" nodeType="clickEffect">
+                                  <p:stCondLst>
+                                    <p:cond delay="0"/>
+                                  </p:stCondLst>
+                                  <p:childTnLst>
+                                    <p:set>
+                                      <p:cBhvr>
+                                        <p:cTn id="12" dur="1" fill="hold">
+                                          <p:stCondLst>
+                                            <p:cond delay="0"/>
+                                          </p:stCondLst>
+                                        </p:cTn>
+                                        <p:tgtEl>
+                                          <p:spTgt spid="3"/>
+                                        </p:tgtEl>
+                                        <p:attrNameLst>
+                                          <p:attrName>style.visibility</p:attrName>
+                                        </p:attrNameLst>
+                                      </p:cBhvr>
+                                      <p:to>
+                                        <p:strVal val="visible"/>
+                                      </p:to>
+                                    </p:set>
+                                    <p:animEffect transition="in" filter="wipe(down)">
+                                      <p:cBhvr>
+                                        <p:cTn id="13" dur="500"/>
+                                        <p:tgtEl>
+                                          <p:spTgt spid="3"/>
+                                        </p:tgtEl>
+                                      </p:cBhvr>
+                                    </p:animEffect>
+                                  </p:childTnLst>
+                                </p:cTn>
+                              </p:par>
+                            </p:childTnLst>
+                          </p:cTn>
+                        </p:par>
+                      </p:childTnLst>
+                    </p:cTn>
+                  </p:par>
+                  <p:par>
+                    <p:cTn id="14" fill="hold">
+                      <p:stCondLst>
+                        <p:cond delay="indefinite"/>
+                      </p:stCondLst>
+                      <p:childTnLst>
+                        <p:par>
+                          <p:cTn id="15" fill="hold">
+                            <p:stCondLst>
+                              <p:cond delay="0"/>
+                            </p:stCondLst>
+                            <p:childTnLst>
+                              <p:par>
+                                <p:cTn id="16" presetID="12" presetClass="entr" presetSubtype="4" fill="hold" grpId="0" nodeType="clickEffect">
+                                  <p:stCondLst>
+                                    <p:cond delay="0"/>
+                                  </p:stCondLst>
+                                  <p:childTnLst>
+                                    <p:set>
+                                      <p:cBhvr>
+                                        <p:cTn id="17" dur="1" fill="hold">
+                                          <p:stCondLst>
+                                            <p:cond delay="0"/>
+                                          </p:stCondLst>
+                                        </p:cTn>
+                                        <p:tgtEl>
+                                          <p:spTgt spid="4"/>
+                                        </p:tgtEl>
+                                        <p:attrNameLst>
+                                          <p:attrName>style.visibility</p:attrName>
+                                        </p:attrNameLst>
+                                      </p:cBhvr>
+                                      <p:to>
+                                        <p:strVal val="visible"/>
+                                      </p:to>
+                                    </p:set>
+                                    <p:anim calcmode="lin" valueType="num">
+                                      <p:cBhvr additive="base">
+                                        <p:cTn id="18" dur="500"/>
+                                        <p:tgtEl>
+                                          <p:spTgt spid="4"/>
+                                        </p:tgtEl>
+                                        <p:attrNameLst>
+                                          <p:attrName>ppt_y</p:attrName>
+                                        </p:attrNameLst>
+                                      </p:cBhvr>
+                                      <p:tavLst>
+                                        <p:tav tm="0">
+                                          <p:val>
+                                            <p:strVal val="#ppt_y+#ppt_h*1.125000"/>
+                                          </p:val>
+                                        </p:tav>
+                                        <p:tav tm="100000">
+                                          <p:val>
+                                            <p:strVal val="#ppt_y"/>
+                                          </p:val>
+                                        </p:tav>
+                                      </p:tavLst>
+                                    </p:anim>
+                                    <p:animEffect transition="in" filter="wipe(up)">
+                                      <p:cBhvr>
+                                        <p:cTn id="19" dur="500"/>
+                                        <p:tgtEl>
+                                          <p:spTgt spid="4"/>
+                                        </p:tgtEl>
+                                      </p:cBhvr>
+                                    </p:animEffect>
+                                  </p:childTnLst>
+                                </p:cTn>
+                              </p:par>
+                            </p:childTnLst>
+                          </p:cTn>
+                        </p:par>
+                      </p:childTnLst>
+                    </p:cTn>
+                  </p:par>
+                </p:childTnLst>
+              </p:cTn>
+              <p:prevCondLst>
+                <p:cond evt="onPrev" delay="0">
+                  <p:tgtEl>
+                    <p:sldTgt/>
+                  </p:tgtEl>
+                </p:cond>
+              </p:prevCondLst>
+              <p:nextCondLst>
+                <p:cond evt="onNext" delay="0">
+                  <p:tgtEl>
+                    <p:sldTgt/>
+                  </p:tgtEl>
+                </p:cond>
+              </p:nextCondLst>
+            </p:seq>
+          </p:childTnLst>
+        </p:cTn>
+      </p:par>
+    </p:tnLst>
+    <p:bldLst>
+      <p:bldP spid="40" grpId="0"/>
+      <p:bldP spid="40" grpId="1"/>
+      <p:bldP spid="3" grpId="0"/>
+      <p:bldP spid="3" grpId="1"/>
+      <p:bldP spid="4" grpId="0"/>
+      <p:bldP spid="4" grpId="1"/>
+    </p:bldLst>
+  </p:timing>
 </p:sld>
 </file>
 
@@ -13092,6 +15499,194 @@
   <p:transition spd="slow">
     <p:push dir="u"/>
   </p:transition>
+  <p:timing>
+    <p:tnLst>
+      <p:par>
+        <p:cTn id="1" dur="indefinite" restart="never" nodeType="tmRoot">
+          <p:childTnLst>
+            <p:seq concurrent="1" nextAc="seek">
+              <p:cTn id="2" dur="indefinite" nodeType="mainSeq">
+                <p:childTnLst>
+                  <p:par>
+                    <p:cTn id="3" fill="hold">
+                      <p:stCondLst>
+                        <p:cond delay="indefinite"/>
+                      </p:stCondLst>
+                      <p:childTnLst>
+                        <p:par>
+                          <p:cTn id="4" fill="hold">
+                            <p:stCondLst>
+                              <p:cond delay="0"/>
+                            </p:stCondLst>
+                            <p:childTnLst>
+                              <p:par>
+                                <p:cTn id="5" presetID="12" presetClass="entr" presetSubtype="4" fill="hold" grpId="0" nodeType="clickEffect">
+                                  <p:stCondLst>
+                                    <p:cond delay="0"/>
+                                  </p:stCondLst>
+                                  <p:childTnLst>
+                                    <p:set>
+                                      <p:cBhvr>
+                                        <p:cTn id="6" dur="1" fill="hold">
+                                          <p:stCondLst>
+                                            <p:cond delay="0"/>
+                                          </p:stCondLst>
+                                        </p:cTn>
+                                        <p:tgtEl>
+                                          <p:spTgt spid="40"/>
+                                        </p:tgtEl>
+                                        <p:attrNameLst>
+                                          <p:attrName>style.visibility</p:attrName>
+                                        </p:attrNameLst>
+                                      </p:cBhvr>
+                                      <p:to>
+                                        <p:strVal val="visible"/>
+                                      </p:to>
+                                    </p:set>
+                                    <p:anim calcmode="lin" valueType="num">
+                                      <p:cBhvr additive="base">
+                                        <p:cTn id="7" dur="500"/>
+                                        <p:tgtEl>
+                                          <p:spTgt spid="40"/>
+                                        </p:tgtEl>
+                                        <p:attrNameLst>
+                                          <p:attrName>ppt_y</p:attrName>
+                                        </p:attrNameLst>
+                                      </p:cBhvr>
+                                      <p:tavLst>
+                                        <p:tav tm="0">
+                                          <p:val>
+                                            <p:strVal val="#ppt_y+#ppt_h*1.125000"/>
+                                          </p:val>
+                                        </p:tav>
+                                        <p:tav tm="100000">
+                                          <p:val>
+                                            <p:strVal val="#ppt_y"/>
+                                          </p:val>
+                                        </p:tav>
+                                      </p:tavLst>
+                                    </p:anim>
+                                    <p:animEffect transition="in" filter="wipe(up)">
+                                      <p:cBhvr>
+                                        <p:cTn id="8" dur="500"/>
+                                        <p:tgtEl>
+                                          <p:spTgt spid="40"/>
+                                        </p:tgtEl>
+                                      </p:cBhvr>
+                                    </p:animEffect>
+                                  </p:childTnLst>
+                                </p:cTn>
+                              </p:par>
+                            </p:childTnLst>
+                          </p:cTn>
+                        </p:par>
+                      </p:childTnLst>
+                    </p:cTn>
+                  </p:par>
+                  <p:par>
+                    <p:cTn id="9" fill="hold">
+                      <p:stCondLst>
+                        <p:cond delay="indefinite"/>
+                      </p:stCondLst>
+                      <p:childTnLst>
+                        <p:par>
+                          <p:cTn id="10" fill="hold">
+                            <p:stCondLst>
+                              <p:cond delay="0"/>
+                            </p:stCondLst>
+                            <p:childTnLst>
+                              <p:par>
+                                <p:cTn id="11" presetID="12" presetClass="entr" presetSubtype="4" fill="hold" grpId="0" nodeType="clickEffect">
+                                  <p:stCondLst>
+                                    <p:cond delay="0"/>
+                                  </p:stCondLst>
+                                  <p:childTnLst>
+                                    <p:set>
+                                      <p:cBhvr>
+                                        <p:cTn id="12" dur="1" fill="hold">
+                                          <p:stCondLst>
+                                            <p:cond delay="0"/>
+                                          </p:stCondLst>
+                                        </p:cTn>
+                                        <p:tgtEl>
+                                          <p:spTgt spid="3"/>
+                                        </p:tgtEl>
+                                        <p:attrNameLst>
+                                          <p:attrName>style.visibility</p:attrName>
+                                        </p:attrNameLst>
+                                      </p:cBhvr>
+                                      <p:to>
+                                        <p:strVal val="visible"/>
+                                      </p:to>
+                                    </p:set>
+                                    <p:anim calcmode="lin" valueType="num">
+                                      <p:cBhvr additive="base">
+                                        <p:cTn id="13" dur="500"/>
+                                        <p:tgtEl>
+                                          <p:spTgt spid="3"/>
+                                        </p:tgtEl>
+                                        <p:attrNameLst>
+                                          <p:attrName>ppt_y</p:attrName>
+                                        </p:attrNameLst>
+                                      </p:cBhvr>
+                                      <p:tavLst>
+                                        <p:tav tm="0">
+                                          <p:val>
+                                            <p:strVal val="#ppt_y+#ppt_h*1.125000"/>
+                                          </p:val>
+                                        </p:tav>
+                                        <p:tav tm="100000">
+                                          <p:val>
+                                            <p:strVal val="#ppt_y"/>
+                                          </p:val>
+                                        </p:tav>
+                                      </p:tavLst>
+                                    </p:anim>
+                                    <p:animEffect transition="in" filter="wipe(up)">
+                                      <p:cBhvr>
+                                        <p:cTn id="14" dur="500"/>
+                                        <p:tgtEl>
+                                          <p:spTgt spid="3"/>
+                                        </p:tgtEl>
+                                      </p:cBhvr>
+                                    </p:animEffect>
+                                  </p:childTnLst>
+                                </p:cTn>
+                              </p:par>
+                            </p:childTnLst>
+                          </p:cTn>
+                        </p:par>
+                      </p:childTnLst>
+                    </p:cTn>
+                  </p:par>
+                </p:childTnLst>
+              </p:cTn>
+              <p:prevCondLst>
+                <p:cond evt="onPrev" delay="0">
+                  <p:tgtEl>
+                    <p:sldTgt/>
+                  </p:tgtEl>
+                </p:cond>
+              </p:prevCondLst>
+              <p:nextCondLst>
+                <p:cond evt="onNext" delay="0">
+                  <p:tgtEl>
+                    <p:sldTgt/>
+                  </p:tgtEl>
+                </p:cond>
+              </p:nextCondLst>
+            </p:seq>
+          </p:childTnLst>
+        </p:cTn>
+      </p:par>
+    </p:tnLst>
+    <p:bldLst>
+      <p:bldP spid="40" grpId="0"/>
+      <p:bldP spid="40" grpId="1"/>
+      <p:bldP spid="3" grpId="0"/>
+      <p:bldP spid="3" grpId="1"/>
+    </p:bldLst>
+  </p:timing>
 </p:sld>
 </file>
 
@@ -15716,6 +18311,165 @@
   <p:transition spd="slow">
     <p:push dir="u"/>
   </p:transition>
+  <p:timing>
+    <p:tnLst>
+      <p:par>
+        <p:cTn id="1" dur="indefinite" restart="never" nodeType="tmRoot">
+          <p:childTnLst>
+            <p:seq concurrent="1" nextAc="seek">
+              <p:cTn id="2" dur="indefinite" nodeType="mainSeq">
+                <p:childTnLst>
+                  <p:par>
+                    <p:cTn id="3" fill="hold">
+                      <p:stCondLst>
+                        <p:cond delay="indefinite"/>
+                      </p:stCondLst>
+                      <p:childTnLst>
+                        <p:par>
+                          <p:cTn id="4" fill="hold">
+                            <p:stCondLst>
+                              <p:cond delay="0"/>
+                            </p:stCondLst>
+                            <p:childTnLst>
+                              <p:par>
+                                <p:cTn id="5" presetID="12" presetClass="entr" presetSubtype="4" fill="hold" nodeType="clickEffect">
+                                  <p:stCondLst>
+                                    <p:cond delay="0"/>
+                                  </p:stCondLst>
+                                  <p:childTnLst>
+                                    <p:set>
+                                      <p:cBhvr>
+                                        <p:cTn id="6" dur="1" fill="hold">
+                                          <p:stCondLst>
+                                            <p:cond delay="0"/>
+                                          </p:stCondLst>
+                                        </p:cTn>
+                                        <p:tgtEl>
+                                          <p:spTgt spid="3"/>
+                                        </p:tgtEl>
+                                        <p:attrNameLst>
+                                          <p:attrName>style.visibility</p:attrName>
+                                        </p:attrNameLst>
+                                      </p:cBhvr>
+                                      <p:to>
+                                        <p:strVal val="visible"/>
+                                      </p:to>
+                                    </p:set>
+                                    <p:anim calcmode="lin" valueType="num">
+                                      <p:cBhvr additive="base">
+                                        <p:cTn id="7" dur="500"/>
+                                        <p:tgtEl>
+                                          <p:spTgt spid="3"/>
+                                        </p:tgtEl>
+                                        <p:attrNameLst>
+                                          <p:attrName>ppt_y</p:attrName>
+                                        </p:attrNameLst>
+                                      </p:cBhvr>
+                                      <p:tavLst>
+                                        <p:tav tm="0">
+                                          <p:val>
+                                            <p:strVal val="#ppt_y+#ppt_h*1.125000"/>
+                                          </p:val>
+                                        </p:tav>
+                                        <p:tav tm="100000">
+                                          <p:val>
+                                            <p:strVal val="#ppt_y"/>
+                                          </p:val>
+                                        </p:tav>
+                                      </p:tavLst>
+                                    </p:anim>
+                                    <p:animEffect transition="in" filter="wipe(up)">
+                                      <p:cBhvr>
+                                        <p:cTn id="8" dur="500"/>
+                                        <p:tgtEl>
+                                          <p:spTgt spid="3"/>
+                                        </p:tgtEl>
+                                      </p:cBhvr>
+                                    </p:animEffect>
+                                  </p:childTnLst>
+                                </p:cTn>
+                              </p:par>
+                            </p:childTnLst>
+                          </p:cTn>
+                        </p:par>
+                      </p:childTnLst>
+                    </p:cTn>
+                  </p:par>
+                  <p:par>
+                    <p:cTn id="9" fill="hold">
+                      <p:stCondLst>
+                        <p:cond delay="indefinite"/>
+                      </p:stCondLst>
+                      <p:childTnLst>
+                        <p:par>
+                          <p:cTn id="10" fill="hold">
+                            <p:stCondLst>
+                              <p:cond delay="0"/>
+                            </p:stCondLst>
+                            <p:childTnLst>
+                              <p:par>
+                                <p:cTn id="11" presetID="3" presetClass="entr" presetSubtype="10" fill="hold" nodeType="clickEffect">
+                                  <p:stCondLst>
+                                    <p:cond delay="0"/>
+                                  </p:stCondLst>
+                                  <p:childTnLst>
+                                    <p:set>
+                                      <p:cBhvr>
+                                        <p:cTn id="12" dur="1" fill="hold">
+                                          <p:stCondLst>
+                                            <p:cond delay="0"/>
+                                          </p:stCondLst>
+                                        </p:cTn>
+                                        <p:tgtEl>
+                                          <p:spTgt spid="4"/>
+                                        </p:tgtEl>
+                                        <p:attrNameLst>
+                                          <p:attrName>style.visibility</p:attrName>
+                                        </p:attrNameLst>
+                                      </p:cBhvr>
+                                      <p:to>
+                                        <p:strVal val="visible"/>
+                                      </p:to>
+                                    </p:set>
+                                    <p:animEffect transition="in" filter="blinds(horizontal)">
+                                      <p:cBhvr>
+                                        <p:cTn id="13" dur="500"/>
+                                        <p:tgtEl>
+                                          <p:spTgt spid="4"/>
+                                        </p:tgtEl>
+                                      </p:cBhvr>
+                                    </p:animEffect>
+                                  </p:childTnLst>
+                                </p:cTn>
+                              </p:par>
+                            </p:childTnLst>
+                          </p:cTn>
+                        </p:par>
+                      </p:childTnLst>
+                    </p:cTn>
+                  </p:par>
+                </p:childTnLst>
+              </p:cTn>
+              <p:prevCondLst>
+                <p:cond evt="onPrev" delay="0">
+                  <p:tgtEl>
+                    <p:sldTgt/>
+                  </p:tgtEl>
+                </p:cond>
+              </p:prevCondLst>
+              <p:nextCondLst>
+                <p:cond evt="onNext" delay="0">
+                  <p:tgtEl>
+                    <p:sldTgt/>
+                  </p:tgtEl>
+                </p:cond>
+              </p:nextCondLst>
+            </p:seq>
+          </p:childTnLst>
+        </p:cTn>
+      </p:par>
+    </p:tnLst>
+  </p:timing>
 </p:sld>
 </file>
 
@@ -15866,6 +18620,165 @@
   <p:transition spd="slow">
     <p:push dir="u"/>
   </p:transition>
+  <p:timing>
+    <p:tnLst>
+      <p:par>
+        <p:cTn id="1" dur="indefinite" restart="never" nodeType="tmRoot">
+          <p:childTnLst>
+            <p:seq concurrent="1" nextAc="seek">
+              <p:cTn id="2" dur="indefinite" nodeType="mainSeq">
+                <p:childTnLst>
+                  <p:par>
+                    <p:cTn id="3" fill="hold">
+                      <p:stCondLst>
+                        <p:cond delay="indefinite"/>
+                      </p:stCondLst>
+                      <p:childTnLst>
+                        <p:par>
+                          <p:cTn id="4" fill="hold">
+                            <p:stCondLst>
+                              <p:cond delay="0"/>
+                            </p:stCondLst>
+                            <p:childTnLst>
+                              <p:par>
+                                <p:cTn id="5" presetID="12" presetClass="entr" presetSubtype="4" fill="hold" nodeType="clickEffect">
+                                  <p:stCondLst>
+                                    <p:cond delay="0"/>
+                                  </p:stCondLst>
+                                  <p:childTnLst>
+                                    <p:set>
+                                      <p:cBhvr>
+                                        <p:cTn id="6" dur="1" fill="hold">
+                                          <p:stCondLst>
+                                            <p:cond delay="0"/>
+                                          </p:stCondLst>
+                                        </p:cTn>
+                                        <p:tgtEl>
+                                          <p:spTgt spid="2"/>
+                                        </p:tgtEl>
+                                        <p:attrNameLst>
+                                          <p:attrName>style.visibility</p:attrName>
+                                        </p:attrNameLst>
+                                      </p:cBhvr>
+                                      <p:to>
+                                        <p:strVal val="visible"/>
+                                      </p:to>
+                                    </p:set>
+                                    <p:anim calcmode="lin" valueType="num">
+                                      <p:cBhvr additive="base">
+                                        <p:cTn id="7" dur="500"/>
+                                        <p:tgtEl>
+                                          <p:spTgt spid="2"/>
+                                        </p:tgtEl>
+                                        <p:attrNameLst>
+                                          <p:attrName>ppt_y</p:attrName>
+                                        </p:attrNameLst>
+                                      </p:cBhvr>
+                                      <p:tavLst>
+                                        <p:tav tm="0">
+                                          <p:val>
+                                            <p:strVal val="#ppt_y+#ppt_h*1.125000"/>
+                                          </p:val>
+                                        </p:tav>
+                                        <p:tav tm="100000">
+                                          <p:val>
+                                            <p:strVal val="#ppt_y"/>
+                                          </p:val>
+                                        </p:tav>
+                                      </p:tavLst>
+                                    </p:anim>
+                                    <p:animEffect transition="in" filter="wipe(up)">
+                                      <p:cBhvr>
+                                        <p:cTn id="8" dur="500"/>
+                                        <p:tgtEl>
+                                          <p:spTgt spid="2"/>
+                                        </p:tgtEl>
+                                      </p:cBhvr>
+                                    </p:animEffect>
+                                  </p:childTnLst>
+                                </p:cTn>
+                              </p:par>
+                            </p:childTnLst>
+                          </p:cTn>
+                        </p:par>
+                      </p:childTnLst>
+                    </p:cTn>
+                  </p:par>
+                  <p:par>
+                    <p:cTn id="9" fill="hold">
+                      <p:stCondLst>
+                        <p:cond delay="indefinite"/>
+                      </p:stCondLst>
+                      <p:childTnLst>
+                        <p:par>
+                          <p:cTn id="10" fill="hold">
+                            <p:stCondLst>
+                              <p:cond delay="0"/>
+                            </p:stCondLst>
+                            <p:childTnLst>
+                              <p:par>
+                                <p:cTn id="11" presetID="3" presetClass="entr" presetSubtype="10" fill="hold" nodeType="clickEffect">
+                                  <p:stCondLst>
+                                    <p:cond delay="0"/>
+                                  </p:stCondLst>
+                                  <p:childTnLst>
+                                    <p:set>
+                                      <p:cBhvr>
+                                        <p:cTn id="12" dur="1" fill="hold">
+                                          <p:stCondLst>
+                                            <p:cond delay="0"/>
+                                          </p:stCondLst>
+                                        </p:cTn>
+                                        <p:tgtEl>
+                                          <p:spTgt spid="3"/>
+                                        </p:tgtEl>
+                                        <p:attrNameLst>
+                                          <p:attrName>style.visibility</p:attrName>
+                                        </p:attrNameLst>
+                                      </p:cBhvr>
+                                      <p:to>
+                                        <p:strVal val="visible"/>
+                                      </p:to>
+                                    </p:set>
+                                    <p:animEffect transition="in" filter="blinds(horizontal)">
+                                      <p:cBhvr>
+                                        <p:cTn id="13" dur="500"/>
+                                        <p:tgtEl>
+                                          <p:spTgt spid="3"/>
+                                        </p:tgtEl>
+                                      </p:cBhvr>
+                                    </p:animEffect>
+                                  </p:childTnLst>
+                                </p:cTn>
+                              </p:par>
+                            </p:childTnLst>
+                          </p:cTn>
+                        </p:par>
+                      </p:childTnLst>
+                    </p:cTn>
+                  </p:par>
+                </p:childTnLst>
+              </p:cTn>
+              <p:prevCondLst>
+                <p:cond evt="onPrev" delay="0">
+                  <p:tgtEl>
+                    <p:sldTgt/>
+                  </p:tgtEl>
+                </p:cond>
+              </p:prevCondLst>
+              <p:nextCondLst>
+                <p:cond evt="onNext" delay="0">
+                  <p:tgtEl>
+                    <p:sldTgt/>
+                  </p:tgtEl>
+                </p:cond>
+              </p:nextCondLst>
+            </p:seq>
+          </p:childTnLst>
+        </p:cTn>
+      </p:par>
+    </p:tnLst>
+  </p:timing>
 </p:sld>
 </file>
 
@@ -16991,7 +19904,11 @@
         <p:nvGraphicFramePr>
           <p:cNvPr id="8" name="表格 7"/>
           <p:cNvGraphicFramePr/>
-          <p:nvPr/>
+          <p:nvPr>
+            <p:custDataLst>
+              <p:tags r:id="rId3"/>
+            </p:custDataLst>
+          </p:nvPr>
         </p:nvGraphicFramePr>
         <p:xfrm>
           <a:off x="8502015" y="2724150"/>
@@ -17189,6 +20106,260 @@
   <p:transition spd="slow">
     <p:push dir="u"/>
   </p:transition>
+  <p:timing>
+    <p:tnLst>
+      <p:par>
+        <p:cTn id="1" dur="indefinite" restart="never" nodeType="tmRoot">
+          <p:childTnLst>
+            <p:seq concurrent="1" nextAc="seek">
+              <p:cTn id="2" dur="indefinite" nodeType="mainSeq">
+                <p:childTnLst>
+                  <p:par>
+                    <p:cTn id="3" fill="hold">
+                      <p:stCondLst>
+                        <p:cond delay="indefinite"/>
+                      </p:stCondLst>
+                      <p:childTnLst>
+                        <p:par>
+                          <p:cTn id="4" fill="hold">
+                            <p:stCondLst>
+                              <p:cond delay="0"/>
+                            </p:stCondLst>
+                            <p:childTnLst>
+                              <p:par>
+                                <p:cTn id="5" presetID="12" presetClass="entr" presetSubtype="4" fill="hold" nodeType="clickEffect">
+                                  <p:stCondLst>
+                                    <p:cond delay="0"/>
+                                  </p:stCondLst>
+                                  <p:childTnLst>
+                                    <p:set>
+                                      <p:cBhvr>
+                                        <p:cTn id="6" dur="1" fill="hold">
+                                          <p:stCondLst>
+                                            <p:cond delay="0"/>
+                                          </p:stCondLst>
+                                        </p:cTn>
+                                        <p:tgtEl>
+                                          <p:spTgt spid="7"/>
+                                        </p:tgtEl>
+                                        <p:attrNameLst>
+                                          <p:attrName>style.visibility</p:attrName>
+                                        </p:attrNameLst>
+                                      </p:cBhvr>
+                                      <p:to>
+                                        <p:strVal val="visible"/>
+                                      </p:to>
+                                    </p:set>
+                                    <p:anim calcmode="lin" valueType="num">
+                                      <p:cBhvr additive="base">
+                                        <p:cTn id="7" dur="500"/>
+                                        <p:tgtEl>
+                                          <p:spTgt spid="7"/>
+                                        </p:tgtEl>
+                                        <p:attrNameLst>
+                                          <p:attrName>ppt_y</p:attrName>
+                                        </p:attrNameLst>
+                                      </p:cBhvr>
+                                      <p:tavLst>
+                                        <p:tav tm="0">
+                                          <p:val>
+                                            <p:strVal val="#ppt_y+#ppt_h*1.125000"/>
+                                          </p:val>
+                                        </p:tav>
+                                        <p:tav tm="100000">
+                                          <p:val>
+                                            <p:strVal val="#ppt_y"/>
+                                          </p:val>
+                                        </p:tav>
+                                      </p:tavLst>
+                                    </p:anim>
+                                    <p:animEffect transition="in" filter="wipe(up)">
+                                      <p:cBhvr>
+                                        <p:cTn id="8" dur="500"/>
+                                        <p:tgtEl>
+                                          <p:spTgt spid="7"/>
+                                        </p:tgtEl>
+                                      </p:cBhvr>
+                                    </p:animEffect>
+                                  </p:childTnLst>
+                                </p:cTn>
+                              </p:par>
+                            </p:childTnLst>
+                          </p:cTn>
+                        </p:par>
+                      </p:childTnLst>
+                    </p:cTn>
+                  </p:par>
+                  <p:par>
+                    <p:cTn id="9" fill="hold">
+                      <p:stCondLst>
+                        <p:cond delay="indefinite"/>
+                      </p:stCondLst>
+                      <p:childTnLst>
+                        <p:par>
+                          <p:cTn id="10" fill="hold">
+                            <p:stCondLst>
+                              <p:cond delay="0"/>
+                            </p:stCondLst>
+                            <p:childTnLst>
+                              <p:par>
+                                <p:cTn id="11" presetID="3" presetClass="entr" presetSubtype="10" fill="hold" nodeType="clickEffect">
+                                  <p:stCondLst>
+                                    <p:cond delay="0"/>
+                                  </p:stCondLst>
+                                  <p:childTnLst>
+                                    <p:set>
+                                      <p:cBhvr>
+                                        <p:cTn id="12" dur="1" fill="hold">
+                                          <p:stCondLst>
+                                            <p:cond delay="0"/>
+                                          </p:stCondLst>
+                                        </p:cTn>
+                                        <p:tgtEl>
+                                          <p:spTgt spid="8"/>
+                                        </p:tgtEl>
+                                        <p:attrNameLst>
+                                          <p:attrName>style.visibility</p:attrName>
+                                        </p:attrNameLst>
+                                      </p:cBhvr>
+                                      <p:to>
+                                        <p:strVal val="visible"/>
+                                      </p:to>
+                                    </p:set>
+                                    <p:animEffect transition="in" filter="blinds(horizontal)">
+                                      <p:cBhvr>
+                                        <p:cTn id="13" dur="500"/>
+                                        <p:tgtEl>
+                                          <p:spTgt spid="8"/>
+                                        </p:tgtEl>
+                                      </p:cBhvr>
+                                    </p:animEffect>
+                                  </p:childTnLst>
+                                </p:cTn>
+                              </p:par>
+                            </p:childTnLst>
+                          </p:cTn>
+                        </p:par>
+                      </p:childTnLst>
+                    </p:cTn>
+                  </p:par>
+                  <p:par>
+                    <p:cTn id="14" fill="hold">
+                      <p:stCondLst>
+                        <p:cond delay="indefinite"/>
+                      </p:stCondLst>
+                      <p:childTnLst>
+                        <p:par>
+                          <p:cTn id="15" fill="hold">
+                            <p:stCondLst>
+                              <p:cond delay="0"/>
+                            </p:stCondLst>
+                            <p:childTnLst>
+                              <p:par>
+                                <p:cTn id="16" presetID="2" presetClass="entr" presetSubtype="4" fill="hold" grpId="0" nodeType="clickEffect">
+                                  <p:stCondLst>
+                                    <p:cond delay="0"/>
+                                  </p:stCondLst>
+                                  <p:childTnLst>
+                                    <p:set>
+                                      <p:cBhvr>
+                                        <p:cTn id="17" dur="1" fill="hold">
+                                          <p:stCondLst>
+                                            <p:cond delay="0"/>
+                                          </p:stCondLst>
+                                        </p:cTn>
+                                        <p:tgtEl>
+                                          <p:spTgt spid="9"/>
+                                        </p:tgtEl>
+                                        <p:attrNameLst>
+                                          <p:attrName>style.visibility</p:attrName>
+                                        </p:attrNameLst>
+                                      </p:cBhvr>
+                                      <p:to>
+                                        <p:strVal val="visible"/>
+                                      </p:to>
+                                    </p:set>
+                                    <p:anim calcmode="lin" valueType="num">
+                                      <p:cBhvr additive="base">
+                                        <p:cTn id="18" dur="500" fill="hold"/>
+                                        <p:tgtEl>
+                                          <p:spTgt spid="9"/>
+                                        </p:tgtEl>
+                                        <p:attrNameLst>
+                                          <p:attrName>ppt_x</p:attrName>
+                                        </p:attrNameLst>
+                                      </p:cBhvr>
+                                      <p:tavLst>
+                                        <p:tav tm="0">
+                                          <p:val>
+                                            <p:strVal val="#ppt_x"/>
+                                          </p:val>
+                                        </p:tav>
+                                        <p:tav tm="100000">
+                                          <p:val>
+                                            <p:strVal val="#ppt_x"/>
+                                          </p:val>
+                                        </p:tav>
+                                      </p:tavLst>
+                                    </p:anim>
+                                    <p:anim calcmode="lin" valueType="num">
+                                      <p:cBhvr additive="base">
+                                        <p:cTn id="19" dur="500" fill="hold"/>
+                                        <p:tgtEl>
+                                          <p:spTgt spid="9"/>
+                                        </p:tgtEl>
+                                        <p:attrNameLst>
+                                          <p:attrName>ppt_y</p:attrName>
+                                        </p:attrNameLst>
+                                      </p:cBhvr>
+                                      <p:tavLst>
+                                        <p:tav tm="0">
+                                          <p:val>
+                                            <p:strVal val="1+#ppt_h/2"/>
+                                          </p:val>
+                                        </p:tav>
+                                        <p:tav tm="100000">
+                                          <p:val>
+                                            <p:strVal val="#ppt_y"/>
+                                          </p:val>
+                                        </p:tav>
+                                      </p:tavLst>
+                                    </p:anim>
+                                  </p:childTnLst>
+                                </p:cTn>
+                              </p:par>
+                            </p:childTnLst>
+                          </p:cTn>
+                        </p:par>
+                      </p:childTnLst>
+                    </p:cTn>
+                  </p:par>
+                </p:childTnLst>
+              </p:cTn>
+              <p:prevCondLst>
+                <p:cond evt="onPrev" delay="0">
+                  <p:tgtEl>
+                    <p:sldTgt/>
+                  </p:tgtEl>
+                </p:cond>
+              </p:prevCondLst>
+              <p:nextCondLst>
+                <p:cond evt="onNext" delay="0">
+                  <p:tgtEl>
+                    <p:sldTgt/>
+                  </p:tgtEl>
+                </p:cond>
+              </p:nextCondLst>
+            </p:seq>
+          </p:childTnLst>
+        </p:cTn>
+      </p:par>
+    </p:tnLst>
+    <p:bldLst>
+      <p:bldP spid="9" grpId="0"/>
+      <p:bldP spid="9" grpId="1"/>
+    </p:bldLst>
+  </p:timing>
 </p:sld>
 </file>
 
@@ -17311,7 +20482,11 @@
         <p:nvGraphicFramePr>
           <p:cNvPr id="3" name="表格 2"/>
           <p:cNvGraphicFramePr/>
-          <p:nvPr/>
+          <p:nvPr>
+            <p:custDataLst>
+              <p:tags r:id="rId3"/>
+            </p:custDataLst>
+          </p:nvPr>
         </p:nvGraphicFramePr>
         <p:xfrm>
           <a:off x="7246620" y="2474595"/>
@@ -17441,6 +20616,165 @@
   <p:transition spd="slow">
     <p:push dir="u"/>
   </p:transition>
+  <p:timing>
+    <p:tnLst>
+      <p:par>
+        <p:cTn id="1" dur="indefinite" restart="never" nodeType="tmRoot">
+          <p:childTnLst>
+            <p:seq concurrent="1" nextAc="seek">
+              <p:cTn id="2" dur="indefinite" nodeType="mainSeq">
+                <p:childTnLst>
+                  <p:par>
+                    <p:cTn id="3" fill="hold">
+                      <p:stCondLst>
+                        <p:cond delay="indefinite"/>
+                      </p:stCondLst>
+                      <p:childTnLst>
+                        <p:par>
+                          <p:cTn id="4" fill="hold">
+                            <p:stCondLst>
+                              <p:cond delay="0"/>
+                            </p:stCondLst>
+                            <p:childTnLst>
+                              <p:par>
+                                <p:cTn id="5" presetID="12" presetClass="entr" presetSubtype="4" fill="hold" nodeType="clickEffect">
+                                  <p:stCondLst>
+                                    <p:cond delay="0"/>
+                                  </p:stCondLst>
+                                  <p:childTnLst>
+                                    <p:set>
+                                      <p:cBhvr>
+                                        <p:cTn id="6" dur="1" fill="hold">
+                                          <p:stCondLst>
+                                            <p:cond delay="0"/>
+                                          </p:stCondLst>
+                                        </p:cTn>
+                                        <p:tgtEl>
+                                          <p:spTgt spid="2"/>
+                                        </p:tgtEl>
+                                        <p:attrNameLst>
+                                          <p:attrName>style.visibility</p:attrName>
+                                        </p:attrNameLst>
+                                      </p:cBhvr>
+                                      <p:to>
+                                        <p:strVal val="visible"/>
+                                      </p:to>
+                                    </p:set>
+                                    <p:anim calcmode="lin" valueType="num">
+                                      <p:cBhvr additive="base">
+                                        <p:cTn id="7" dur="500"/>
+                                        <p:tgtEl>
+                                          <p:spTgt spid="2"/>
+                                        </p:tgtEl>
+                                        <p:attrNameLst>
+                                          <p:attrName>ppt_y</p:attrName>
+                                        </p:attrNameLst>
+                                      </p:cBhvr>
+                                      <p:tavLst>
+                                        <p:tav tm="0">
+                                          <p:val>
+                                            <p:strVal val="#ppt_y+#ppt_h*1.125000"/>
+                                          </p:val>
+                                        </p:tav>
+                                        <p:tav tm="100000">
+                                          <p:val>
+                                            <p:strVal val="#ppt_y"/>
+                                          </p:val>
+                                        </p:tav>
+                                      </p:tavLst>
+                                    </p:anim>
+                                    <p:animEffect transition="in" filter="wipe(up)">
+                                      <p:cBhvr>
+                                        <p:cTn id="8" dur="500"/>
+                                        <p:tgtEl>
+                                          <p:spTgt spid="2"/>
+                                        </p:tgtEl>
+                                      </p:cBhvr>
+                                    </p:animEffect>
+                                  </p:childTnLst>
+                                </p:cTn>
+                              </p:par>
+                            </p:childTnLst>
+                          </p:cTn>
+                        </p:par>
+                      </p:childTnLst>
+                    </p:cTn>
+                  </p:par>
+                  <p:par>
+                    <p:cTn id="9" fill="hold">
+                      <p:stCondLst>
+                        <p:cond delay="indefinite"/>
+                      </p:stCondLst>
+                      <p:childTnLst>
+                        <p:par>
+                          <p:cTn id="10" fill="hold">
+                            <p:stCondLst>
+                              <p:cond delay="0"/>
+                            </p:stCondLst>
+                            <p:childTnLst>
+                              <p:par>
+                                <p:cTn id="11" presetID="3" presetClass="entr" presetSubtype="10" fill="hold" nodeType="clickEffect">
+                                  <p:stCondLst>
+                                    <p:cond delay="0"/>
+                                  </p:stCondLst>
+                                  <p:childTnLst>
+                                    <p:set>
+                                      <p:cBhvr>
+                                        <p:cTn id="12" dur="1" fill="hold">
+                                          <p:stCondLst>
+                                            <p:cond delay="0"/>
+                                          </p:stCondLst>
+                                        </p:cTn>
+                                        <p:tgtEl>
+                                          <p:spTgt spid="3"/>
+                                        </p:tgtEl>
+                                        <p:attrNameLst>
+                                          <p:attrName>style.visibility</p:attrName>
+                                        </p:attrNameLst>
+                                      </p:cBhvr>
+                                      <p:to>
+                                        <p:strVal val="visible"/>
+                                      </p:to>
+                                    </p:set>
+                                    <p:animEffect transition="in" filter="blinds(horizontal)">
+                                      <p:cBhvr>
+                                        <p:cTn id="13" dur="500"/>
+                                        <p:tgtEl>
+                                          <p:spTgt spid="3"/>
+                                        </p:tgtEl>
+                                      </p:cBhvr>
+                                    </p:animEffect>
+                                  </p:childTnLst>
+                                </p:cTn>
+                              </p:par>
+                            </p:childTnLst>
+                          </p:cTn>
+                        </p:par>
+                      </p:childTnLst>
+                    </p:cTn>
+                  </p:par>
+                </p:childTnLst>
+              </p:cTn>
+              <p:prevCondLst>
+                <p:cond evt="onPrev" delay="0">
+                  <p:tgtEl>
+                    <p:sldTgt/>
+                  </p:tgtEl>
+                </p:cond>
+              </p:prevCondLst>
+              <p:nextCondLst>
+                <p:cond evt="onNext" delay="0">
+                  <p:tgtEl>
+                    <p:sldTgt/>
+                  </p:tgtEl>
+                </p:cond>
+              </p:nextCondLst>
+            </p:seq>
+          </p:childTnLst>
+        </p:cTn>
+      </p:par>
+    </p:tnLst>
+  </p:timing>
 </p:sld>
 </file>
 
@@ -20662,6 +23996,368 @@
   <p:transition spd="slow">
     <p:push dir="u"/>
   </p:transition>
+  <p:timing>
+    <p:tnLst>
+      <p:par>
+        <p:cTn id="1" dur="indefinite" restart="never" nodeType="tmRoot">
+          <p:childTnLst>
+            <p:seq concurrent="1" nextAc="seek">
+              <p:cTn id="2" dur="indefinite" nodeType="mainSeq">
+                <p:childTnLst>
+                  <p:par>
+                    <p:cTn id="3" fill="hold">
+                      <p:stCondLst>
+                        <p:cond delay="indefinite"/>
+                      </p:stCondLst>
+                      <p:childTnLst>
+                        <p:par>
+                          <p:cTn id="4" fill="hold">
+                            <p:stCondLst>
+                              <p:cond delay="0"/>
+                            </p:stCondLst>
+                            <p:childTnLst>
+                              <p:par>
+                                <p:cTn id="5" presetID="3" presetClass="entr" presetSubtype="10" fill="hold" grpId="0" nodeType="clickEffect">
+                                  <p:stCondLst>
+                                    <p:cond delay="0"/>
+                                  </p:stCondLst>
+                                  <p:childTnLst>
+                                    <p:set>
+                                      <p:cBhvr>
+                                        <p:cTn id="6" dur="1" fill="hold">
+                                          <p:stCondLst>
+                                            <p:cond delay="0"/>
+                                          </p:stCondLst>
+                                        </p:cTn>
+                                        <p:tgtEl>
+                                          <p:spTgt spid="90"/>
+                                        </p:tgtEl>
+                                        <p:attrNameLst>
+                                          <p:attrName>style.visibility</p:attrName>
+                                        </p:attrNameLst>
+                                      </p:cBhvr>
+                                      <p:to>
+                                        <p:strVal val="visible"/>
+                                      </p:to>
+                                    </p:set>
+                                    <p:animEffect transition="in" filter="blinds(horizontal)">
+                                      <p:cBhvr>
+                                        <p:cTn id="7" dur="500"/>
+                                        <p:tgtEl>
+                                          <p:spTgt spid="90"/>
+                                        </p:tgtEl>
+                                      </p:cBhvr>
+                                    </p:animEffect>
+                                  </p:childTnLst>
+                                </p:cTn>
+                              </p:par>
+                            </p:childTnLst>
+                          </p:cTn>
+                        </p:par>
+                      </p:childTnLst>
+                    </p:cTn>
+                  </p:par>
+                  <p:par>
+                    <p:cTn id="8" fill="hold">
+                      <p:stCondLst>
+                        <p:cond delay="indefinite"/>
+                      </p:stCondLst>
+                      <p:childTnLst>
+                        <p:par>
+                          <p:cTn id="9" fill="hold">
+                            <p:stCondLst>
+                              <p:cond delay="0"/>
+                            </p:stCondLst>
+                            <p:childTnLst>
+                              <p:par>
+                                <p:cTn id="10" presetID="22" presetClass="entr" presetSubtype="4" fill="hold" grpId="0" nodeType="clickEffect">
+                                  <p:stCondLst>
+                                    <p:cond delay="0"/>
+                                  </p:stCondLst>
+                                  <p:childTnLst>
+                                    <p:set>
+                                      <p:cBhvr>
+                                        <p:cTn id="11" dur="1" fill="hold">
+                                          <p:stCondLst>
+                                            <p:cond delay="0"/>
+                                          </p:stCondLst>
+                                        </p:cTn>
+                                        <p:tgtEl>
+                                          <p:spTgt spid="91"/>
+                                        </p:tgtEl>
+                                        <p:attrNameLst>
+                                          <p:attrName>style.visibility</p:attrName>
+                                        </p:attrNameLst>
+                                      </p:cBhvr>
+                                      <p:to>
+                                        <p:strVal val="visible"/>
+                                      </p:to>
+                                    </p:set>
+                                    <p:animEffect transition="in" filter="wipe(down)">
+                                      <p:cBhvr>
+                                        <p:cTn id="12" dur="500"/>
+                                        <p:tgtEl>
+                                          <p:spTgt spid="91"/>
+                                        </p:tgtEl>
+                                      </p:cBhvr>
+                                    </p:animEffect>
+                                  </p:childTnLst>
+                                </p:cTn>
+                              </p:par>
+                            </p:childTnLst>
+                          </p:cTn>
+                        </p:par>
+                      </p:childTnLst>
+                    </p:cTn>
+                  </p:par>
+                  <p:par>
+                    <p:cTn id="13" fill="hold">
+                      <p:stCondLst>
+                        <p:cond delay="indefinite"/>
+                      </p:stCondLst>
+                      <p:childTnLst>
+                        <p:par>
+                          <p:cTn id="14" fill="hold">
+                            <p:stCondLst>
+                              <p:cond delay="0"/>
+                            </p:stCondLst>
+                            <p:childTnLst>
+                              <p:par>
+                                <p:cTn id="15" presetID="4" presetClass="entr" presetSubtype="16" fill="hold" grpId="0" nodeType="clickEffect">
+                                  <p:stCondLst>
+                                    <p:cond delay="0"/>
+                                  </p:stCondLst>
+                                  <p:childTnLst>
+                                    <p:set>
+                                      <p:cBhvr>
+                                        <p:cTn id="16" dur="1" fill="hold">
+                                          <p:stCondLst>
+                                            <p:cond delay="0"/>
+                                          </p:stCondLst>
+                                        </p:cTn>
+                                        <p:tgtEl>
+                                          <p:spTgt spid="93"/>
+                                        </p:tgtEl>
+                                        <p:attrNameLst>
+                                          <p:attrName>style.visibility</p:attrName>
+                                        </p:attrNameLst>
+                                      </p:cBhvr>
+                                      <p:to>
+                                        <p:strVal val="visible"/>
+                                      </p:to>
+                                    </p:set>
+                                    <p:animEffect transition="in" filter="box(in)">
+                                      <p:cBhvr>
+                                        <p:cTn id="17" dur="2000"/>
+                                        <p:tgtEl>
+                                          <p:spTgt spid="93"/>
+                                        </p:tgtEl>
+                                      </p:cBhvr>
+                                    </p:animEffect>
+                                  </p:childTnLst>
+                                </p:cTn>
+                              </p:par>
+                            </p:childTnLst>
+                          </p:cTn>
+                        </p:par>
+                      </p:childTnLst>
+                    </p:cTn>
+                  </p:par>
+                  <p:par>
+                    <p:cTn id="18" fill="hold">
+                      <p:stCondLst>
+                        <p:cond delay="indefinite"/>
+                      </p:stCondLst>
+                      <p:childTnLst>
+                        <p:par>
+                          <p:cTn id="19" fill="hold">
+                            <p:stCondLst>
+                              <p:cond delay="0"/>
+                            </p:stCondLst>
+                            <p:childTnLst>
+                              <p:par>
+                                <p:cTn id="20" presetID="22" presetClass="entr" presetSubtype="4" fill="hold" grpId="0" nodeType="clickEffect">
+                                  <p:stCondLst>
+                                    <p:cond delay="0"/>
+                                  </p:stCondLst>
+                                  <p:childTnLst>
+                                    <p:set>
+                                      <p:cBhvr>
+                                        <p:cTn id="21" dur="1" fill="hold">
+                                          <p:stCondLst>
+                                            <p:cond delay="0"/>
+                                          </p:stCondLst>
+                                        </p:cTn>
+                                        <p:tgtEl>
+                                          <p:spTgt spid="92"/>
+                                        </p:tgtEl>
+                                        <p:attrNameLst>
+                                          <p:attrName>style.visibility</p:attrName>
+                                        </p:attrNameLst>
+                                      </p:cBhvr>
+                                      <p:to>
+                                        <p:strVal val="visible"/>
+                                      </p:to>
+                                    </p:set>
+                                    <p:animEffect transition="in" filter="wipe(down)">
+                                      <p:cBhvr>
+                                        <p:cTn id="22" dur="500"/>
+                                        <p:tgtEl>
+                                          <p:spTgt spid="92"/>
+                                        </p:tgtEl>
+                                      </p:cBhvr>
+                                    </p:animEffect>
+                                  </p:childTnLst>
+                                </p:cTn>
+                              </p:par>
+                            </p:childTnLst>
+                          </p:cTn>
+                        </p:par>
+                      </p:childTnLst>
+                    </p:cTn>
+                  </p:par>
+                  <p:par>
+                    <p:cTn id="23" fill="hold">
+                      <p:stCondLst>
+                        <p:cond delay="indefinite"/>
+                      </p:stCondLst>
+                      <p:childTnLst>
+                        <p:par>
+                          <p:cTn id="24" fill="hold">
+                            <p:stCondLst>
+                              <p:cond delay="0"/>
+                            </p:stCondLst>
+                            <p:childTnLst>
+                              <p:par>
+                                <p:cTn id="25" presetID="3" presetClass="entr" presetSubtype="10" fill="hold" grpId="0" nodeType="clickEffect">
+                                  <p:stCondLst>
+                                    <p:cond delay="0"/>
+                                  </p:stCondLst>
+                                  <p:childTnLst>
+                                    <p:set>
+                                      <p:cBhvr>
+                                        <p:cTn id="26" dur="1" fill="hold">
+                                          <p:stCondLst>
+                                            <p:cond delay="0"/>
+                                          </p:stCondLst>
+                                        </p:cTn>
+                                        <p:tgtEl>
+                                          <p:spTgt spid="94"/>
+                                        </p:tgtEl>
+                                        <p:attrNameLst>
+                                          <p:attrName>style.visibility</p:attrName>
+                                        </p:attrNameLst>
+                                      </p:cBhvr>
+                                      <p:to>
+                                        <p:strVal val="visible"/>
+                                      </p:to>
+                                    </p:set>
+                                    <p:animEffect transition="in" filter="blinds(horizontal)">
+                                      <p:cBhvr>
+                                        <p:cTn id="27" dur="500"/>
+                                        <p:tgtEl>
+                                          <p:spTgt spid="94"/>
+                                        </p:tgtEl>
+                                      </p:cBhvr>
+                                    </p:animEffect>
+                                  </p:childTnLst>
+                                </p:cTn>
+                              </p:par>
+                            </p:childTnLst>
+                          </p:cTn>
+                        </p:par>
+                      </p:childTnLst>
+                    </p:cTn>
+                  </p:par>
+                  <p:par>
+                    <p:cTn id="28" fill="hold">
+                      <p:stCondLst>
+                        <p:cond delay="indefinite"/>
+                      </p:stCondLst>
+                      <p:childTnLst>
+                        <p:par>
+                          <p:cTn id="29" fill="hold">
+                            <p:stCondLst>
+                              <p:cond delay="0"/>
+                            </p:stCondLst>
+                            <p:childTnLst>
+                              <p:par>
+                                <p:cTn id="30" presetID="22" presetClass="entr" presetSubtype="4" fill="hold" grpId="0" nodeType="clickEffect">
+                                  <p:stCondLst>
+                                    <p:cond delay="0"/>
+                                  </p:stCondLst>
+                                  <p:childTnLst>
+                                    <p:set>
+                                      <p:cBhvr>
+                                        <p:cTn id="31" dur="1" fill="hold">
+                                          <p:stCondLst>
+                                            <p:cond delay="0"/>
+                                          </p:stCondLst>
+                                        </p:cTn>
+                                        <p:tgtEl>
+                                          <p:spTgt spid="95"/>
+                                        </p:tgtEl>
+                                        <p:attrNameLst>
+                                          <p:attrName>style.visibility</p:attrName>
+                                        </p:attrNameLst>
+                                      </p:cBhvr>
+                                      <p:to>
+                                        <p:strVal val="visible"/>
+                                      </p:to>
+                                    </p:set>
+                                    <p:animEffect transition="in" filter="wipe(down)">
+                                      <p:cBhvr>
+                                        <p:cTn id="32" dur="500"/>
+                                        <p:tgtEl>
+                                          <p:spTgt spid="95"/>
+                                        </p:tgtEl>
+                                      </p:cBhvr>
+                                    </p:animEffect>
+                                  </p:childTnLst>
+                                </p:cTn>
+                              </p:par>
+                            </p:childTnLst>
+                          </p:cTn>
+                        </p:par>
+                      </p:childTnLst>
+                    </p:cTn>
+                  </p:par>
+                </p:childTnLst>
+              </p:cTn>
+              <p:prevCondLst>
+                <p:cond evt="onPrev" delay="0">
+                  <p:tgtEl>
+                    <p:sldTgt/>
+                  </p:tgtEl>
+                </p:cond>
+              </p:prevCondLst>
+              <p:nextCondLst>
+                <p:cond evt="onNext" delay="0">
+                  <p:tgtEl>
+                    <p:sldTgt/>
+                  </p:tgtEl>
+                </p:cond>
+              </p:nextCondLst>
+            </p:seq>
+          </p:childTnLst>
+        </p:cTn>
+      </p:par>
+    </p:tnLst>
+    <p:bldLst>
+      <p:bldP spid="90" grpId="0" animBg="1"/>
+      <p:bldP spid="90" grpId="1" animBg="1"/>
+      <p:bldP spid="91" grpId="0" animBg="1"/>
+      <p:bldP spid="91" grpId="1" animBg="1"/>
+      <p:bldP spid="93" grpId="0" animBg="1"/>
+      <p:bldP spid="93" grpId="1" animBg="1"/>
+      <p:bldP spid="92" grpId="0" animBg="1"/>
+      <p:bldP spid="92" grpId="1" animBg="1"/>
+      <p:bldP spid="94" grpId="0" animBg="1"/>
+      <p:bldP spid="94" grpId="1" animBg="1"/>
+      <p:bldP spid="95" grpId="0"/>
+      <p:bldP spid="95" grpId="1"/>
+    </p:bldLst>
+  </p:timing>
 </p:sld>
 </file>
 
@@ -20775,7 +24471,7 @@
         </p:nvSpPr>
         <p:spPr>
           <a:xfrm>
-            <a:off x="0" y="1321248"/>
+            <a:off x="0" y="1457773"/>
             <a:ext cx="12192000" cy="584775"/>
           </a:xfrm>
           <a:prstGeom prst="rect">
@@ -20828,7 +24524,7 @@
         </p:nvSpPr>
         <p:spPr>
           <a:xfrm>
-            <a:off x="0" y="4767311"/>
+            <a:off x="99695" y="4849226"/>
             <a:ext cx="12192000" cy="584775"/>
           </a:xfrm>
           <a:prstGeom prst="rect">
@@ -20881,7 +24577,7 @@
         </p:nvSpPr>
         <p:spPr>
           <a:xfrm>
-            <a:off x="0" y="3899250"/>
+            <a:off x="99695" y="3990690"/>
             <a:ext cx="12192000" cy="584775"/>
           </a:xfrm>
           <a:prstGeom prst="rect">
@@ -20934,7 +24630,7 @@
         </p:nvSpPr>
         <p:spPr>
           <a:xfrm>
-            <a:off x="0" y="3039916"/>
+            <a:off x="99695" y="3136436"/>
             <a:ext cx="12192000" cy="584775"/>
           </a:xfrm>
           <a:prstGeom prst="rect">
@@ -20987,7 +24683,7 @@
         </p:nvSpPr>
         <p:spPr>
           <a:xfrm>
-            <a:off x="0" y="2180582"/>
+            <a:off x="99695" y="2276467"/>
             <a:ext cx="12192000" cy="584775"/>
           </a:xfrm>
           <a:prstGeom prst="rect">
@@ -21040,6 +24736,351 @@
   <p:transition spd="slow">
     <p:push dir="u"/>
   </p:transition>
+  <p:timing>
+    <p:tnLst>
+      <p:par>
+        <p:cTn id="1" dur="indefinite" restart="never" nodeType="tmRoot">
+          <p:childTnLst>
+            <p:seq concurrent="1" nextAc="seek">
+              <p:cTn id="2" dur="indefinite" nodeType="mainSeq">
+                <p:childTnLst>
+                  <p:par>
+                    <p:cTn id="3" fill="hold">
+                      <p:stCondLst>
+                        <p:cond delay="indefinite"/>
+                      </p:stCondLst>
+                      <p:childTnLst>
+                        <p:par>
+                          <p:cTn id="4" fill="hold">
+                            <p:stCondLst>
+                              <p:cond delay="0"/>
+                            </p:stCondLst>
+                            <p:childTnLst>
+                              <p:par>
+                                <p:cTn id="5" presetID="3" presetClass="entr" presetSubtype="10" fill="hold" grpId="0" nodeType="clickEffect">
+                                  <p:stCondLst>
+                                    <p:cond delay="0"/>
+                                  </p:stCondLst>
+                                  <p:childTnLst>
+                                    <p:set>
+                                      <p:cBhvr>
+                                        <p:cTn id="6" dur="1" fill="hold">
+                                          <p:stCondLst>
+                                            <p:cond delay="0"/>
+                                          </p:stCondLst>
+                                        </p:cTn>
+                                        <p:tgtEl>
+                                          <p:spTgt spid="30"/>
+                                        </p:tgtEl>
+                                        <p:attrNameLst>
+                                          <p:attrName>style.visibility</p:attrName>
+                                        </p:attrNameLst>
+                                      </p:cBhvr>
+                                      <p:to>
+                                        <p:strVal val="visible"/>
+                                      </p:to>
+                                    </p:set>
+                                    <p:animEffect transition="in" filter="blinds(horizontal)">
+                                      <p:cBhvr>
+                                        <p:cTn id="7" dur="500"/>
+                                        <p:tgtEl>
+                                          <p:spTgt spid="30"/>
+                                        </p:tgtEl>
+                                      </p:cBhvr>
+                                    </p:animEffect>
+                                  </p:childTnLst>
+                                </p:cTn>
+                              </p:par>
+                            </p:childTnLst>
+                          </p:cTn>
+                        </p:par>
+                      </p:childTnLst>
+                    </p:cTn>
+                  </p:par>
+                  <p:par>
+                    <p:cTn id="8" fill="hold">
+                      <p:stCondLst>
+                        <p:cond delay="indefinite"/>
+                      </p:stCondLst>
+                      <p:childTnLst>
+                        <p:par>
+                          <p:cTn id="9" fill="hold">
+                            <p:stCondLst>
+                              <p:cond delay="0"/>
+                            </p:stCondLst>
+                            <p:childTnLst>
+                              <p:par>
+                                <p:cTn id="10" presetID="22" presetClass="entr" presetSubtype="4" fill="hold" grpId="0" nodeType="clickEffect">
+                                  <p:stCondLst>
+                                    <p:cond delay="0"/>
+                                  </p:stCondLst>
+                                  <p:childTnLst>
+                                    <p:set>
+                                      <p:cBhvr>
+                                        <p:cTn id="11" dur="1" fill="hold">
+                                          <p:stCondLst>
+                                            <p:cond delay="0"/>
+                                          </p:stCondLst>
+                                        </p:cTn>
+                                        <p:tgtEl>
+                                          <p:spTgt spid="34"/>
+                                        </p:tgtEl>
+                                        <p:attrNameLst>
+                                          <p:attrName>style.visibility</p:attrName>
+                                        </p:attrNameLst>
+                                      </p:cBhvr>
+                                      <p:to>
+                                        <p:strVal val="visible"/>
+                                      </p:to>
+                                    </p:set>
+                                    <p:animEffect transition="in" filter="wipe(down)">
+                                      <p:cBhvr>
+                                        <p:cTn id="12" dur="500"/>
+                                        <p:tgtEl>
+                                          <p:spTgt spid="34"/>
+                                        </p:tgtEl>
+                                      </p:cBhvr>
+                                    </p:animEffect>
+                                  </p:childTnLst>
+                                </p:cTn>
+                              </p:par>
+                            </p:childTnLst>
+                          </p:cTn>
+                        </p:par>
+                      </p:childTnLst>
+                    </p:cTn>
+                  </p:par>
+                  <p:par>
+                    <p:cTn id="13" fill="hold">
+                      <p:stCondLst>
+                        <p:cond delay="indefinite"/>
+                      </p:stCondLst>
+                      <p:childTnLst>
+                        <p:par>
+                          <p:cTn id="14" fill="hold">
+                            <p:stCondLst>
+                              <p:cond delay="0"/>
+                            </p:stCondLst>
+                            <p:childTnLst>
+                              <p:par>
+                                <p:cTn id="15" presetID="3" presetClass="entr" presetSubtype="10" fill="hold" grpId="0" nodeType="clickEffect">
+                                  <p:stCondLst>
+                                    <p:cond delay="0"/>
+                                  </p:stCondLst>
+                                  <p:childTnLst>
+                                    <p:set>
+                                      <p:cBhvr>
+                                        <p:cTn id="16" dur="1" fill="hold">
+                                          <p:stCondLst>
+                                            <p:cond delay="0"/>
+                                          </p:stCondLst>
+                                        </p:cTn>
+                                        <p:tgtEl>
+                                          <p:spTgt spid="33"/>
+                                        </p:tgtEl>
+                                        <p:attrNameLst>
+                                          <p:attrName>style.visibility</p:attrName>
+                                        </p:attrNameLst>
+                                      </p:cBhvr>
+                                      <p:to>
+                                        <p:strVal val="visible"/>
+                                      </p:to>
+                                    </p:set>
+                                    <p:animEffect transition="in" filter="blinds(horizontal)">
+                                      <p:cBhvr>
+                                        <p:cTn id="17" dur="500"/>
+                                        <p:tgtEl>
+                                          <p:spTgt spid="33"/>
+                                        </p:tgtEl>
+                                      </p:cBhvr>
+                                    </p:animEffect>
+                                  </p:childTnLst>
+                                </p:cTn>
+                              </p:par>
+                            </p:childTnLst>
+                          </p:cTn>
+                        </p:par>
+                      </p:childTnLst>
+                    </p:cTn>
+                  </p:par>
+                  <p:par>
+                    <p:cTn id="18" fill="hold">
+                      <p:stCondLst>
+                        <p:cond delay="indefinite"/>
+                      </p:stCondLst>
+                      <p:childTnLst>
+                        <p:par>
+                          <p:cTn id="19" fill="hold">
+                            <p:stCondLst>
+                              <p:cond delay="0"/>
+                            </p:stCondLst>
+                            <p:childTnLst>
+                              <p:par>
+                                <p:cTn id="20" presetID="22" presetClass="entr" presetSubtype="4" fill="hold" grpId="0" nodeType="clickEffect">
+                                  <p:stCondLst>
+                                    <p:cond delay="0"/>
+                                  </p:stCondLst>
+                                  <p:childTnLst>
+                                    <p:set>
+                                      <p:cBhvr>
+                                        <p:cTn id="21" dur="1" fill="hold">
+                                          <p:stCondLst>
+                                            <p:cond delay="0"/>
+                                          </p:stCondLst>
+                                        </p:cTn>
+                                        <p:tgtEl>
+                                          <p:spTgt spid="32"/>
+                                        </p:tgtEl>
+                                        <p:attrNameLst>
+                                          <p:attrName>style.visibility</p:attrName>
+                                        </p:attrNameLst>
+                                      </p:cBhvr>
+                                      <p:to>
+                                        <p:strVal val="visible"/>
+                                      </p:to>
+                                    </p:set>
+                                    <p:animEffect transition="in" filter="wipe(down)">
+                                      <p:cBhvr>
+                                        <p:cTn id="22" dur="500"/>
+                                        <p:tgtEl>
+                                          <p:spTgt spid="32"/>
+                                        </p:tgtEl>
+                                      </p:cBhvr>
+                                    </p:animEffect>
+                                  </p:childTnLst>
+                                </p:cTn>
+                              </p:par>
+                            </p:childTnLst>
+                          </p:cTn>
+                        </p:par>
+                      </p:childTnLst>
+                    </p:cTn>
+                  </p:par>
+                  <p:par>
+                    <p:cTn id="23" fill="hold">
+                      <p:stCondLst>
+                        <p:cond delay="indefinite"/>
+                      </p:stCondLst>
+                      <p:childTnLst>
+                        <p:par>
+                          <p:cTn id="24" fill="hold">
+                            <p:stCondLst>
+                              <p:cond delay="0"/>
+                            </p:stCondLst>
+                            <p:childTnLst>
+                              <p:par>
+                                <p:cTn id="25" presetID="2" presetClass="entr" presetSubtype="4" fill="hold" grpId="0" nodeType="clickEffect">
+                                  <p:stCondLst>
+                                    <p:cond delay="0"/>
+                                  </p:stCondLst>
+                                  <p:childTnLst>
+                                    <p:set>
+                                      <p:cBhvr>
+                                        <p:cTn id="26" dur="1" fill="hold">
+                                          <p:stCondLst>
+                                            <p:cond delay="0"/>
+                                          </p:stCondLst>
+                                        </p:cTn>
+                                        <p:tgtEl>
+                                          <p:spTgt spid="31"/>
+                                        </p:tgtEl>
+                                        <p:attrNameLst>
+                                          <p:attrName>style.visibility</p:attrName>
+                                        </p:attrNameLst>
+                                      </p:cBhvr>
+                                      <p:to>
+                                        <p:strVal val="visible"/>
+                                      </p:to>
+                                    </p:set>
+                                    <p:anim calcmode="lin" valueType="num">
+                                      <p:cBhvr additive="base">
+                                        <p:cTn id="27" dur="500" fill="hold"/>
+                                        <p:tgtEl>
+                                          <p:spTgt spid="31"/>
+                                        </p:tgtEl>
+                                        <p:attrNameLst>
+                                          <p:attrName>ppt_x</p:attrName>
+                                        </p:attrNameLst>
+                                      </p:cBhvr>
+                                      <p:tavLst>
+                                        <p:tav tm="0">
+                                          <p:val>
+                                            <p:strVal val="#ppt_x"/>
+                                          </p:val>
+                                        </p:tav>
+                                        <p:tav tm="100000">
+                                          <p:val>
+                                            <p:strVal val="#ppt_x"/>
+                                          </p:val>
+                                        </p:tav>
+                                      </p:tavLst>
+                                    </p:anim>
+                                    <p:anim calcmode="lin" valueType="num">
+                                      <p:cBhvr additive="base">
+                                        <p:cTn id="28" dur="500" fill="hold"/>
+                                        <p:tgtEl>
+                                          <p:spTgt spid="31"/>
+                                        </p:tgtEl>
+                                        <p:attrNameLst>
+                                          <p:attrName>ppt_y</p:attrName>
+                                        </p:attrNameLst>
+                                      </p:cBhvr>
+                                      <p:tavLst>
+                                        <p:tav tm="0">
+                                          <p:val>
+                                            <p:strVal val="1+#ppt_h/2"/>
+                                          </p:val>
+                                        </p:tav>
+                                        <p:tav tm="100000">
+                                          <p:val>
+                                            <p:strVal val="#ppt_y"/>
+                                          </p:val>
+                                        </p:tav>
+                                      </p:tavLst>
+                                    </p:anim>
+                                  </p:childTnLst>
+                                </p:cTn>
+                              </p:par>
+                            </p:childTnLst>
+                          </p:cTn>
+                        </p:par>
+                      </p:childTnLst>
+                    </p:cTn>
+                  </p:par>
+                </p:childTnLst>
+              </p:cTn>
+              <p:prevCondLst>
+                <p:cond evt="onPrev" delay="0">
+                  <p:tgtEl>
+                    <p:sldTgt/>
+                  </p:tgtEl>
+                </p:cond>
+              </p:prevCondLst>
+              <p:nextCondLst>
+                <p:cond evt="onNext" delay="0">
+                  <p:tgtEl>
+                    <p:sldTgt/>
+                  </p:tgtEl>
+                </p:cond>
+              </p:nextCondLst>
+            </p:seq>
+          </p:childTnLst>
+        </p:cTn>
+      </p:par>
+    </p:tnLst>
+    <p:bldLst>
+      <p:bldP spid="30" grpId="0"/>
+      <p:bldP spid="30" grpId="1"/>
+      <p:bldP spid="34" grpId="0"/>
+      <p:bldP spid="34" grpId="1"/>
+      <p:bldP spid="33" grpId="0"/>
+      <p:bldP spid="33" grpId="1"/>
+      <p:bldP spid="32" grpId="0"/>
+      <p:bldP spid="32" grpId="1"/>
+      <p:bldP spid="31" grpId="0"/>
+      <p:bldP spid="31" grpId="1"/>
+    </p:bldLst>
+  </p:timing>
 </p:sld>
 </file>
 
@@ -21212,7 +25253,11 @@
         <p:nvSpPr>
           <p:cNvPr id="37" name="文本框 36"/>
           <p:cNvSpPr txBox="1"/>
-          <p:nvPr/>
+          <p:nvPr>
+            <p:custDataLst>
+              <p:tags r:id="rId2"/>
+            </p:custDataLst>
+          </p:nvPr>
         </p:nvSpPr>
         <p:spPr>
           <a:xfrm>
@@ -21521,6 +25566,482 @@
   <p:transition spd="slow">
     <p:push dir="u"/>
   </p:transition>
+  <p:timing>
+    <p:tnLst>
+      <p:par>
+        <p:cTn id="1" dur="indefinite" restart="never" nodeType="tmRoot">
+          <p:childTnLst>
+            <p:seq concurrent="1" nextAc="seek">
+              <p:cTn id="2" dur="indefinite" nodeType="mainSeq">
+                <p:childTnLst>
+                  <p:par>
+                    <p:cTn id="3" fill="hold">
+                      <p:stCondLst>
+                        <p:cond delay="indefinite"/>
+                      </p:stCondLst>
+                      <p:childTnLst>
+                        <p:par>
+                          <p:cTn id="4" fill="hold">
+                            <p:stCondLst>
+                              <p:cond delay="0"/>
+                            </p:stCondLst>
+                            <p:childTnLst>
+                              <p:par>
+                                <p:cTn id="5" presetID="2" presetClass="entr" presetSubtype="4" fill="hold" grpId="0" nodeType="clickEffect">
+                                  <p:stCondLst>
+                                    <p:cond delay="0"/>
+                                  </p:stCondLst>
+                                  <p:childTnLst>
+                                    <p:set>
+                                      <p:cBhvr>
+                                        <p:cTn id="6" dur="1" fill="hold">
+                                          <p:stCondLst>
+                                            <p:cond delay="0"/>
+                                          </p:stCondLst>
+                                        </p:cTn>
+                                        <p:tgtEl>
+                                          <p:spTgt spid="36"/>
+                                        </p:tgtEl>
+                                        <p:attrNameLst>
+                                          <p:attrName>style.visibility</p:attrName>
+                                        </p:attrNameLst>
+                                      </p:cBhvr>
+                                      <p:to>
+                                        <p:strVal val="visible"/>
+                                      </p:to>
+                                    </p:set>
+                                    <p:anim calcmode="lin" valueType="num">
+                                      <p:cBhvr additive="base">
+                                        <p:cTn id="7" dur="500" fill="hold"/>
+                                        <p:tgtEl>
+                                          <p:spTgt spid="36"/>
+                                        </p:tgtEl>
+                                        <p:attrNameLst>
+                                          <p:attrName>ppt_x</p:attrName>
+                                        </p:attrNameLst>
+                                      </p:cBhvr>
+                                      <p:tavLst>
+                                        <p:tav tm="0">
+                                          <p:val>
+                                            <p:strVal val="#ppt_x"/>
+                                          </p:val>
+                                        </p:tav>
+                                        <p:tav tm="100000">
+                                          <p:val>
+                                            <p:strVal val="#ppt_x"/>
+                                          </p:val>
+                                        </p:tav>
+                                      </p:tavLst>
+                                    </p:anim>
+                                    <p:anim calcmode="lin" valueType="num">
+                                      <p:cBhvr additive="base">
+                                        <p:cTn id="8" dur="500" fill="hold"/>
+                                        <p:tgtEl>
+                                          <p:spTgt spid="36"/>
+                                        </p:tgtEl>
+                                        <p:attrNameLst>
+                                          <p:attrName>ppt_y</p:attrName>
+                                        </p:attrNameLst>
+                                      </p:cBhvr>
+                                      <p:tavLst>
+                                        <p:tav tm="0">
+                                          <p:val>
+                                            <p:strVal val="1+#ppt_h/2"/>
+                                          </p:val>
+                                        </p:tav>
+                                        <p:tav tm="100000">
+                                          <p:val>
+                                            <p:strVal val="#ppt_y"/>
+                                          </p:val>
+                                        </p:tav>
+                                      </p:tavLst>
+                                    </p:anim>
+                                  </p:childTnLst>
+                                </p:cTn>
+                              </p:par>
+                            </p:childTnLst>
+                          </p:cTn>
+                        </p:par>
+                      </p:childTnLst>
+                    </p:cTn>
+                  </p:par>
+                  <p:par>
+                    <p:cTn id="9" fill="hold">
+                      <p:stCondLst>
+                        <p:cond delay="indefinite"/>
+                      </p:stCondLst>
+                      <p:childTnLst>
+                        <p:par>
+                          <p:cTn id="10" fill="hold">
+                            <p:stCondLst>
+                              <p:cond delay="0"/>
+                            </p:stCondLst>
+                            <p:childTnLst>
+                              <p:par>
+                                <p:cTn id="11" presetID="2" presetClass="entr" presetSubtype="4" fill="hold" grpId="0" nodeType="clickEffect">
+                                  <p:stCondLst>
+                                    <p:cond delay="0"/>
+                                  </p:stCondLst>
+                                  <p:childTnLst>
+                                    <p:set>
+                                      <p:cBhvr>
+                                        <p:cTn id="12" dur="1" fill="hold">
+                                          <p:stCondLst>
+                                            <p:cond delay="0"/>
+                                          </p:stCondLst>
+                                        </p:cTn>
+                                        <p:tgtEl>
+                                          <p:spTgt spid="37"/>
+                                        </p:tgtEl>
+                                        <p:attrNameLst>
+                                          <p:attrName>style.visibility</p:attrName>
+                                        </p:attrNameLst>
+                                      </p:cBhvr>
+                                      <p:to>
+                                        <p:strVal val="visible"/>
+                                      </p:to>
+                                    </p:set>
+                                    <p:anim calcmode="lin" valueType="num">
+                                      <p:cBhvr additive="base">
+                                        <p:cTn id="13" dur="500" fill="hold"/>
+                                        <p:tgtEl>
+                                          <p:spTgt spid="37"/>
+                                        </p:tgtEl>
+                                        <p:attrNameLst>
+                                          <p:attrName>ppt_x</p:attrName>
+                                        </p:attrNameLst>
+                                      </p:cBhvr>
+                                      <p:tavLst>
+                                        <p:tav tm="0">
+                                          <p:val>
+                                            <p:strVal val="#ppt_x"/>
+                                          </p:val>
+                                        </p:tav>
+                                        <p:tav tm="100000">
+                                          <p:val>
+                                            <p:strVal val="#ppt_x"/>
+                                          </p:val>
+                                        </p:tav>
+                                      </p:tavLst>
+                                    </p:anim>
+                                    <p:anim calcmode="lin" valueType="num">
+                                      <p:cBhvr additive="base">
+                                        <p:cTn id="14" dur="500" fill="hold"/>
+                                        <p:tgtEl>
+                                          <p:spTgt spid="37"/>
+                                        </p:tgtEl>
+                                        <p:attrNameLst>
+                                          <p:attrName>ppt_y</p:attrName>
+                                        </p:attrNameLst>
+                                      </p:cBhvr>
+                                      <p:tavLst>
+                                        <p:tav tm="0">
+                                          <p:val>
+                                            <p:strVal val="1+#ppt_h/2"/>
+                                          </p:val>
+                                        </p:tav>
+                                        <p:tav tm="100000">
+                                          <p:val>
+                                            <p:strVal val="#ppt_y"/>
+                                          </p:val>
+                                        </p:tav>
+                                      </p:tavLst>
+                                    </p:anim>
+                                  </p:childTnLst>
+                                </p:cTn>
+                              </p:par>
+                            </p:childTnLst>
+                          </p:cTn>
+                        </p:par>
+                      </p:childTnLst>
+                    </p:cTn>
+                  </p:par>
+                  <p:par>
+                    <p:cTn id="15" fill="hold">
+                      <p:stCondLst>
+                        <p:cond delay="indefinite"/>
+                      </p:stCondLst>
+                      <p:childTnLst>
+                        <p:par>
+                          <p:cTn id="16" fill="hold">
+                            <p:stCondLst>
+                              <p:cond delay="0"/>
+                            </p:stCondLst>
+                            <p:childTnLst>
+                              <p:par>
+                                <p:cTn id="17" presetID="22" presetClass="entr" presetSubtype="4" fill="hold" grpId="0" nodeType="clickEffect">
+                                  <p:stCondLst>
+                                    <p:cond delay="0"/>
+                                  </p:stCondLst>
+                                  <p:childTnLst>
+                                    <p:set>
+                                      <p:cBhvr>
+                                        <p:cTn id="18" dur="1" fill="hold">
+                                          <p:stCondLst>
+                                            <p:cond delay="0"/>
+                                          </p:stCondLst>
+                                        </p:cTn>
+                                        <p:tgtEl>
+                                          <p:spTgt spid="38"/>
+                                        </p:tgtEl>
+                                        <p:attrNameLst>
+                                          <p:attrName>style.visibility</p:attrName>
+                                        </p:attrNameLst>
+                                      </p:cBhvr>
+                                      <p:to>
+                                        <p:strVal val="visible"/>
+                                      </p:to>
+                                    </p:set>
+                                    <p:animEffect transition="in" filter="wipe(down)">
+                                      <p:cBhvr>
+                                        <p:cTn id="19" dur="500"/>
+                                        <p:tgtEl>
+                                          <p:spTgt spid="38"/>
+                                        </p:tgtEl>
+                                      </p:cBhvr>
+                                    </p:animEffect>
+                                  </p:childTnLst>
+                                </p:cTn>
+                              </p:par>
+                            </p:childTnLst>
+                          </p:cTn>
+                        </p:par>
+                      </p:childTnLst>
+                    </p:cTn>
+                  </p:par>
+                  <p:par>
+                    <p:cTn id="20" fill="hold">
+                      <p:stCondLst>
+                        <p:cond delay="indefinite"/>
+                      </p:stCondLst>
+                      <p:childTnLst>
+                        <p:par>
+                          <p:cTn id="21" fill="hold">
+                            <p:stCondLst>
+                              <p:cond delay="0"/>
+                            </p:stCondLst>
+                            <p:childTnLst>
+                              <p:par>
+                                <p:cTn id="22" presetID="3" presetClass="entr" presetSubtype="10" fill="hold" grpId="0" nodeType="clickEffect">
+                                  <p:stCondLst>
+                                    <p:cond delay="0"/>
+                                  </p:stCondLst>
+                                  <p:childTnLst>
+                                    <p:set>
+                                      <p:cBhvr>
+                                        <p:cTn id="23" dur="1" fill="hold">
+                                          <p:stCondLst>
+                                            <p:cond delay="0"/>
+                                          </p:stCondLst>
+                                        </p:cTn>
+                                        <p:tgtEl>
+                                          <p:spTgt spid="39"/>
+                                        </p:tgtEl>
+                                        <p:attrNameLst>
+                                          <p:attrName>style.visibility</p:attrName>
+                                        </p:attrNameLst>
+                                      </p:cBhvr>
+                                      <p:to>
+                                        <p:strVal val="visible"/>
+                                      </p:to>
+                                    </p:set>
+                                    <p:animEffect transition="in" filter="blinds(horizontal)">
+                                      <p:cBhvr>
+                                        <p:cTn id="24" dur="500"/>
+                                        <p:tgtEl>
+                                          <p:spTgt spid="39"/>
+                                        </p:tgtEl>
+                                      </p:cBhvr>
+                                    </p:animEffect>
+                                  </p:childTnLst>
+                                </p:cTn>
+                              </p:par>
+                            </p:childTnLst>
+                          </p:cTn>
+                        </p:par>
+                      </p:childTnLst>
+                    </p:cTn>
+                  </p:par>
+                  <p:par>
+                    <p:cTn id="25" fill="hold">
+                      <p:stCondLst>
+                        <p:cond delay="indefinite"/>
+                      </p:stCondLst>
+                      <p:childTnLst>
+                        <p:par>
+                          <p:cTn id="26" fill="hold">
+                            <p:stCondLst>
+                              <p:cond delay="0"/>
+                            </p:stCondLst>
+                            <p:childTnLst>
+                              <p:par>
+                                <p:cTn id="27" presetID="22" presetClass="entr" presetSubtype="4" fill="hold" grpId="0" nodeType="clickEffect">
+                                  <p:stCondLst>
+                                    <p:cond delay="0"/>
+                                  </p:stCondLst>
+                                  <p:childTnLst>
+                                    <p:set>
+                                      <p:cBhvr>
+                                        <p:cTn id="28" dur="1" fill="hold">
+                                          <p:stCondLst>
+                                            <p:cond delay="0"/>
+                                          </p:stCondLst>
+                                        </p:cTn>
+                                        <p:tgtEl>
+                                          <p:spTgt spid="40"/>
+                                        </p:tgtEl>
+                                        <p:attrNameLst>
+                                          <p:attrName>style.visibility</p:attrName>
+                                        </p:attrNameLst>
+                                      </p:cBhvr>
+                                      <p:to>
+                                        <p:strVal val="visible"/>
+                                      </p:to>
+                                    </p:set>
+                                    <p:animEffect transition="in" filter="wipe(down)">
+                                      <p:cBhvr>
+                                        <p:cTn id="29" dur="500"/>
+                                        <p:tgtEl>
+                                          <p:spTgt spid="40"/>
+                                        </p:tgtEl>
+                                      </p:cBhvr>
+                                    </p:animEffect>
+                                  </p:childTnLst>
+                                </p:cTn>
+                              </p:par>
+                            </p:childTnLst>
+                          </p:cTn>
+                        </p:par>
+                      </p:childTnLst>
+                    </p:cTn>
+                  </p:par>
+                  <p:par>
+                    <p:cTn id="30" fill="hold">
+                      <p:stCondLst>
+                        <p:cond delay="indefinite"/>
+                      </p:stCondLst>
+                      <p:childTnLst>
+                        <p:par>
+                          <p:cTn id="31" fill="hold">
+                            <p:stCondLst>
+                              <p:cond delay="0"/>
+                            </p:stCondLst>
+                            <p:childTnLst>
+                              <p:par>
+                                <p:cTn id="32" presetID="2" presetClass="entr" presetSubtype="4" fill="hold" grpId="0" nodeType="clickEffect">
+                                  <p:stCondLst>
+                                    <p:cond delay="0"/>
+                                  </p:stCondLst>
+                                  <p:childTnLst>
+                                    <p:set>
+                                      <p:cBhvr>
+                                        <p:cTn id="33" dur="1" fill="hold">
+                                          <p:stCondLst>
+                                            <p:cond delay="0"/>
+                                          </p:stCondLst>
+                                        </p:cTn>
+                                        <p:tgtEl>
+                                          <p:spTgt spid="41"/>
+                                        </p:tgtEl>
+                                        <p:attrNameLst>
+                                          <p:attrName>style.visibility</p:attrName>
+                                        </p:attrNameLst>
+                                      </p:cBhvr>
+                                      <p:to>
+                                        <p:strVal val="visible"/>
+                                      </p:to>
+                                    </p:set>
+                                    <p:anim calcmode="lin" valueType="num">
+                                      <p:cBhvr additive="base">
+                                        <p:cTn id="34" dur="500" fill="hold"/>
+                                        <p:tgtEl>
+                                          <p:spTgt spid="41"/>
+                                        </p:tgtEl>
+                                        <p:attrNameLst>
+                                          <p:attrName>ppt_x</p:attrName>
+                                        </p:attrNameLst>
+                                      </p:cBhvr>
+                                      <p:tavLst>
+                                        <p:tav tm="0">
+                                          <p:val>
+                                            <p:strVal val="#ppt_x"/>
+                                          </p:val>
+                                        </p:tav>
+                                        <p:tav tm="100000">
+                                          <p:val>
+                                            <p:strVal val="#ppt_x"/>
+                                          </p:val>
+                                        </p:tav>
+                                      </p:tavLst>
+                                    </p:anim>
+                                    <p:anim calcmode="lin" valueType="num">
+                                      <p:cBhvr additive="base">
+                                        <p:cTn id="35" dur="500" fill="hold"/>
+                                        <p:tgtEl>
+                                          <p:spTgt spid="41"/>
+                                        </p:tgtEl>
+                                        <p:attrNameLst>
+                                          <p:attrName>ppt_y</p:attrName>
+                                        </p:attrNameLst>
+                                      </p:cBhvr>
+                                      <p:tavLst>
+                                        <p:tav tm="0">
+                                          <p:val>
+                                            <p:strVal val="1+#ppt_h/2"/>
+                                          </p:val>
+                                        </p:tav>
+                                        <p:tav tm="100000">
+                                          <p:val>
+                                            <p:strVal val="#ppt_y"/>
+                                          </p:val>
+                                        </p:tav>
+                                      </p:tavLst>
+                                    </p:anim>
+                                  </p:childTnLst>
+                                </p:cTn>
+                              </p:par>
+                            </p:childTnLst>
+                          </p:cTn>
+                        </p:par>
+                      </p:childTnLst>
+                    </p:cTn>
+                  </p:par>
+                </p:childTnLst>
+              </p:cTn>
+              <p:prevCondLst>
+                <p:cond evt="onPrev" delay="0">
+                  <p:tgtEl>
+                    <p:sldTgt/>
+                  </p:tgtEl>
+                </p:cond>
+              </p:prevCondLst>
+              <p:nextCondLst>
+                <p:cond evt="onNext" delay="0">
+                  <p:tgtEl>
+                    <p:sldTgt/>
+                  </p:tgtEl>
+                </p:cond>
+              </p:nextCondLst>
+            </p:seq>
+          </p:childTnLst>
+        </p:cTn>
+      </p:par>
+    </p:tnLst>
+    <p:bldLst>
+      <p:bldP spid="36" grpId="0"/>
+      <p:bldP spid="36" grpId="1"/>
+      <p:bldP spid="37" grpId="0"/>
+      <p:bldP spid="37" grpId="1"/>
+      <p:bldP spid="38" grpId="0"/>
+      <p:bldP spid="38" grpId="1"/>
+      <p:bldP spid="39" grpId="0"/>
+      <p:bldP spid="39" grpId="1"/>
+      <p:bldP spid="40" grpId="0"/>
+      <p:bldP spid="40" grpId="1"/>
+      <p:bldP spid="41" grpId="0"/>
+      <p:bldP spid="41" grpId="1"/>
+    </p:bldLst>
+  </p:timing>
 </p:sld>
 </file>
 
@@ -22058,6 +26579,374 @@
   <p:transition spd="slow">
     <p:push dir="u"/>
   </p:transition>
+  <p:timing>
+    <p:tnLst>
+      <p:par>
+        <p:cTn id="1" dur="indefinite" restart="never" nodeType="tmRoot">
+          <p:childTnLst>
+            <p:seq concurrent="1" nextAc="seek">
+              <p:cTn id="2" dur="indefinite" nodeType="mainSeq">
+                <p:childTnLst>
+                  <p:par>
+                    <p:cTn id="3" fill="hold">
+                      <p:stCondLst>
+                        <p:cond delay="indefinite"/>
+                      </p:stCondLst>
+                      <p:childTnLst>
+                        <p:par>
+                          <p:cTn id="4" fill="hold">
+                            <p:stCondLst>
+                              <p:cond delay="0"/>
+                            </p:stCondLst>
+                            <p:childTnLst>
+                              <p:par>
+                                <p:cTn id="5" presetID="22" presetClass="entr" presetSubtype="4" fill="hold" grpId="0" nodeType="clickEffect">
+                                  <p:stCondLst>
+                                    <p:cond delay="0"/>
+                                  </p:stCondLst>
+                                  <p:childTnLst>
+                                    <p:set>
+                                      <p:cBhvr>
+                                        <p:cTn id="6" dur="1" fill="hold">
+                                          <p:stCondLst>
+                                            <p:cond delay="0"/>
+                                          </p:stCondLst>
+                                        </p:cTn>
+                                        <p:tgtEl>
+                                          <p:spTgt spid="32"/>
+                                        </p:tgtEl>
+                                        <p:attrNameLst>
+                                          <p:attrName>style.visibility</p:attrName>
+                                        </p:attrNameLst>
+                                      </p:cBhvr>
+                                      <p:to>
+                                        <p:strVal val="visible"/>
+                                      </p:to>
+                                    </p:set>
+                                    <p:animEffect transition="in" filter="wipe(down)">
+                                      <p:cBhvr>
+                                        <p:cTn id="7" dur="500"/>
+                                        <p:tgtEl>
+                                          <p:spTgt spid="32"/>
+                                        </p:tgtEl>
+                                      </p:cBhvr>
+                                    </p:animEffect>
+                                  </p:childTnLst>
+                                </p:cTn>
+                              </p:par>
+                            </p:childTnLst>
+                          </p:cTn>
+                        </p:par>
+                      </p:childTnLst>
+                    </p:cTn>
+                  </p:par>
+                  <p:par>
+                    <p:cTn id="8" fill="hold">
+                      <p:stCondLst>
+                        <p:cond delay="indefinite"/>
+                      </p:stCondLst>
+                      <p:childTnLst>
+                        <p:par>
+                          <p:cTn id="9" fill="hold">
+                            <p:stCondLst>
+                              <p:cond delay="0"/>
+                            </p:stCondLst>
+                            <p:childTnLst>
+                              <p:par>
+                                <p:cTn id="10" presetID="22" presetClass="entr" presetSubtype="4" fill="hold" grpId="0" nodeType="clickEffect">
+                                  <p:stCondLst>
+                                    <p:cond delay="0"/>
+                                  </p:stCondLst>
+                                  <p:childTnLst>
+                                    <p:set>
+                                      <p:cBhvr>
+                                        <p:cTn id="11" dur="1" fill="hold">
+                                          <p:stCondLst>
+                                            <p:cond delay="0"/>
+                                          </p:stCondLst>
+                                        </p:cTn>
+                                        <p:tgtEl>
+                                          <p:spTgt spid="33"/>
+                                        </p:tgtEl>
+                                        <p:attrNameLst>
+                                          <p:attrName>style.visibility</p:attrName>
+                                        </p:attrNameLst>
+                                      </p:cBhvr>
+                                      <p:to>
+                                        <p:strVal val="visible"/>
+                                      </p:to>
+                                    </p:set>
+                                    <p:animEffect transition="in" filter="wipe(down)">
+                                      <p:cBhvr>
+                                        <p:cTn id="12" dur="500"/>
+                                        <p:tgtEl>
+                                          <p:spTgt spid="33"/>
+                                        </p:tgtEl>
+                                      </p:cBhvr>
+                                    </p:animEffect>
+                                  </p:childTnLst>
+                                </p:cTn>
+                              </p:par>
+                            </p:childTnLst>
+                          </p:cTn>
+                        </p:par>
+                      </p:childTnLst>
+                    </p:cTn>
+                  </p:par>
+                  <p:par>
+                    <p:cTn id="13" fill="hold">
+                      <p:stCondLst>
+                        <p:cond delay="indefinite"/>
+                      </p:stCondLst>
+                      <p:childTnLst>
+                        <p:par>
+                          <p:cTn id="14" fill="hold">
+                            <p:stCondLst>
+                              <p:cond delay="0"/>
+                            </p:stCondLst>
+                            <p:childTnLst>
+                              <p:par>
+                                <p:cTn id="15" presetID="2" presetClass="entr" presetSubtype="4" fill="hold" grpId="0" nodeType="clickEffect">
+                                  <p:stCondLst>
+                                    <p:cond delay="0"/>
+                                  </p:stCondLst>
+                                  <p:childTnLst>
+                                    <p:set>
+                                      <p:cBhvr>
+                                        <p:cTn id="16" dur="1" fill="hold">
+                                          <p:stCondLst>
+                                            <p:cond delay="0"/>
+                                          </p:stCondLst>
+                                        </p:cTn>
+                                        <p:tgtEl>
+                                          <p:spTgt spid="34"/>
+                                        </p:tgtEl>
+                                        <p:attrNameLst>
+                                          <p:attrName>style.visibility</p:attrName>
+                                        </p:attrNameLst>
+                                      </p:cBhvr>
+                                      <p:to>
+                                        <p:strVal val="visible"/>
+                                      </p:to>
+                                    </p:set>
+                                    <p:anim calcmode="lin" valueType="num">
+                                      <p:cBhvr additive="base">
+                                        <p:cTn id="17" dur="500" fill="hold"/>
+                                        <p:tgtEl>
+                                          <p:spTgt spid="34"/>
+                                        </p:tgtEl>
+                                        <p:attrNameLst>
+                                          <p:attrName>ppt_x</p:attrName>
+                                        </p:attrNameLst>
+                                      </p:cBhvr>
+                                      <p:tavLst>
+                                        <p:tav tm="0">
+                                          <p:val>
+                                            <p:strVal val="#ppt_x"/>
+                                          </p:val>
+                                        </p:tav>
+                                        <p:tav tm="100000">
+                                          <p:val>
+                                            <p:strVal val="#ppt_x"/>
+                                          </p:val>
+                                        </p:tav>
+                                      </p:tavLst>
+                                    </p:anim>
+                                    <p:anim calcmode="lin" valueType="num">
+                                      <p:cBhvr additive="base">
+                                        <p:cTn id="18" dur="500" fill="hold"/>
+                                        <p:tgtEl>
+                                          <p:spTgt spid="34"/>
+                                        </p:tgtEl>
+                                        <p:attrNameLst>
+                                          <p:attrName>ppt_y</p:attrName>
+                                        </p:attrNameLst>
+                                      </p:cBhvr>
+                                      <p:tavLst>
+                                        <p:tav tm="0">
+                                          <p:val>
+                                            <p:strVal val="1+#ppt_h/2"/>
+                                          </p:val>
+                                        </p:tav>
+                                        <p:tav tm="100000">
+                                          <p:val>
+                                            <p:strVal val="#ppt_y"/>
+                                          </p:val>
+                                        </p:tav>
+                                      </p:tavLst>
+                                    </p:anim>
+                                  </p:childTnLst>
+                                </p:cTn>
+                              </p:par>
+                            </p:childTnLst>
+                          </p:cTn>
+                        </p:par>
+                      </p:childTnLst>
+                    </p:cTn>
+                  </p:par>
+                  <p:par>
+                    <p:cTn id="19" fill="hold">
+                      <p:stCondLst>
+                        <p:cond delay="indefinite"/>
+                      </p:stCondLst>
+                      <p:childTnLst>
+                        <p:par>
+                          <p:cTn id="20" fill="hold">
+                            <p:stCondLst>
+                              <p:cond delay="0"/>
+                            </p:stCondLst>
+                            <p:childTnLst>
+                              <p:par>
+                                <p:cTn id="21" presetID="3" presetClass="entr" presetSubtype="10" fill="hold" grpId="0" nodeType="clickEffect">
+                                  <p:stCondLst>
+                                    <p:cond delay="0"/>
+                                  </p:stCondLst>
+                                  <p:childTnLst>
+                                    <p:set>
+                                      <p:cBhvr>
+                                        <p:cTn id="22" dur="1" fill="hold">
+                                          <p:stCondLst>
+                                            <p:cond delay="0"/>
+                                          </p:stCondLst>
+                                        </p:cTn>
+                                        <p:tgtEl>
+                                          <p:spTgt spid="35"/>
+                                        </p:tgtEl>
+                                        <p:attrNameLst>
+                                          <p:attrName>style.visibility</p:attrName>
+                                        </p:attrNameLst>
+                                      </p:cBhvr>
+                                      <p:to>
+                                        <p:strVal val="visible"/>
+                                      </p:to>
+                                    </p:set>
+                                    <p:animEffect transition="in" filter="blinds(horizontal)">
+                                      <p:cBhvr>
+                                        <p:cTn id="23" dur="500"/>
+                                        <p:tgtEl>
+                                          <p:spTgt spid="35"/>
+                                        </p:tgtEl>
+                                      </p:cBhvr>
+                                    </p:animEffect>
+                                  </p:childTnLst>
+                                </p:cTn>
+                              </p:par>
+                            </p:childTnLst>
+                          </p:cTn>
+                        </p:par>
+                      </p:childTnLst>
+                    </p:cTn>
+                  </p:par>
+                  <p:par>
+                    <p:cTn id="24" fill="hold">
+                      <p:stCondLst>
+                        <p:cond delay="indefinite"/>
+                      </p:stCondLst>
+                      <p:childTnLst>
+                        <p:par>
+                          <p:cTn id="25" fill="hold">
+                            <p:stCondLst>
+                              <p:cond delay="0"/>
+                            </p:stCondLst>
+                            <p:childTnLst>
+                              <p:par>
+                                <p:cTn id="26" presetID="12" presetClass="entr" presetSubtype="4" fill="hold" grpId="0" nodeType="clickEffect">
+                                  <p:stCondLst>
+                                    <p:cond delay="0"/>
+                                  </p:stCondLst>
+                                  <p:childTnLst>
+                                    <p:set>
+                                      <p:cBhvr>
+                                        <p:cTn id="27" dur="1" fill="hold">
+                                          <p:stCondLst>
+                                            <p:cond delay="0"/>
+                                          </p:stCondLst>
+                                        </p:cTn>
+                                        <p:tgtEl>
+                                          <p:spTgt spid="36"/>
+                                        </p:tgtEl>
+                                        <p:attrNameLst>
+                                          <p:attrName>style.visibility</p:attrName>
+                                        </p:attrNameLst>
+                                      </p:cBhvr>
+                                      <p:to>
+                                        <p:strVal val="visible"/>
+                                      </p:to>
+                                    </p:set>
+                                    <p:anim calcmode="lin" valueType="num">
+                                      <p:cBhvr additive="base">
+                                        <p:cTn id="28" dur="500"/>
+                                        <p:tgtEl>
+                                          <p:spTgt spid="36"/>
+                                        </p:tgtEl>
+                                        <p:attrNameLst>
+                                          <p:attrName>ppt_y</p:attrName>
+                                        </p:attrNameLst>
+                                      </p:cBhvr>
+                                      <p:tavLst>
+                                        <p:tav tm="0">
+                                          <p:val>
+                                            <p:strVal val="#ppt_y+#ppt_h*1.125000"/>
+                                          </p:val>
+                                        </p:tav>
+                                        <p:tav tm="100000">
+                                          <p:val>
+                                            <p:strVal val="#ppt_y"/>
+                                          </p:val>
+                                        </p:tav>
+                                      </p:tavLst>
+                                    </p:anim>
+                                    <p:animEffect transition="in" filter="wipe(up)">
+                                      <p:cBhvr>
+                                        <p:cTn id="29" dur="500"/>
+                                        <p:tgtEl>
+                                          <p:spTgt spid="36"/>
+                                        </p:tgtEl>
+                                      </p:cBhvr>
+                                    </p:animEffect>
+                                  </p:childTnLst>
+                                </p:cTn>
+                              </p:par>
+                            </p:childTnLst>
+                          </p:cTn>
+                        </p:par>
+                      </p:childTnLst>
+                    </p:cTn>
+                  </p:par>
+                </p:childTnLst>
+              </p:cTn>
+              <p:prevCondLst>
+                <p:cond evt="onPrev" delay="0">
+                  <p:tgtEl>
+                    <p:sldTgt/>
+                  </p:tgtEl>
+                </p:cond>
+              </p:prevCondLst>
+              <p:nextCondLst>
+                <p:cond evt="onNext" delay="0">
+                  <p:tgtEl>
+                    <p:sldTgt/>
+                  </p:tgtEl>
+                </p:cond>
+              </p:nextCondLst>
+            </p:seq>
+          </p:childTnLst>
+        </p:cTn>
+      </p:par>
+    </p:tnLst>
+    <p:bldLst>
+      <p:bldP spid="32" grpId="0"/>
+      <p:bldP spid="32" grpId="1"/>
+      <p:bldP spid="33" grpId="0"/>
+      <p:bldP spid="33" grpId="1"/>
+      <p:bldP spid="34" grpId="0"/>
+      <p:bldP spid="34" grpId="1"/>
+      <p:bldP spid="35" grpId="0"/>
+      <p:bldP spid="35" grpId="1"/>
+      <p:bldP spid="36" grpId="0"/>
+      <p:bldP spid="36" grpId="1"/>
+    </p:bldLst>
+  </p:timing>
 </p:sld>
 </file>
 
@@ -23604,6 +28493,1249 @@
   <p:transition spd="slow">
     <p:push dir="u"/>
   </p:transition>
+  <p:timing>
+    <p:tnLst>
+      <p:par>
+        <p:cTn id="1" dur="indefinite" restart="never" nodeType="tmRoot">
+          <p:childTnLst>
+            <p:seq concurrent="1" nextAc="seek">
+              <p:cTn id="2" dur="indefinite" nodeType="mainSeq">
+                <p:childTnLst>
+                  <p:par>
+                    <p:cTn id="3" fill="hold">
+                      <p:stCondLst>
+                        <p:cond delay="indefinite"/>
+                      </p:stCondLst>
+                      <p:childTnLst>
+                        <p:par>
+                          <p:cTn id="4" fill="hold">
+                            <p:stCondLst>
+                              <p:cond delay="0"/>
+                            </p:stCondLst>
+                            <p:childTnLst>
+                              <p:par>
+                                <p:cTn id="5" presetID="12" presetClass="entr" presetSubtype="4" fill="hold" nodeType="clickEffect">
+                                  <p:stCondLst>
+                                    <p:cond delay="0"/>
+                                  </p:stCondLst>
+                                  <p:childTnLst>
+                                    <p:set>
+                                      <p:cBhvr>
+                                        <p:cTn id="6" dur="1" fill="hold">
+                                          <p:stCondLst>
+                                            <p:cond delay="0"/>
+                                          </p:stCondLst>
+                                        </p:cTn>
+                                        <p:tgtEl>
+                                          <p:spTgt spid="12331"/>
+                                        </p:tgtEl>
+                                        <p:attrNameLst>
+                                          <p:attrName>style.visibility</p:attrName>
+                                        </p:attrNameLst>
+                                      </p:cBhvr>
+                                      <p:to>
+                                        <p:strVal val="visible"/>
+                                      </p:to>
+                                    </p:set>
+                                    <p:anim calcmode="lin" valueType="num">
+                                      <p:cBhvr additive="base">
+                                        <p:cTn id="7" dur="500"/>
+                                        <p:tgtEl>
+                                          <p:spTgt spid="12331"/>
+                                        </p:tgtEl>
+                                        <p:attrNameLst>
+                                          <p:attrName>ppt_y</p:attrName>
+                                        </p:attrNameLst>
+                                      </p:cBhvr>
+                                      <p:tavLst>
+                                        <p:tav tm="0">
+                                          <p:val>
+                                            <p:strVal val="#ppt_y+#ppt_h*1.125000"/>
+                                          </p:val>
+                                        </p:tav>
+                                        <p:tav tm="100000">
+                                          <p:val>
+                                            <p:strVal val="#ppt_y"/>
+                                          </p:val>
+                                        </p:tav>
+                                      </p:tavLst>
+                                    </p:anim>
+                                    <p:animEffect transition="in" filter="wipe(up)">
+                                      <p:cBhvr>
+                                        <p:cTn id="8" dur="500"/>
+                                        <p:tgtEl>
+                                          <p:spTgt spid="12331"/>
+                                        </p:tgtEl>
+                                      </p:cBhvr>
+                                    </p:animEffect>
+                                  </p:childTnLst>
+                                </p:cTn>
+                              </p:par>
+                            </p:childTnLst>
+                          </p:cTn>
+                        </p:par>
+                      </p:childTnLst>
+                    </p:cTn>
+                  </p:par>
+                  <p:par>
+                    <p:cTn id="9" fill="hold">
+                      <p:stCondLst>
+                        <p:cond delay="indefinite"/>
+                      </p:stCondLst>
+                      <p:childTnLst>
+                        <p:par>
+                          <p:cTn id="10" fill="hold">
+                            <p:stCondLst>
+                              <p:cond delay="0"/>
+                            </p:stCondLst>
+                            <p:childTnLst>
+                              <p:par>
+                                <p:cTn id="11" presetID="22" presetClass="entr" presetSubtype="4" fill="hold" grpId="0" nodeType="clickEffect">
+                                  <p:stCondLst>
+                                    <p:cond delay="0"/>
+                                  </p:stCondLst>
+                                  <p:childTnLst>
+                                    <p:set>
+                                      <p:cBhvr>
+                                        <p:cTn id="12" dur="1" fill="hold">
+                                          <p:stCondLst>
+                                            <p:cond delay="0"/>
+                                          </p:stCondLst>
+                                        </p:cTn>
+                                        <p:tgtEl>
+                                          <p:spTgt spid="3"/>
+                                        </p:tgtEl>
+                                        <p:attrNameLst>
+                                          <p:attrName>style.visibility</p:attrName>
+                                        </p:attrNameLst>
+                                      </p:cBhvr>
+                                      <p:to>
+                                        <p:strVal val="visible"/>
+                                      </p:to>
+                                    </p:set>
+                                    <p:animEffect transition="in" filter="wipe(down)">
+                                      <p:cBhvr>
+                                        <p:cTn id="13" dur="500"/>
+                                        <p:tgtEl>
+                                          <p:spTgt spid="3"/>
+                                        </p:tgtEl>
+                                      </p:cBhvr>
+                                    </p:animEffect>
+                                  </p:childTnLst>
+                                </p:cTn>
+                              </p:par>
+                            </p:childTnLst>
+                          </p:cTn>
+                        </p:par>
+                      </p:childTnLst>
+                    </p:cTn>
+                  </p:par>
+                  <p:par>
+                    <p:cTn id="14" fill="hold">
+                      <p:stCondLst>
+                        <p:cond delay="indefinite"/>
+                      </p:stCondLst>
+                      <p:childTnLst>
+                        <p:par>
+                          <p:cTn id="15" fill="hold">
+                            <p:stCondLst>
+                              <p:cond delay="0"/>
+                            </p:stCondLst>
+                            <p:childTnLst>
+                              <p:par>
+                                <p:cTn id="16" presetID="22" presetClass="entr" presetSubtype="4" fill="hold" nodeType="clickEffect">
+                                  <p:stCondLst>
+                                    <p:cond delay="0"/>
+                                  </p:stCondLst>
+                                  <p:childTnLst>
+                                    <p:set>
+                                      <p:cBhvr>
+                                        <p:cTn id="17" dur="1" fill="hold">
+                                          <p:stCondLst>
+                                            <p:cond delay="0"/>
+                                          </p:stCondLst>
+                                        </p:cTn>
+                                        <p:tgtEl>
+                                          <p:spTgt spid="10"/>
+                                        </p:tgtEl>
+                                        <p:attrNameLst>
+                                          <p:attrName>style.visibility</p:attrName>
+                                        </p:attrNameLst>
+                                      </p:cBhvr>
+                                      <p:to>
+                                        <p:strVal val="visible"/>
+                                      </p:to>
+                                    </p:set>
+                                    <p:animEffect transition="in" filter="wipe(down)">
+                                      <p:cBhvr>
+                                        <p:cTn id="18" dur="500"/>
+                                        <p:tgtEl>
+                                          <p:spTgt spid="10"/>
+                                        </p:tgtEl>
+                                      </p:cBhvr>
+                                    </p:animEffect>
+                                  </p:childTnLst>
+                                </p:cTn>
+                              </p:par>
+                            </p:childTnLst>
+                          </p:cTn>
+                        </p:par>
+                      </p:childTnLst>
+                    </p:cTn>
+                  </p:par>
+                  <p:par>
+                    <p:cTn id="19" fill="hold">
+                      <p:stCondLst>
+                        <p:cond delay="indefinite"/>
+                      </p:stCondLst>
+                      <p:childTnLst>
+                        <p:par>
+                          <p:cTn id="20" fill="hold">
+                            <p:stCondLst>
+                              <p:cond delay="0"/>
+                            </p:stCondLst>
+                            <p:childTnLst>
+                              <p:par>
+                                <p:cTn id="21" presetID="22" presetClass="entr" presetSubtype="4" fill="hold" nodeType="clickEffect">
+                                  <p:stCondLst>
+                                    <p:cond delay="0"/>
+                                  </p:stCondLst>
+                                  <p:childTnLst>
+                                    <p:set>
+                                      <p:cBhvr>
+                                        <p:cTn id="22" dur="1" fill="hold">
+                                          <p:stCondLst>
+                                            <p:cond delay="0"/>
+                                          </p:stCondLst>
+                                        </p:cTn>
+                                        <p:tgtEl>
+                                          <p:spTgt spid="13"/>
+                                        </p:tgtEl>
+                                        <p:attrNameLst>
+                                          <p:attrName>style.visibility</p:attrName>
+                                        </p:attrNameLst>
+                                      </p:cBhvr>
+                                      <p:to>
+                                        <p:strVal val="visible"/>
+                                      </p:to>
+                                    </p:set>
+                                    <p:animEffect transition="in" filter="wipe(down)">
+                                      <p:cBhvr>
+                                        <p:cTn id="23" dur="500"/>
+                                        <p:tgtEl>
+                                          <p:spTgt spid="13"/>
+                                        </p:tgtEl>
+                                      </p:cBhvr>
+                                    </p:animEffect>
+                                  </p:childTnLst>
+                                </p:cTn>
+                              </p:par>
+                            </p:childTnLst>
+                          </p:cTn>
+                        </p:par>
+                      </p:childTnLst>
+                    </p:cTn>
+                  </p:par>
+                  <p:par>
+                    <p:cTn id="24" fill="hold">
+                      <p:stCondLst>
+                        <p:cond delay="indefinite"/>
+                      </p:stCondLst>
+                      <p:childTnLst>
+                        <p:par>
+                          <p:cTn id="25" fill="hold">
+                            <p:stCondLst>
+                              <p:cond delay="0"/>
+                            </p:stCondLst>
+                            <p:childTnLst>
+                              <p:par>
+                                <p:cTn id="26" presetID="22" presetClass="entr" presetSubtype="4" fill="hold" grpId="0" nodeType="clickEffect">
+                                  <p:stCondLst>
+                                    <p:cond delay="0"/>
+                                  </p:stCondLst>
+                                  <p:childTnLst>
+                                    <p:set>
+                                      <p:cBhvr>
+                                        <p:cTn id="27" dur="1" fill="hold">
+                                          <p:stCondLst>
+                                            <p:cond delay="0"/>
+                                          </p:stCondLst>
+                                        </p:cTn>
+                                        <p:tgtEl>
+                                          <p:spTgt spid="47"/>
+                                        </p:tgtEl>
+                                        <p:attrNameLst>
+                                          <p:attrName>style.visibility</p:attrName>
+                                        </p:attrNameLst>
+                                      </p:cBhvr>
+                                      <p:to>
+                                        <p:strVal val="visible"/>
+                                      </p:to>
+                                    </p:set>
+                                    <p:animEffect transition="in" filter="wipe(down)">
+                                      <p:cBhvr>
+                                        <p:cTn id="28" dur="500"/>
+                                        <p:tgtEl>
+                                          <p:spTgt spid="47"/>
+                                        </p:tgtEl>
+                                      </p:cBhvr>
+                                    </p:animEffect>
+                                  </p:childTnLst>
+                                </p:cTn>
+                              </p:par>
+                            </p:childTnLst>
+                          </p:cTn>
+                        </p:par>
+                      </p:childTnLst>
+                    </p:cTn>
+                  </p:par>
+                  <p:par>
+                    <p:cTn id="29" fill="hold">
+                      <p:stCondLst>
+                        <p:cond delay="indefinite"/>
+                      </p:stCondLst>
+                      <p:childTnLst>
+                        <p:par>
+                          <p:cTn id="30" fill="hold">
+                            <p:stCondLst>
+                              <p:cond delay="0"/>
+                            </p:stCondLst>
+                            <p:childTnLst>
+                              <p:par>
+                                <p:cTn id="31" presetID="22" presetClass="entr" presetSubtype="4" fill="hold" grpId="0" nodeType="clickEffect">
+                                  <p:stCondLst>
+                                    <p:cond delay="0"/>
+                                  </p:stCondLst>
+                                  <p:childTnLst>
+                                    <p:set>
+                                      <p:cBhvr>
+                                        <p:cTn id="32" dur="1" fill="hold">
+                                          <p:stCondLst>
+                                            <p:cond delay="0"/>
+                                          </p:stCondLst>
+                                        </p:cTn>
+                                        <p:tgtEl>
+                                          <p:spTgt spid="48"/>
+                                        </p:tgtEl>
+                                        <p:attrNameLst>
+                                          <p:attrName>style.visibility</p:attrName>
+                                        </p:attrNameLst>
+                                      </p:cBhvr>
+                                      <p:to>
+                                        <p:strVal val="visible"/>
+                                      </p:to>
+                                    </p:set>
+                                    <p:animEffect transition="in" filter="wipe(down)">
+                                      <p:cBhvr>
+                                        <p:cTn id="33" dur="500"/>
+                                        <p:tgtEl>
+                                          <p:spTgt spid="48"/>
+                                        </p:tgtEl>
+                                      </p:cBhvr>
+                                    </p:animEffect>
+                                  </p:childTnLst>
+                                </p:cTn>
+                              </p:par>
+                            </p:childTnLst>
+                          </p:cTn>
+                        </p:par>
+                      </p:childTnLst>
+                    </p:cTn>
+                  </p:par>
+                  <p:par>
+                    <p:cTn id="34" fill="hold">
+                      <p:stCondLst>
+                        <p:cond delay="indefinite"/>
+                      </p:stCondLst>
+                      <p:childTnLst>
+                        <p:par>
+                          <p:cTn id="35" fill="hold">
+                            <p:stCondLst>
+                              <p:cond delay="0"/>
+                            </p:stCondLst>
+                            <p:childTnLst>
+                              <p:par>
+                                <p:cTn id="36" presetID="22" presetClass="entr" presetSubtype="4" fill="hold" nodeType="clickEffect">
+                                  <p:stCondLst>
+                                    <p:cond delay="0"/>
+                                  </p:stCondLst>
+                                  <p:childTnLst>
+                                    <p:set>
+                                      <p:cBhvr>
+                                        <p:cTn id="37" dur="1" fill="hold">
+                                          <p:stCondLst>
+                                            <p:cond delay="0"/>
+                                          </p:stCondLst>
+                                        </p:cTn>
+                                        <p:tgtEl>
+                                          <p:spTgt spid="94"/>
+                                        </p:tgtEl>
+                                        <p:attrNameLst>
+                                          <p:attrName>style.visibility</p:attrName>
+                                        </p:attrNameLst>
+                                      </p:cBhvr>
+                                      <p:to>
+                                        <p:strVal val="visible"/>
+                                      </p:to>
+                                    </p:set>
+                                    <p:animEffect transition="in" filter="wipe(down)">
+                                      <p:cBhvr>
+                                        <p:cTn id="38" dur="500"/>
+                                        <p:tgtEl>
+                                          <p:spTgt spid="94"/>
+                                        </p:tgtEl>
+                                      </p:cBhvr>
+                                    </p:animEffect>
+                                  </p:childTnLst>
+                                </p:cTn>
+                              </p:par>
+                            </p:childTnLst>
+                          </p:cTn>
+                        </p:par>
+                      </p:childTnLst>
+                    </p:cTn>
+                  </p:par>
+                  <p:par>
+                    <p:cTn id="39" fill="hold">
+                      <p:stCondLst>
+                        <p:cond delay="indefinite"/>
+                      </p:stCondLst>
+                      <p:childTnLst>
+                        <p:par>
+                          <p:cTn id="40" fill="hold">
+                            <p:stCondLst>
+                              <p:cond delay="0"/>
+                            </p:stCondLst>
+                            <p:childTnLst>
+                              <p:par>
+                                <p:cTn id="41" presetID="22" presetClass="entr" presetSubtype="4" fill="hold" grpId="0" nodeType="clickEffect">
+                                  <p:stCondLst>
+                                    <p:cond delay="0"/>
+                                  </p:stCondLst>
+                                  <p:childTnLst>
+                                    <p:set>
+                                      <p:cBhvr>
+                                        <p:cTn id="42" dur="1" fill="hold">
+                                          <p:stCondLst>
+                                            <p:cond delay="0"/>
+                                          </p:stCondLst>
+                                        </p:cTn>
+                                        <p:tgtEl>
+                                          <p:spTgt spid="95"/>
+                                        </p:tgtEl>
+                                        <p:attrNameLst>
+                                          <p:attrName>style.visibility</p:attrName>
+                                        </p:attrNameLst>
+                                      </p:cBhvr>
+                                      <p:to>
+                                        <p:strVal val="visible"/>
+                                      </p:to>
+                                    </p:set>
+                                    <p:animEffect transition="in" filter="wipe(down)">
+                                      <p:cBhvr>
+                                        <p:cTn id="43" dur="500"/>
+                                        <p:tgtEl>
+                                          <p:spTgt spid="95"/>
+                                        </p:tgtEl>
+                                      </p:cBhvr>
+                                    </p:animEffect>
+                                  </p:childTnLst>
+                                </p:cTn>
+                              </p:par>
+                            </p:childTnLst>
+                          </p:cTn>
+                        </p:par>
+                      </p:childTnLst>
+                    </p:cTn>
+                  </p:par>
+                  <p:par>
+                    <p:cTn id="44" fill="hold">
+                      <p:stCondLst>
+                        <p:cond delay="indefinite"/>
+                      </p:stCondLst>
+                      <p:childTnLst>
+                        <p:par>
+                          <p:cTn id="45" fill="hold">
+                            <p:stCondLst>
+                              <p:cond delay="0"/>
+                            </p:stCondLst>
+                            <p:childTnLst>
+                              <p:par>
+                                <p:cTn id="46" presetID="22" presetClass="entr" presetSubtype="4" fill="hold" nodeType="clickEffect">
+                                  <p:stCondLst>
+                                    <p:cond delay="0"/>
+                                  </p:stCondLst>
+                                  <p:childTnLst>
+                                    <p:set>
+                                      <p:cBhvr>
+                                        <p:cTn id="47" dur="1" fill="hold">
+                                          <p:stCondLst>
+                                            <p:cond delay="0"/>
+                                          </p:stCondLst>
+                                        </p:cTn>
+                                        <p:tgtEl>
+                                          <p:spTgt spid="96"/>
+                                        </p:tgtEl>
+                                        <p:attrNameLst>
+                                          <p:attrName>style.visibility</p:attrName>
+                                        </p:attrNameLst>
+                                      </p:cBhvr>
+                                      <p:to>
+                                        <p:strVal val="visible"/>
+                                      </p:to>
+                                    </p:set>
+                                    <p:animEffect transition="in" filter="wipe(down)">
+                                      <p:cBhvr>
+                                        <p:cTn id="48" dur="500"/>
+                                        <p:tgtEl>
+                                          <p:spTgt spid="96"/>
+                                        </p:tgtEl>
+                                      </p:cBhvr>
+                                    </p:animEffect>
+                                  </p:childTnLst>
+                                </p:cTn>
+                              </p:par>
+                            </p:childTnLst>
+                          </p:cTn>
+                        </p:par>
+                      </p:childTnLst>
+                    </p:cTn>
+                  </p:par>
+                  <p:par>
+                    <p:cTn id="49" fill="hold">
+                      <p:stCondLst>
+                        <p:cond delay="indefinite"/>
+                      </p:stCondLst>
+                      <p:childTnLst>
+                        <p:par>
+                          <p:cTn id="50" fill="hold">
+                            <p:stCondLst>
+                              <p:cond delay="0"/>
+                            </p:stCondLst>
+                            <p:childTnLst>
+                              <p:par>
+                                <p:cTn id="51" presetID="22" presetClass="entr" presetSubtype="4" fill="hold" grpId="0" nodeType="clickEffect">
+                                  <p:stCondLst>
+                                    <p:cond delay="0"/>
+                                  </p:stCondLst>
+                                  <p:childTnLst>
+                                    <p:set>
+                                      <p:cBhvr>
+                                        <p:cTn id="52" dur="1" fill="hold">
+                                          <p:stCondLst>
+                                            <p:cond delay="0"/>
+                                          </p:stCondLst>
+                                        </p:cTn>
+                                        <p:tgtEl>
+                                          <p:spTgt spid="98"/>
+                                        </p:tgtEl>
+                                        <p:attrNameLst>
+                                          <p:attrName>style.visibility</p:attrName>
+                                        </p:attrNameLst>
+                                      </p:cBhvr>
+                                      <p:to>
+                                        <p:strVal val="visible"/>
+                                      </p:to>
+                                    </p:set>
+                                    <p:animEffect transition="in" filter="wipe(down)">
+                                      <p:cBhvr>
+                                        <p:cTn id="53" dur="500"/>
+                                        <p:tgtEl>
+                                          <p:spTgt spid="98"/>
+                                        </p:tgtEl>
+                                      </p:cBhvr>
+                                    </p:animEffect>
+                                  </p:childTnLst>
+                                </p:cTn>
+                              </p:par>
+                            </p:childTnLst>
+                          </p:cTn>
+                        </p:par>
+                      </p:childTnLst>
+                    </p:cTn>
+                  </p:par>
+                  <p:par>
+                    <p:cTn id="54" fill="hold">
+                      <p:stCondLst>
+                        <p:cond delay="indefinite"/>
+                      </p:stCondLst>
+                      <p:childTnLst>
+                        <p:par>
+                          <p:cTn id="55" fill="hold">
+                            <p:stCondLst>
+                              <p:cond delay="0"/>
+                            </p:stCondLst>
+                            <p:childTnLst>
+                              <p:par>
+                                <p:cTn id="56" presetID="22" presetClass="entr" presetSubtype="4" fill="hold" nodeType="clickEffect">
+                                  <p:stCondLst>
+                                    <p:cond delay="0"/>
+                                  </p:stCondLst>
+                                  <p:childTnLst>
+                                    <p:set>
+                                      <p:cBhvr>
+                                        <p:cTn id="57" dur="1" fill="hold">
+                                          <p:stCondLst>
+                                            <p:cond delay="0"/>
+                                          </p:stCondLst>
+                                        </p:cTn>
+                                        <p:tgtEl>
+                                          <p:spTgt spid="69"/>
+                                        </p:tgtEl>
+                                        <p:attrNameLst>
+                                          <p:attrName>style.visibility</p:attrName>
+                                        </p:attrNameLst>
+                                      </p:cBhvr>
+                                      <p:to>
+                                        <p:strVal val="visible"/>
+                                      </p:to>
+                                    </p:set>
+                                    <p:animEffect transition="in" filter="wipe(down)">
+                                      <p:cBhvr>
+                                        <p:cTn id="58" dur="500"/>
+                                        <p:tgtEl>
+                                          <p:spTgt spid="69"/>
+                                        </p:tgtEl>
+                                      </p:cBhvr>
+                                    </p:animEffect>
+                                  </p:childTnLst>
+                                </p:cTn>
+                              </p:par>
+                            </p:childTnLst>
+                          </p:cTn>
+                        </p:par>
+                      </p:childTnLst>
+                    </p:cTn>
+                  </p:par>
+                  <p:par>
+                    <p:cTn id="59" fill="hold">
+                      <p:stCondLst>
+                        <p:cond delay="indefinite"/>
+                      </p:stCondLst>
+                      <p:childTnLst>
+                        <p:par>
+                          <p:cTn id="60" fill="hold">
+                            <p:stCondLst>
+                              <p:cond delay="0"/>
+                            </p:stCondLst>
+                            <p:childTnLst>
+                              <p:par>
+                                <p:cTn id="61" presetID="22" presetClass="entr" presetSubtype="4" fill="hold" nodeType="clickEffect">
+                                  <p:stCondLst>
+                                    <p:cond delay="0"/>
+                                  </p:stCondLst>
+                                  <p:childTnLst>
+                                    <p:set>
+                                      <p:cBhvr>
+                                        <p:cTn id="62" dur="1" fill="hold">
+                                          <p:stCondLst>
+                                            <p:cond delay="0"/>
+                                          </p:stCondLst>
+                                        </p:cTn>
+                                        <p:tgtEl>
+                                          <p:spTgt spid="82"/>
+                                        </p:tgtEl>
+                                        <p:attrNameLst>
+                                          <p:attrName>style.visibility</p:attrName>
+                                        </p:attrNameLst>
+                                      </p:cBhvr>
+                                      <p:to>
+                                        <p:strVal val="visible"/>
+                                      </p:to>
+                                    </p:set>
+                                    <p:animEffect transition="in" filter="wipe(down)">
+                                      <p:cBhvr>
+                                        <p:cTn id="63" dur="500"/>
+                                        <p:tgtEl>
+                                          <p:spTgt spid="82"/>
+                                        </p:tgtEl>
+                                      </p:cBhvr>
+                                    </p:animEffect>
+                                  </p:childTnLst>
+                                </p:cTn>
+                              </p:par>
+                            </p:childTnLst>
+                          </p:cTn>
+                        </p:par>
+                      </p:childTnLst>
+                    </p:cTn>
+                  </p:par>
+                  <p:par>
+                    <p:cTn id="64" fill="hold">
+                      <p:stCondLst>
+                        <p:cond delay="indefinite"/>
+                      </p:stCondLst>
+                      <p:childTnLst>
+                        <p:par>
+                          <p:cTn id="65" fill="hold">
+                            <p:stCondLst>
+                              <p:cond delay="0"/>
+                            </p:stCondLst>
+                            <p:childTnLst>
+                              <p:par>
+                                <p:cTn id="66" presetID="22" presetClass="entr" presetSubtype="4" fill="hold" grpId="0" nodeType="clickEffect">
+                                  <p:stCondLst>
+                                    <p:cond delay="0"/>
+                                  </p:stCondLst>
+                                  <p:childTnLst>
+                                    <p:set>
+                                      <p:cBhvr>
+                                        <p:cTn id="67" dur="1" fill="hold">
+                                          <p:stCondLst>
+                                            <p:cond delay="0"/>
+                                          </p:stCondLst>
+                                        </p:cTn>
+                                        <p:tgtEl>
+                                          <p:spTgt spid="52"/>
+                                        </p:tgtEl>
+                                        <p:attrNameLst>
+                                          <p:attrName>style.visibility</p:attrName>
+                                        </p:attrNameLst>
+                                      </p:cBhvr>
+                                      <p:to>
+                                        <p:strVal val="visible"/>
+                                      </p:to>
+                                    </p:set>
+                                    <p:animEffect transition="in" filter="wipe(down)">
+                                      <p:cBhvr>
+                                        <p:cTn id="68" dur="500"/>
+                                        <p:tgtEl>
+                                          <p:spTgt spid="52"/>
+                                        </p:tgtEl>
+                                      </p:cBhvr>
+                                    </p:animEffect>
+                                  </p:childTnLst>
+                                </p:cTn>
+                              </p:par>
+                            </p:childTnLst>
+                          </p:cTn>
+                        </p:par>
+                      </p:childTnLst>
+                    </p:cTn>
+                  </p:par>
+                  <p:par>
+                    <p:cTn id="69" fill="hold">
+                      <p:stCondLst>
+                        <p:cond delay="indefinite"/>
+                      </p:stCondLst>
+                      <p:childTnLst>
+                        <p:par>
+                          <p:cTn id="70" fill="hold">
+                            <p:stCondLst>
+                              <p:cond delay="0"/>
+                            </p:stCondLst>
+                            <p:childTnLst>
+                              <p:par>
+                                <p:cTn id="71" presetID="22" presetClass="entr" presetSubtype="4" fill="hold" grpId="0" nodeType="clickEffect">
+                                  <p:stCondLst>
+                                    <p:cond delay="0"/>
+                                  </p:stCondLst>
+                                  <p:childTnLst>
+                                    <p:set>
+                                      <p:cBhvr>
+                                        <p:cTn id="72" dur="1" fill="hold">
+                                          <p:stCondLst>
+                                            <p:cond delay="0"/>
+                                          </p:stCondLst>
+                                        </p:cTn>
+                                        <p:tgtEl>
+                                          <p:spTgt spid="53"/>
+                                        </p:tgtEl>
+                                        <p:attrNameLst>
+                                          <p:attrName>style.visibility</p:attrName>
+                                        </p:attrNameLst>
+                                      </p:cBhvr>
+                                      <p:to>
+                                        <p:strVal val="visible"/>
+                                      </p:to>
+                                    </p:set>
+                                    <p:animEffect transition="in" filter="wipe(down)">
+                                      <p:cBhvr>
+                                        <p:cTn id="73" dur="500"/>
+                                        <p:tgtEl>
+                                          <p:spTgt spid="53"/>
+                                        </p:tgtEl>
+                                      </p:cBhvr>
+                                    </p:animEffect>
+                                  </p:childTnLst>
+                                </p:cTn>
+                              </p:par>
+                            </p:childTnLst>
+                          </p:cTn>
+                        </p:par>
+                      </p:childTnLst>
+                    </p:cTn>
+                  </p:par>
+                  <p:par>
+                    <p:cTn id="74" fill="hold">
+                      <p:stCondLst>
+                        <p:cond delay="indefinite"/>
+                      </p:stCondLst>
+                      <p:childTnLst>
+                        <p:par>
+                          <p:cTn id="75" fill="hold">
+                            <p:stCondLst>
+                              <p:cond delay="0"/>
+                            </p:stCondLst>
+                            <p:childTnLst>
+                              <p:par>
+                                <p:cTn id="76" presetID="22" presetClass="entr" presetSubtype="4" fill="hold" nodeType="clickEffect">
+                                  <p:stCondLst>
+                                    <p:cond delay="0"/>
+                                  </p:stCondLst>
+                                  <p:childTnLst>
+                                    <p:set>
+                                      <p:cBhvr>
+                                        <p:cTn id="77" dur="1" fill="hold">
+                                          <p:stCondLst>
+                                            <p:cond delay="0"/>
+                                          </p:stCondLst>
+                                        </p:cTn>
+                                        <p:tgtEl>
+                                          <p:spTgt spid="83"/>
+                                        </p:tgtEl>
+                                        <p:attrNameLst>
+                                          <p:attrName>style.visibility</p:attrName>
+                                        </p:attrNameLst>
+                                      </p:cBhvr>
+                                      <p:to>
+                                        <p:strVal val="visible"/>
+                                      </p:to>
+                                    </p:set>
+                                    <p:animEffect transition="in" filter="wipe(down)">
+                                      <p:cBhvr>
+                                        <p:cTn id="78" dur="500"/>
+                                        <p:tgtEl>
+                                          <p:spTgt spid="83"/>
+                                        </p:tgtEl>
+                                      </p:cBhvr>
+                                    </p:animEffect>
+                                  </p:childTnLst>
+                                </p:cTn>
+                              </p:par>
+                            </p:childTnLst>
+                          </p:cTn>
+                        </p:par>
+                      </p:childTnLst>
+                    </p:cTn>
+                  </p:par>
+                  <p:par>
+                    <p:cTn id="79" fill="hold">
+                      <p:stCondLst>
+                        <p:cond delay="indefinite"/>
+                      </p:stCondLst>
+                      <p:childTnLst>
+                        <p:par>
+                          <p:cTn id="80" fill="hold">
+                            <p:stCondLst>
+                              <p:cond delay="0"/>
+                            </p:stCondLst>
+                            <p:childTnLst>
+                              <p:par>
+                                <p:cTn id="81" presetID="22" presetClass="entr" presetSubtype="4" fill="hold" grpId="0" nodeType="clickEffect">
+                                  <p:stCondLst>
+                                    <p:cond delay="0"/>
+                                  </p:stCondLst>
+                                  <p:childTnLst>
+                                    <p:set>
+                                      <p:cBhvr>
+                                        <p:cTn id="82" dur="1" fill="hold">
+                                          <p:stCondLst>
+                                            <p:cond delay="0"/>
+                                          </p:stCondLst>
+                                        </p:cTn>
+                                        <p:tgtEl>
+                                          <p:spTgt spid="55"/>
+                                        </p:tgtEl>
+                                        <p:attrNameLst>
+                                          <p:attrName>style.visibility</p:attrName>
+                                        </p:attrNameLst>
+                                      </p:cBhvr>
+                                      <p:to>
+                                        <p:strVal val="visible"/>
+                                      </p:to>
+                                    </p:set>
+                                    <p:animEffect transition="in" filter="wipe(down)">
+                                      <p:cBhvr>
+                                        <p:cTn id="83" dur="500"/>
+                                        <p:tgtEl>
+                                          <p:spTgt spid="55"/>
+                                        </p:tgtEl>
+                                      </p:cBhvr>
+                                    </p:animEffect>
+                                  </p:childTnLst>
+                                </p:cTn>
+                              </p:par>
+                            </p:childTnLst>
+                          </p:cTn>
+                        </p:par>
+                      </p:childTnLst>
+                    </p:cTn>
+                  </p:par>
+                  <p:par>
+                    <p:cTn id="84" fill="hold">
+                      <p:stCondLst>
+                        <p:cond delay="indefinite"/>
+                      </p:stCondLst>
+                      <p:childTnLst>
+                        <p:par>
+                          <p:cTn id="85" fill="hold">
+                            <p:stCondLst>
+                              <p:cond delay="0"/>
+                            </p:stCondLst>
+                            <p:childTnLst>
+                              <p:par>
+                                <p:cTn id="86" presetID="22" presetClass="entr" presetSubtype="4" fill="hold" nodeType="clickEffect">
+                                  <p:stCondLst>
+                                    <p:cond delay="0"/>
+                                  </p:stCondLst>
+                                  <p:childTnLst>
+                                    <p:set>
+                                      <p:cBhvr>
+                                        <p:cTn id="87" dur="1" fill="hold">
+                                          <p:stCondLst>
+                                            <p:cond delay="0"/>
+                                          </p:stCondLst>
+                                        </p:cTn>
+                                        <p:tgtEl>
+                                          <p:spTgt spid="73"/>
+                                        </p:tgtEl>
+                                        <p:attrNameLst>
+                                          <p:attrName>style.visibility</p:attrName>
+                                        </p:attrNameLst>
+                                      </p:cBhvr>
+                                      <p:to>
+                                        <p:strVal val="visible"/>
+                                      </p:to>
+                                    </p:set>
+                                    <p:animEffect transition="in" filter="wipe(down)">
+                                      <p:cBhvr>
+                                        <p:cTn id="88" dur="500"/>
+                                        <p:tgtEl>
+                                          <p:spTgt spid="73"/>
+                                        </p:tgtEl>
+                                      </p:cBhvr>
+                                    </p:animEffect>
+                                  </p:childTnLst>
+                                </p:cTn>
+                              </p:par>
+                            </p:childTnLst>
+                          </p:cTn>
+                        </p:par>
+                      </p:childTnLst>
+                    </p:cTn>
+                  </p:par>
+                  <p:par>
+                    <p:cTn id="89" fill="hold">
+                      <p:stCondLst>
+                        <p:cond delay="indefinite"/>
+                      </p:stCondLst>
+                      <p:childTnLst>
+                        <p:par>
+                          <p:cTn id="90" fill="hold">
+                            <p:stCondLst>
+                              <p:cond delay="0"/>
+                            </p:stCondLst>
+                            <p:childTnLst>
+                              <p:par>
+                                <p:cTn id="91" presetID="22" presetClass="entr" presetSubtype="4" fill="hold" grpId="0" nodeType="clickEffect">
+                                  <p:stCondLst>
+                                    <p:cond delay="0"/>
+                                  </p:stCondLst>
+                                  <p:childTnLst>
+                                    <p:set>
+                                      <p:cBhvr>
+                                        <p:cTn id="92" dur="1" fill="hold">
+                                          <p:stCondLst>
+                                            <p:cond delay="0"/>
+                                          </p:stCondLst>
+                                        </p:cTn>
+                                        <p:tgtEl>
+                                          <p:spTgt spid="56"/>
+                                        </p:tgtEl>
+                                        <p:attrNameLst>
+                                          <p:attrName>style.visibility</p:attrName>
+                                        </p:attrNameLst>
+                                      </p:cBhvr>
+                                      <p:to>
+                                        <p:strVal val="visible"/>
+                                      </p:to>
+                                    </p:set>
+                                    <p:animEffect transition="in" filter="wipe(down)">
+                                      <p:cBhvr>
+                                        <p:cTn id="93" dur="500"/>
+                                        <p:tgtEl>
+                                          <p:spTgt spid="56"/>
+                                        </p:tgtEl>
+                                      </p:cBhvr>
+                                    </p:animEffect>
+                                  </p:childTnLst>
+                                </p:cTn>
+                              </p:par>
+                            </p:childTnLst>
+                          </p:cTn>
+                        </p:par>
+                      </p:childTnLst>
+                    </p:cTn>
+                  </p:par>
+                  <p:par>
+                    <p:cTn id="94" fill="hold">
+                      <p:stCondLst>
+                        <p:cond delay="indefinite"/>
+                      </p:stCondLst>
+                      <p:childTnLst>
+                        <p:par>
+                          <p:cTn id="95" fill="hold">
+                            <p:stCondLst>
+                              <p:cond delay="0"/>
+                            </p:stCondLst>
+                            <p:childTnLst>
+                              <p:par>
+                                <p:cTn id="96" presetID="22" presetClass="entr" presetSubtype="4" fill="hold" nodeType="clickEffect">
+                                  <p:stCondLst>
+                                    <p:cond delay="0"/>
+                                  </p:stCondLst>
+                                  <p:childTnLst>
+                                    <p:set>
+                                      <p:cBhvr>
+                                        <p:cTn id="97" dur="1" fill="hold">
+                                          <p:stCondLst>
+                                            <p:cond delay="0"/>
+                                          </p:stCondLst>
+                                        </p:cTn>
+                                        <p:tgtEl>
+                                          <p:spTgt spid="76"/>
+                                        </p:tgtEl>
+                                        <p:attrNameLst>
+                                          <p:attrName>style.visibility</p:attrName>
+                                        </p:attrNameLst>
+                                      </p:cBhvr>
+                                      <p:to>
+                                        <p:strVal val="visible"/>
+                                      </p:to>
+                                    </p:set>
+                                    <p:animEffect transition="in" filter="wipe(down)">
+                                      <p:cBhvr>
+                                        <p:cTn id="98" dur="500"/>
+                                        <p:tgtEl>
+                                          <p:spTgt spid="76"/>
+                                        </p:tgtEl>
+                                      </p:cBhvr>
+                                    </p:animEffect>
+                                  </p:childTnLst>
+                                </p:cTn>
+                              </p:par>
+                            </p:childTnLst>
+                          </p:cTn>
+                        </p:par>
+                      </p:childTnLst>
+                    </p:cTn>
+                  </p:par>
+                  <p:par>
+                    <p:cTn id="99" fill="hold">
+                      <p:stCondLst>
+                        <p:cond delay="indefinite"/>
+                      </p:stCondLst>
+                      <p:childTnLst>
+                        <p:par>
+                          <p:cTn id="100" fill="hold">
+                            <p:stCondLst>
+                              <p:cond delay="0"/>
+                            </p:stCondLst>
+                            <p:childTnLst>
+                              <p:par>
+                                <p:cTn id="101" presetID="22" presetClass="entr" presetSubtype="4" fill="hold" grpId="0" nodeType="clickEffect">
+                                  <p:stCondLst>
+                                    <p:cond delay="0"/>
+                                  </p:stCondLst>
+                                  <p:childTnLst>
+                                    <p:set>
+                                      <p:cBhvr>
+                                        <p:cTn id="102" dur="1" fill="hold">
+                                          <p:stCondLst>
+                                            <p:cond delay="0"/>
+                                          </p:stCondLst>
+                                        </p:cTn>
+                                        <p:tgtEl>
+                                          <p:spTgt spid="57"/>
+                                        </p:tgtEl>
+                                        <p:attrNameLst>
+                                          <p:attrName>style.visibility</p:attrName>
+                                        </p:attrNameLst>
+                                      </p:cBhvr>
+                                      <p:to>
+                                        <p:strVal val="visible"/>
+                                      </p:to>
+                                    </p:set>
+                                    <p:animEffect transition="in" filter="wipe(down)">
+                                      <p:cBhvr>
+                                        <p:cTn id="103" dur="500"/>
+                                        <p:tgtEl>
+                                          <p:spTgt spid="57"/>
+                                        </p:tgtEl>
+                                      </p:cBhvr>
+                                    </p:animEffect>
+                                  </p:childTnLst>
+                                </p:cTn>
+                              </p:par>
+                            </p:childTnLst>
+                          </p:cTn>
+                        </p:par>
+                      </p:childTnLst>
+                    </p:cTn>
+                  </p:par>
+                  <p:par>
+                    <p:cTn id="104" fill="hold">
+                      <p:stCondLst>
+                        <p:cond delay="indefinite"/>
+                      </p:stCondLst>
+                      <p:childTnLst>
+                        <p:par>
+                          <p:cTn id="105" fill="hold">
+                            <p:stCondLst>
+                              <p:cond delay="0"/>
+                            </p:stCondLst>
+                            <p:childTnLst>
+                              <p:par>
+                                <p:cTn id="106" presetID="22" presetClass="entr" presetSubtype="4" fill="hold" nodeType="clickEffect">
+                                  <p:stCondLst>
+                                    <p:cond delay="0"/>
+                                  </p:stCondLst>
+                                  <p:childTnLst>
+                                    <p:set>
+                                      <p:cBhvr>
+                                        <p:cTn id="107" dur="1" fill="hold">
+                                          <p:stCondLst>
+                                            <p:cond delay="0"/>
+                                          </p:stCondLst>
+                                        </p:cTn>
+                                        <p:tgtEl>
+                                          <p:spTgt spid="79"/>
+                                        </p:tgtEl>
+                                        <p:attrNameLst>
+                                          <p:attrName>style.visibility</p:attrName>
+                                        </p:attrNameLst>
+                                      </p:cBhvr>
+                                      <p:to>
+                                        <p:strVal val="visible"/>
+                                      </p:to>
+                                    </p:set>
+                                    <p:animEffect transition="in" filter="wipe(down)">
+                                      <p:cBhvr>
+                                        <p:cTn id="108" dur="500"/>
+                                        <p:tgtEl>
+                                          <p:spTgt spid="79"/>
+                                        </p:tgtEl>
+                                      </p:cBhvr>
+                                    </p:animEffect>
+                                  </p:childTnLst>
+                                </p:cTn>
+                              </p:par>
+                            </p:childTnLst>
+                          </p:cTn>
+                        </p:par>
+                      </p:childTnLst>
+                    </p:cTn>
+                  </p:par>
+                  <p:par>
+                    <p:cTn id="109" fill="hold">
+                      <p:stCondLst>
+                        <p:cond delay="indefinite"/>
+                      </p:stCondLst>
+                      <p:childTnLst>
+                        <p:par>
+                          <p:cTn id="110" fill="hold">
+                            <p:stCondLst>
+                              <p:cond delay="0"/>
+                            </p:stCondLst>
+                            <p:childTnLst>
+                              <p:par>
+                                <p:cTn id="111" presetID="22" presetClass="entr" presetSubtype="4" fill="hold" grpId="0" nodeType="clickEffect">
+                                  <p:stCondLst>
+                                    <p:cond delay="0"/>
+                                  </p:stCondLst>
+                                  <p:childTnLst>
+                                    <p:set>
+                                      <p:cBhvr>
+                                        <p:cTn id="112" dur="1" fill="hold">
+                                          <p:stCondLst>
+                                            <p:cond delay="0"/>
+                                          </p:stCondLst>
+                                        </p:cTn>
+                                        <p:tgtEl>
+                                          <p:spTgt spid="58"/>
+                                        </p:tgtEl>
+                                        <p:attrNameLst>
+                                          <p:attrName>style.visibility</p:attrName>
+                                        </p:attrNameLst>
+                                      </p:cBhvr>
+                                      <p:to>
+                                        <p:strVal val="visible"/>
+                                      </p:to>
+                                    </p:set>
+                                    <p:animEffect transition="in" filter="wipe(down)">
+                                      <p:cBhvr>
+                                        <p:cTn id="113" dur="500"/>
+                                        <p:tgtEl>
+                                          <p:spTgt spid="58"/>
+                                        </p:tgtEl>
+                                      </p:cBhvr>
+                                    </p:animEffect>
+                                  </p:childTnLst>
+                                </p:cTn>
+                              </p:par>
+                            </p:childTnLst>
+                          </p:cTn>
+                        </p:par>
+                      </p:childTnLst>
+                    </p:cTn>
+                  </p:par>
+                </p:childTnLst>
+              </p:cTn>
+              <p:prevCondLst>
+                <p:cond evt="onPrev" delay="0">
+                  <p:tgtEl>
+                    <p:sldTgt/>
+                  </p:tgtEl>
+                </p:cond>
+              </p:prevCondLst>
+              <p:nextCondLst>
+                <p:cond evt="onNext" delay="0">
+                  <p:tgtEl>
+                    <p:sldTgt/>
+                  </p:tgtEl>
+                </p:cond>
+              </p:nextCondLst>
+            </p:seq>
+          </p:childTnLst>
+        </p:cTn>
+      </p:par>
+    </p:tnLst>
+    <p:bldLst>
+      <p:bldP spid="3" grpId="0" animBg="1"/>
+      <p:bldP spid="3" grpId="1" animBg="1"/>
+      <p:bldP spid="47" grpId="0" animBg="1"/>
+      <p:bldP spid="47" grpId="1" animBg="1"/>
+      <p:bldP spid="48" grpId="0" animBg="1"/>
+      <p:bldP spid="48" grpId="1" animBg="1"/>
+      <p:bldP spid="95" grpId="0" animBg="1"/>
+      <p:bldP spid="95" grpId="1" animBg="1"/>
+      <p:bldP spid="98" grpId="0" animBg="1"/>
+      <p:bldP spid="98" grpId="1" animBg="1"/>
+      <p:bldP spid="52" grpId="0" animBg="1"/>
+      <p:bldP spid="52" grpId="1" animBg="1"/>
+      <p:bldP spid="53" grpId="0" animBg="1"/>
+      <p:bldP spid="53" grpId="1" animBg="1"/>
+      <p:bldP spid="55" grpId="0" animBg="1"/>
+      <p:bldP spid="55" grpId="1" animBg="1"/>
+      <p:bldP spid="56" grpId="0" animBg="1"/>
+      <p:bldP spid="56" grpId="1" animBg="1"/>
+      <p:bldP spid="57" grpId="0" animBg="1"/>
+      <p:bldP spid="57" grpId="1" animBg="1"/>
+      <p:bldP spid="58" grpId="0" animBg="1"/>
+      <p:bldP spid="58" grpId="1" animBg="1"/>
+    </p:bldLst>
+  </p:timing>
 </p:sld>
 </file>
 
@@ -24610,6 +30742,26 @@
 </p:sld>
 </file>
 
+<file path=ppt/tags/tag1.xml><?xml version="1.0" encoding="utf-8"?>
+<p:tagLst xmlns:p="http://schemas.openxmlformats.org/presentationml/2006/main">
+  <p:tag name="KSO_WM_UNIT_DIAGRAM_MODELTYPE" val="dynamicNum"/>
+  <p:tag name="KSO_WM_BEAUTIFY_FLAG" val="#wm#"/>
+  <p:tag name="KSO_WM_UNIT_TYPE" val="ζ_h_f"/>
+</p:tagLst>
+</file>
+
+<file path=ppt/tags/tag2.xml><?xml version="1.0" encoding="utf-8"?>
+<p:tagLst xmlns:p="http://schemas.openxmlformats.org/presentationml/2006/main">
+  <p:tag name="KSO_WM_UNIT_TABLE_BEAUTIFY" val="smartTable{3fca41e9-a917-4303-94f2-7ef4eea16fe2}"/>
+</p:tagLst>
+</file>
+
+<file path=ppt/tags/tag3.xml><?xml version="1.0" encoding="utf-8"?>
+<p:tagLst xmlns:p="http://schemas.openxmlformats.org/presentationml/2006/main">
+  <p:tag name="KSO_WM_UNIT_TABLE_BEAUTIFY" val="smartTable{d6f82c1a-1b57-414f-93b7-2ba4232d06c8}"/>
+</p:tagLst>
+</file>
+
 <file path=ppt/theme/theme1.xml><?xml version="1.0" encoding="utf-8"?>
 <a:theme xmlns:a="http://schemas.openxmlformats.org/drawingml/2006/main" name="第一PPT，www.1ppt.com">
   <a:themeElements>

--- a/render.pptx
+++ b/render.pptx
@@ -166,6 +166,11 @@
       </a:defRPr>
     </a:lvl9pPr>
   </p:defaultTextStyle>
+  <p:extLst>
+    <p:ext uri="{505F2C04-C923-438B-8C0F-E0CD2BADF298}">
+      <wppc:fontMiss xmlns:wppc="http://www.wps.cn/officeDocument/PresentationCustomData" type="true"/>
+    </p:ext>
+  </p:extLst>
 </p:presentation>
 </file>
 
@@ -16903,7 +16908,7 @@
           <p:spPr bwMode="auto">
             <a:xfrm>
               <a:off x="3016774" y="477993"/>
-              <a:ext cx="1395482" cy="646331"/>
+              <a:ext cx="1395482" cy="645160"/>
             </a:xfrm>
             <a:prstGeom prst="rect">
               <a:avLst/>
@@ -16929,7 +16934,7 @@
                   <a:latin typeface="微软雅黑" panose="020B0503020204020204" pitchFamily="34" charset="-122"/>
                   <a:ea typeface="微软雅黑" panose="020B0503020204020204" pitchFamily="34" charset="-122"/>
                 </a:rPr>
-                <a:t>01</a:t>
+                <a:t>02</a:t>
               </a:r>
               <a:endParaRPr lang="zh-CN" altLang="en-US" sz="3600" b="1">
                 <a:solidFill>
@@ -17039,7 +17044,7 @@
           <p:spPr bwMode="auto">
             <a:xfrm>
               <a:off x="5475557" y="477993"/>
-              <a:ext cx="1395482" cy="646331"/>
+              <a:ext cx="1395482" cy="645160"/>
             </a:xfrm>
             <a:prstGeom prst="rect">
               <a:avLst/>
@@ -17065,7 +17070,7 @@
                   <a:latin typeface="微软雅黑" panose="020B0503020204020204" pitchFamily="34" charset="-122"/>
                   <a:ea typeface="微软雅黑" panose="020B0503020204020204" pitchFamily="34" charset="-122"/>
                 </a:rPr>
-                <a:t>01</a:t>
+                <a:t>03</a:t>
               </a:r>
               <a:endParaRPr lang="zh-CN" altLang="en-US" sz="3600" b="1">
                 <a:solidFill>
@@ -17175,7 +17180,7 @@
           <p:spPr bwMode="auto">
             <a:xfrm>
               <a:off x="7927384" y="477993"/>
-              <a:ext cx="1395482" cy="646331"/>
+              <a:ext cx="1395482" cy="645160"/>
             </a:xfrm>
             <a:prstGeom prst="rect">
               <a:avLst/>
@@ -17201,7 +17206,7 @@
                   <a:latin typeface="微软雅黑" panose="020B0503020204020204" pitchFamily="34" charset="-122"/>
                   <a:ea typeface="微软雅黑" panose="020B0503020204020204" pitchFamily="34" charset="-122"/>
                 </a:rPr>
-                <a:t>01</a:t>
+                <a:t>04</a:t>
               </a:r>
               <a:endParaRPr lang="zh-CN" altLang="en-US" sz="3600" b="1">
                 <a:solidFill>
@@ -20412,30 +20417,6 @@
           </a:ln>
         </p:spPr>
       </p:pic>
-      <p:pic>
-        <p:nvPicPr>
-          <p:cNvPr id="2" name="图片 1"/>
-          <p:cNvPicPr>
-            <a:picLocks noChangeAspect="1"/>
-          </p:cNvPicPr>
-          <p:nvPr/>
-        </p:nvPicPr>
-        <p:blipFill>
-          <a:blip r:embed="rId2"/>
-          <a:stretch>
-            <a:fillRect/>
-          </a:stretch>
-        </p:blipFill>
-        <p:spPr>
-          <a:xfrm>
-            <a:off x="216535" y="851535"/>
-            <a:ext cx="5682615" cy="5882640"/>
-          </a:xfrm>
-          <a:prstGeom prst="rect">
-            <a:avLst/>
-          </a:prstGeom>
-        </p:spPr>
-      </p:pic>
       <p:sp>
         <p:nvSpPr>
           <p:cNvPr id="39" name="文本框 38"/>
@@ -20484,7 +20465,7 @@
           <p:cNvGraphicFramePr/>
           <p:nvPr>
             <p:custDataLst>
-              <p:tags r:id="rId3"/>
+              <p:tags r:id="rId2"/>
             </p:custDataLst>
           </p:nvPr>
         </p:nvGraphicFramePr>
@@ -20528,7 +20509,7 @@
                       </a:pPr>
                       <a:r>
                         <a:rPr lang="en-US" altLang="zh-CN"/>
-                        <a:t>0</a:t>
+                        <a:t>true</a:t>
                       </a:r>
                       <a:endParaRPr lang="en-US" altLang="zh-CN"/>
                     </a:p>
@@ -20608,6 +20589,30 @@
           </a:graphicData>
         </a:graphic>
       </p:graphicFrame>
+      <p:pic>
+        <p:nvPicPr>
+          <p:cNvPr id="4" name="图片 3"/>
+          <p:cNvPicPr>
+            <a:picLocks noChangeAspect="1"/>
+          </p:cNvPicPr>
+          <p:nvPr/>
+        </p:nvPicPr>
+        <p:blipFill>
+          <a:blip r:embed="rId3"/>
+          <a:stretch>
+            <a:fillRect/>
+          </a:stretch>
+        </p:blipFill>
+        <p:spPr>
+          <a:xfrm>
+            <a:off x="274320" y="758190"/>
+            <a:ext cx="6406515" cy="5341620"/>
+          </a:xfrm>
+          <a:prstGeom prst="rect">
+            <a:avLst/>
+          </a:prstGeom>
+        </p:spPr>
+      </p:pic>
     </p:spTree>
   </p:cSld>
   <p:clrMapOvr>
@@ -20637,7 +20642,7 @@
                             </p:stCondLst>
                             <p:childTnLst>
                               <p:par>
-                                <p:cTn id="5" presetID="12" presetClass="entr" presetSubtype="4" fill="hold" nodeType="clickEffect">
+                                <p:cTn id="5" presetID="3" presetClass="entr" presetSubtype="10" fill="hold" nodeType="clickEffect">
                                   <p:stCondLst>
                                     <p:cond delay="0"/>
                                   </p:stCondLst>
@@ -20650,82 +20655,6 @@
                                           </p:stCondLst>
                                         </p:cTn>
                                         <p:tgtEl>
-                                          <p:spTgt spid="2"/>
-                                        </p:tgtEl>
-                                        <p:attrNameLst>
-                                          <p:attrName>style.visibility</p:attrName>
-                                        </p:attrNameLst>
-                                      </p:cBhvr>
-                                      <p:to>
-                                        <p:strVal val="visible"/>
-                                      </p:to>
-                                    </p:set>
-                                    <p:anim calcmode="lin" valueType="num">
-                                      <p:cBhvr additive="base">
-                                        <p:cTn id="7" dur="500"/>
-                                        <p:tgtEl>
-                                          <p:spTgt spid="2"/>
-                                        </p:tgtEl>
-                                        <p:attrNameLst>
-                                          <p:attrName>ppt_y</p:attrName>
-                                        </p:attrNameLst>
-                                      </p:cBhvr>
-                                      <p:tavLst>
-                                        <p:tav tm="0">
-                                          <p:val>
-                                            <p:strVal val="#ppt_y+#ppt_h*1.125000"/>
-                                          </p:val>
-                                        </p:tav>
-                                        <p:tav tm="100000">
-                                          <p:val>
-                                            <p:strVal val="#ppt_y"/>
-                                          </p:val>
-                                        </p:tav>
-                                      </p:tavLst>
-                                    </p:anim>
-                                    <p:animEffect transition="in" filter="wipe(up)">
-                                      <p:cBhvr>
-                                        <p:cTn id="8" dur="500"/>
-                                        <p:tgtEl>
-                                          <p:spTgt spid="2"/>
-                                        </p:tgtEl>
-                                      </p:cBhvr>
-                                    </p:animEffect>
-                                  </p:childTnLst>
-                                </p:cTn>
-                              </p:par>
-                            </p:childTnLst>
-                          </p:cTn>
-                        </p:par>
-                      </p:childTnLst>
-                    </p:cTn>
-                  </p:par>
-                  <p:par>
-                    <p:cTn id="9" fill="hold">
-                      <p:stCondLst>
-                        <p:cond delay="indefinite"/>
-                      </p:stCondLst>
-                      <p:childTnLst>
-                        <p:par>
-                          <p:cTn id="10" fill="hold">
-                            <p:stCondLst>
-                              <p:cond delay="0"/>
-                            </p:stCondLst>
-                            <p:childTnLst>
-                              <p:par>
-                                <p:cTn id="11" presetID="3" presetClass="entr" presetSubtype="10" fill="hold" nodeType="clickEffect">
-                                  <p:stCondLst>
-                                    <p:cond delay="0"/>
-                                  </p:stCondLst>
-                                  <p:childTnLst>
-                                    <p:set>
-                                      <p:cBhvr>
-                                        <p:cTn id="12" dur="1" fill="hold">
-                                          <p:stCondLst>
-                                            <p:cond delay="0"/>
-                                          </p:stCondLst>
-                                        </p:cTn>
-                                        <p:tgtEl>
                                           <p:spTgt spid="3"/>
                                         </p:tgtEl>
                                         <p:attrNameLst>
@@ -20738,7 +20667,7 @@
                                     </p:set>
                                     <p:animEffect transition="in" filter="blinds(horizontal)">
                                       <p:cBhvr>
-                                        <p:cTn id="13" dur="500"/>
+                                        <p:cTn id="7" dur="500"/>
                                         <p:tgtEl>
                                           <p:spTgt spid="3"/>
                                         </p:tgtEl>

--- a/render.pptx
+++ b/render.pptx
@@ -9461,7 +9461,7 @@
           </a:bodyPr>
           <a:lstStyle/>
           <a:p>
-            <a:pPr algn="ctr"/>
+            <a:pPr algn="l"/>
             <a:r>
               <a:rPr lang="en-US" altLang="zh-CN" sz="2800" dirty="0">
                 <a:solidFill>
@@ -9544,7 +9544,7 @@
           </a:bodyPr>
           <a:lstStyle/>
           <a:p>
-            <a:pPr algn="ctr"/>
+            <a:pPr algn="l"/>
             <a:r>
               <a:rPr lang="en-US" altLang="zh-CN" sz="2800" dirty="0">
                 <a:solidFill>
@@ -9594,7 +9594,7 @@
         <p:spPr>
           <a:xfrm>
             <a:off x="0" y="3429000"/>
-            <a:ext cx="12192000" cy="523220"/>
+            <a:ext cx="12192000" cy="521970"/>
           </a:xfrm>
           <a:prstGeom prst="rect">
             <a:avLst/>
@@ -9607,7 +9607,7 @@
           </a:bodyPr>
           <a:lstStyle/>
           <a:p>
-            <a:pPr algn="ctr"/>
+            <a:pPr algn="l"/>
             <a:r>
               <a:rPr lang="en-US" altLang="zh-CN" sz="2800" dirty="0">
                 <a:solidFill>
@@ -9616,7 +9616,7 @@
                   </a:schemeClr>
                 </a:solidFill>
               </a:rPr>
-              <a:t>2.1</a:t>
+              <a:t>	2.1</a:t>
             </a:r>
             <a:r>
               <a:rPr lang="zh-CN" altLang="en-US" sz="2800" dirty="0">
@@ -9657,7 +9657,7 @@
         <p:spPr>
           <a:xfrm>
             <a:off x="0" y="4169393"/>
-            <a:ext cx="12192000" cy="523220"/>
+            <a:ext cx="12192000" cy="953135"/>
           </a:xfrm>
           <a:prstGeom prst="rect">
             <a:avLst/>
@@ -9679,7 +9679,7 @@
                   </a:schemeClr>
                 </a:solidFill>
               </a:rPr>
-              <a:t>2.2</a:t>
+              <a:t>          2.2</a:t>
             </a:r>
             <a:r>
               <a:rPr lang="zh-CN" altLang="en-US" sz="2800" dirty="0">
@@ -9749,8 +9749,8 @@
         </p:nvSpPr>
         <p:spPr>
           <a:xfrm>
-            <a:off x="-196391" y="4888786"/>
-            <a:ext cx="12192000" cy="523220"/>
+            <a:off x="-176" y="5177076"/>
+            <a:ext cx="12192000" cy="521970"/>
           </a:xfrm>
           <a:prstGeom prst="rect">
             <a:avLst/>
@@ -9763,7 +9763,7 @@
           </a:bodyPr>
           <a:lstStyle/>
           <a:p>
-            <a:pPr algn="ctr"/>
+            <a:pPr algn="l"/>
             <a:r>
               <a:rPr lang="en-US" altLang="zh-CN" sz="2800" dirty="0">
                 <a:solidFill>
@@ -9772,7 +9772,7 @@
                   </a:schemeClr>
                 </a:solidFill>
               </a:rPr>
-              <a:t>2.3</a:t>
+              <a:t>	2.3</a:t>
             </a:r>
             <a:r>
               <a:rPr lang="zh-CN" altLang="en-US" sz="2800" dirty="0">
@@ -9822,8 +9822,8 @@
         </p:nvSpPr>
         <p:spPr>
           <a:xfrm>
-            <a:off x="0" y="5608179"/>
-            <a:ext cx="12192000" cy="523220"/>
+            <a:off x="0" y="5890754"/>
+            <a:ext cx="12192000" cy="521970"/>
           </a:xfrm>
           <a:prstGeom prst="rect">
             <a:avLst/>
@@ -9836,7 +9836,7 @@
           </a:bodyPr>
           <a:lstStyle/>
           <a:p>
-            <a:pPr algn="ctr"/>
+            <a:pPr algn="l"/>
             <a:r>
               <a:rPr lang="en-US" altLang="zh-CN" sz="2800" dirty="0">
                 <a:solidFill>
@@ -9845,7 +9845,7 @@
                   </a:schemeClr>
                 </a:solidFill>
               </a:rPr>
-              <a:t>2.4</a:t>
+              <a:t>	2.4</a:t>
             </a:r>
             <a:r>
               <a:rPr lang="zh-CN" altLang="en-US" sz="2800" dirty="0">
@@ -10808,7 +10808,7 @@
         <p:spPr>
           <a:xfrm>
             <a:off x="0" y="1705969"/>
-            <a:ext cx="12192000" cy="523220"/>
+            <a:ext cx="12192000" cy="521970"/>
           </a:xfrm>
           <a:prstGeom prst="rect">
             <a:avLst/>
@@ -10821,7 +10821,7 @@
           </a:bodyPr>
           <a:lstStyle/>
           <a:p>
-            <a:pPr algn="ctr"/>
+            <a:pPr algn="l"/>
             <a:r>
               <a:rPr lang="en-US" altLang="zh-CN" sz="2800" dirty="0">
                 <a:solidFill>
@@ -10830,7 +10830,7 @@
                   </a:schemeClr>
                 </a:solidFill>
               </a:rPr>
-              <a:t>2.5 </a:t>
+              <a:t>	2.5 </a:t>
             </a:r>
             <a:r>
               <a:rPr lang="zh-CN" altLang="en-US" sz="2800" dirty="0">
@@ -10894,7 +10894,7 @@
           </a:bodyPr>
           <a:lstStyle/>
           <a:p>
-            <a:pPr algn="ctr"/>
+            <a:pPr algn="l"/>
             <a:r>
               <a:rPr lang="en-US" altLang="zh-CN" sz="2800" dirty="0">
                 <a:solidFill>
@@ -10967,7 +10967,7 @@
           </a:bodyPr>
           <a:lstStyle/>
           <a:p>
-            <a:pPr algn="ctr"/>
+            <a:pPr algn="l"/>
             <a:r>
               <a:rPr lang="en-US" altLang="zh-CN" sz="2800" dirty="0">
                 <a:solidFill>
@@ -11040,7 +11040,7 @@
           </a:bodyPr>
           <a:lstStyle/>
           <a:p>
-            <a:pPr algn="ctr"/>
+            <a:pPr algn="l"/>
             <a:r>
               <a:rPr lang="en-US" altLang="zh-CN" sz="2800" dirty="0">
                 <a:solidFill>
@@ -11089,7 +11089,7 @@
         </p:nvSpPr>
         <p:spPr>
           <a:xfrm>
-            <a:off x="-196391" y="4888786"/>
+            <a:off x="-176" y="4870371"/>
             <a:ext cx="12192000" cy="523220"/>
           </a:xfrm>
           <a:prstGeom prst="rect">
@@ -11103,7 +11103,7 @@
           </a:bodyPr>
           <a:lstStyle/>
           <a:p>
-            <a:pPr algn="ctr"/>
+            <a:pPr algn="l"/>
             <a:r>
               <a:rPr lang="en-US" altLang="zh-CN" sz="2800" dirty="0">
                 <a:solidFill>
@@ -12988,7 +12988,7 @@
           </a:bodyPr>
           <a:lstStyle/>
           <a:p>
-            <a:pPr algn="ctr"/>
+            <a:pPr algn="l"/>
             <a:r>
               <a:rPr lang="en-US" altLang="zh-CN" sz="2800" dirty="0">
                 <a:solidFill>
@@ -13041,7 +13041,7 @@
           </a:bodyPr>
           <a:lstStyle/>
           <a:p>
-            <a:pPr algn="ctr"/>
+            <a:pPr algn="l"/>
             <a:r>
               <a:rPr lang="en-US" altLang="zh-CN" sz="2800" dirty="0">
                 <a:solidFill>
@@ -13081,7 +13081,7 @@
         <p:spPr>
           <a:xfrm>
             <a:off x="-9427" y="3235034"/>
-            <a:ext cx="12191999" cy="523220"/>
+            <a:ext cx="12191999" cy="521970"/>
           </a:xfrm>
           <a:prstGeom prst="rect">
             <a:avLst/>
@@ -13094,7 +13094,7 @@
           </a:bodyPr>
           <a:lstStyle/>
           <a:p>
-            <a:pPr algn="ctr"/>
+            <a:pPr algn="l"/>
             <a:r>
               <a:rPr lang="en-US" altLang="zh-CN" sz="2800" dirty="0">
                 <a:solidFill>
@@ -13103,7 +13103,7 @@
                   </a:schemeClr>
                 </a:solidFill>
               </a:rPr>
-              <a:t>2. 1 </a:t>
+              <a:t>	2. 1 </a:t>
             </a:r>
             <a:r>
               <a:rPr lang="zh-CN" altLang="en-US" sz="2800" dirty="0">
@@ -13134,7 +13134,7 @@
         <p:spPr>
           <a:xfrm>
             <a:off x="-9427" y="3817128"/>
-            <a:ext cx="12191999" cy="523220"/>
+            <a:ext cx="12191999" cy="521970"/>
           </a:xfrm>
           <a:prstGeom prst="rect">
             <a:avLst/>
@@ -13147,7 +13147,7 @@
           </a:bodyPr>
           <a:lstStyle/>
           <a:p>
-            <a:pPr algn="ctr"/>
+            <a:pPr algn="l"/>
             <a:r>
               <a:rPr lang="en-US" altLang="zh-CN" sz="2800" dirty="0">
                 <a:solidFill>
@@ -13156,7 +13156,7 @@
                   </a:schemeClr>
                 </a:solidFill>
               </a:rPr>
-              <a:t>2. 2</a:t>
+              <a:t>	2. 2</a:t>
             </a:r>
             <a:r>
               <a:rPr lang="zh-CN" altLang="en-US" sz="2800" dirty="0">
@@ -13207,7 +13207,7 @@
         <p:spPr>
           <a:xfrm>
             <a:off x="95839" y="4538480"/>
-            <a:ext cx="12191999" cy="523220"/>
+            <a:ext cx="12191999" cy="521970"/>
           </a:xfrm>
           <a:prstGeom prst="rect">
             <a:avLst/>
@@ -13220,7 +13220,7 @@
           </a:bodyPr>
           <a:lstStyle/>
           <a:p>
-            <a:pPr algn="ctr"/>
+            <a:pPr algn="l"/>
             <a:r>
               <a:rPr lang="en-US" altLang="zh-CN" sz="2800" dirty="0">
                 <a:solidFill>
@@ -13229,7 +13229,7 @@
                   </a:schemeClr>
                 </a:solidFill>
               </a:rPr>
-              <a:t>2. 3 </a:t>
+              <a:t>          2. 3 </a:t>
             </a:r>
             <a:r>
               <a:rPr lang="zh-CN" altLang="en-US" sz="2800" dirty="0">
@@ -13259,8 +13259,8 @@
         </p:nvSpPr>
         <p:spPr>
           <a:xfrm>
-            <a:off x="47920" y="5254860"/>
-            <a:ext cx="12191999" cy="523220"/>
+            <a:off x="28575" y="5254625"/>
+            <a:ext cx="12211050" cy="521970"/>
           </a:xfrm>
           <a:prstGeom prst="rect">
             <a:avLst/>
@@ -13273,7 +13273,7 @@
           </a:bodyPr>
           <a:lstStyle/>
           <a:p>
-            <a:pPr algn="ctr"/>
+            <a:pPr algn="l"/>
             <a:r>
               <a:rPr lang="en-US" altLang="zh-CN" sz="2800" dirty="0">
                 <a:solidFill>
@@ -13282,7 +13282,7 @@
                   </a:schemeClr>
                 </a:solidFill>
               </a:rPr>
-              <a:t>2. 4 </a:t>
+              <a:t>          2. 4 </a:t>
             </a:r>
             <a:r>
               <a:rPr lang="en-US" altLang="zh-CN" sz="2800" dirty="0" err="1">
@@ -13854,7 +13854,7 @@
         <p:spPr>
           <a:xfrm>
             <a:off x="0" y="1444359"/>
-            <a:ext cx="12191999" cy="523220"/>
+            <a:ext cx="12191999" cy="521970"/>
           </a:xfrm>
           <a:prstGeom prst="rect">
             <a:avLst/>
@@ -13867,7 +13867,7 @@
           </a:bodyPr>
           <a:lstStyle/>
           <a:p>
-            <a:pPr algn="ctr"/>
+            <a:pPr algn="l"/>
             <a:r>
               <a:rPr lang="en-US" altLang="zh-CN" sz="2800" dirty="0">
                 <a:solidFill>
@@ -13876,7 +13876,7 @@
                   </a:schemeClr>
                 </a:solidFill>
               </a:rPr>
-              <a:t>2.5 </a:t>
+              <a:t>	2.5 </a:t>
             </a:r>
             <a:r>
               <a:rPr lang="zh-CN" altLang="en-US" sz="2800" dirty="0">
@@ -13907,7 +13907,7 @@
         <p:spPr>
           <a:xfrm>
             <a:off x="-1" y="2180583"/>
-            <a:ext cx="12191999" cy="2677656"/>
+            <a:ext cx="12191999" cy="2676525"/>
           </a:xfrm>
           <a:prstGeom prst="rect">
             <a:avLst/>
@@ -13920,7 +13920,7 @@
           </a:bodyPr>
           <a:lstStyle/>
           <a:p>
-            <a:pPr algn="ctr"/>
+            <a:pPr algn="l"/>
             <a:r>
               <a:rPr lang="en-US" altLang="zh-CN" sz="2800" dirty="0">
                 <a:solidFill>
@@ -13929,7 +13929,7 @@
                   </a:schemeClr>
                 </a:solidFill>
               </a:rPr>
-              <a:t>2.5 </a:t>
+              <a:t>	2.5 </a:t>
             </a:r>
             <a:r>
               <a:rPr lang="zh-CN" altLang="en-US" sz="2800" dirty="0">
@@ -13950,7 +13950,17 @@
             </a:endParaRPr>
           </a:p>
           <a:p>
-            <a:pPr algn="ctr"/>
+            <a:pPr algn="l"/>
+            <a:r>
+              <a:rPr lang="en-US" altLang="zh-CN" sz="2800" dirty="0">
+                <a:solidFill>
+                  <a:schemeClr val="bg1">
+                    <a:lumMod val="95000"/>
+                  </a:schemeClr>
+                </a:solidFill>
+              </a:rPr>
+              <a:t>		</a:t>
+            </a:r>
             <a:r>
               <a:rPr lang="zh-CN" altLang="en-US" sz="2800" dirty="0">
                 <a:solidFill>
@@ -13980,7 +13990,17 @@
             </a:endParaRPr>
           </a:p>
           <a:p>
-            <a:pPr algn="ctr"/>
+            <a:pPr algn="l"/>
+            <a:r>
+              <a:rPr lang="en-US" altLang="zh-CN" sz="2800" dirty="0">
+                <a:solidFill>
+                  <a:schemeClr val="bg1">
+                    <a:lumMod val="95000"/>
+                  </a:schemeClr>
+                </a:solidFill>
+              </a:rPr>
+              <a:t>		</a:t>
+            </a:r>
             <a:r>
               <a:rPr lang="zh-CN" altLang="en-US" sz="2800" dirty="0">
                 <a:solidFill>
@@ -14060,7 +14080,17 @@
             </a:endParaRPr>
           </a:p>
           <a:p>
-            <a:pPr algn="ctr"/>
+            <a:pPr algn="l"/>
+            <a:r>
+              <a:rPr lang="en-US" altLang="zh-CN" sz="2800" dirty="0">
+                <a:solidFill>
+                  <a:schemeClr val="bg1">
+                    <a:lumMod val="95000"/>
+                  </a:schemeClr>
+                </a:solidFill>
+              </a:rPr>
+              <a:t>		</a:t>
+            </a:r>
             <a:r>
               <a:rPr lang="zh-CN" altLang="en-US" sz="2800" dirty="0">
                 <a:solidFill>
@@ -14100,7 +14130,17 @@
             </a:endParaRPr>
           </a:p>
           <a:p>
-            <a:pPr algn="ctr"/>
+            <a:pPr algn="l"/>
+            <a:r>
+              <a:rPr lang="en-US" altLang="zh-CN" sz="2800" dirty="0">
+                <a:solidFill>
+                  <a:schemeClr val="bg1">
+                    <a:lumMod val="95000"/>
+                  </a:schemeClr>
+                </a:solidFill>
+              </a:rPr>
+              <a:t>		</a:t>
+            </a:r>
             <a:r>
               <a:rPr lang="zh-CN" altLang="en-US" sz="2800" dirty="0">
                 <a:solidFill>
@@ -14140,7 +14180,17 @@
             </a:endParaRPr>
           </a:p>
           <a:p>
-            <a:pPr algn="ctr"/>
+            <a:pPr algn="l"/>
+            <a:r>
+              <a:rPr lang="en-US" altLang="zh-CN" sz="2800" dirty="0">
+                <a:solidFill>
+                  <a:schemeClr val="bg1">
+                    <a:lumMod val="95000"/>
+                  </a:schemeClr>
+                </a:solidFill>
+              </a:rPr>
+              <a:t>		</a:t>
+            </a:r>
             <a:r>
               <a:rPr lang="zh-CN" altLang="en-US" sz="2800" dirty="0">
                 <a:solidFill>
@@ -14314,7 +14364,7 @@
           </a:bodyPr>
           <a:lstStyle/>
           <a:p>
-            <a:pPr algn="ctr"/>
+            <a:pPr algn="l"/>
             <a:r>
               <a:rPr lang="en-US" altLang="zh-CN" sz="2800" dirty="0">
                 <a:solidFill>
@@ -14726,7 +14776,7 @@
             <a:spAutoFit/>
           </a:bodyPr>
           <a:p>
-            <a:pPr algn="ctr"/>
+            <a:pPr algn="l"/>
             <a:r>
               <a:rPr lang="en-US" sz="2800" dirty="0">
                 <a:solidFill>
@@ -14735,7 +14785,7 @@
                   </a:schemeClr>
                 </a:solidFill>
               </a:rPr>
-              <a:t>3.1 </a:t>
+              <a:t>	3.1 </a:t>
             </a:r>
             <a:r>
               <a:rPr lang="zh-CN" altLang="en-US" sz="2800" dirty="0">
@@ -14765,27 +14815,27 @@
                   </a:schemeClr>
                 </a:solidFill>
               </a:rPr>
-              <a:t>节点，数组节点，空节点，函数组件节点：</a:t>
-            </a:r>
-            <a:endParaRPr lang="zh-CN" altLang="en-US" sz="2800" dirty="0">
-              <a:solidFill>
-                <a:schemeClr val="bg1">
-                  <a:lumMod val="95000"/>
-                </a:schemeClr>
-              </a:solidFill>
-            </a:endParaRPr>
-          </a:p>
-          <a:p>
-            <a:pPr algn="ctr"/>
-            <a:r>
-              <a:rPr lang="zh-CN" altLang="en-US" sz="2800" dirty="0">
+              <a:t>节点，数组节点，空节点，函数组件</a:t>
+            </a:r>
+            <a:r>
+              <a:rPr lang="en-US" altLang="zh-CN" sz="2800" dirty="0">
                 <a:solidFill>
                   <a:schemeClr val="bg1">
                     <a:lumMod val="95000"/>
                   </a:schemeClr>
                 </a:solidFill>
               </a:rPr>
-              <a:t>直接放弃节点，若有子节点递归执行</a:t>
+              <a:t>			</a:t>
+            </a:r>
+            <a:r>
+              <a:rPr lang="zh-CN" altLang="en-US" sz="2800" dirty="0">
+                <a:solidFill>
+                  <a:schemeClr val="bg1">
+                    <a:lumMod val="95000"/>
+                  </a:schemeClr>
+                </a:solidFill>
+              </a:rPr>
+              <a:t>节点：直接放弃节点，若有子节点递归执行</a:t>
             </a:r>
             <a:endParaRPr lang="zh-CN" altLang="en-US" sz="2800" dirty="0">
               <a:solidFill>
@@ -14806,7 +14856,7 @@
         <p:spPr>
           <a:xfrm>
             <a:off x="0" y="3365234"/>
-            <a:ext cx="12191999" cy="521970"/>
+            <a:ext cx="12191999" cy="953135"/>
           </a:xfrm>
           <a:prstGeom prst="rect">
             <a:avLst/>
@@ -14819,7 +14869,7 @@
           </a:bodyPr>
           <a:lstStyle/>
           <a:p>
-            <a:pPr algn="ctr"/>
+            <a:pPr algn="l"/>
             <a:r>
               <a:rPr lang="en-US" sz="2800" dirty="0">
                 <a:solidFill>
@@ -14828,7 +14878,7 @@
                   </a:schemeClr>
                 </a:solidFill>
               </a:rPr>
-              <a:t>3.2 </a:t>
+              <a:t>	3.2 </a:t>
             </a:r>
             <a:r>
               <a:rPr lang="zh-CN" altLang="en-US" sz="2800" dirty="0">
@@ -14858,7 +14908,27 @@
                   </a:schemeClr>
                 </a:solidFill>
               </a:rPr>
-              <a:t>，递归子节点</a:t>
+              <a:t>，递归子</a:t>
+            </a:r>
+            <a:r>
+              <a:rPr lang="en-US" altLang="zh-CN" sz="2800" dirty="0">
+                <a:solidFill>
+                  <a:schemeClr val="bg1">
+                    <a:lumMod val="95000"/>
+                  </a:schemeClr>
+                </a:solidFill>
+              </a:rPr>
+              <a:t>			</a:t>
+            </a:r>
+            <a:r>
+              <a:rPr lang="zh-CN" altLang="en-US" sz="2800" dirty="0">
+                <a:solidFill>
+                  <a:schemeClr val="bg1">
+                    <a:lumMod val="95000"/>
+                  </a:schemeClr>
+                </a:solidFill>
+              </a:rPr>
+              <a:t>节点</a:t>
             </a:r>
             <a:endParaRPr lang="zh-CN" altLang="en-US" sz="2800" dirty="0">
               <a:solidFill>
@@ -14891,7 +14961,7 @@
             <a:spAutoFit/>
           </a:bodyPr>
           <a:p>
-            <a:pPr algn="ctr"/>
+            <a:pPr algn="l"/>
             <a:r>
               <a:rPr lang="en-US" sz="2800" dirty="0">
                 <a:solidFill>
@@ -25127,7 +25197,7 @@
           </a:bodyPr>
           <a:lstStyle/>
           <a:p>
-            <a:pPr algn="ctr"/>
+            <a:pPr algn="l"/>
             <a:r>
               <a:rPr lang="en-US" altLang="zh-CN" sz="2800" dirty="0">
                 <a:solidFill>
@@ -25204,7 +25274,7 @@
           </a:bodyPr>
           <a:lstStyle/>
           <a:p>
-            <a:pPr algn="ctr"/>
+            <a:pPr algn="l"/>
             <a:r>
               <a:rPr lang="en-US" altLang="zh-CN" sz="2800" dirty="0">
                 <a:solidFill>
@@ -25244,7 +25314,7 @@
         <p:spPr>
           <a:xfrm>
             <a:off x="0" y="2990915"/>
-            <a:ext cx="12192000" cy="523220"/>
+            <a:ext cx="12192000" cy="521970"/>
           </a:xfrm>
           <a:prstGeom prst="rect">
             <a:avLst/>
@@ -25257,7 +25327,7 @@
           </a:bodyPr>
           <a:lstStyle/>
           <a:p>
-            <a:pPr algn="ctr"/>
+            <a:pPr algn="l"/>
             <a:r>
               <a:rPr lang="en-US" altLang="zh-CN" sz="2800" dirty="0">
                 <a:solidFill>
@@ -25266,7 +25336,7 @@
                   </a:schemeClr>
                 </a:solidFill>
               </a:rPr>
-              <a:t>2. 1.</a:t>
+              <a:t>	2. 1.</a:t>
             </a:r>
             <a:r>
               <a:rPr lang="zh-CN" altLang="en-US" sz="2800" dirty="0">
@@ -25307,7 +25377,7 @@
         <p:spPr>
           <a:xfrm>
             <a:off x="0" y="3664196"/>
-            <a:ext cx="12192000" cy="523220"/>
+            <a:ext cx="12192000" cy="521970"/>
           </a:xfrm>
           <a:prstGeom prst="rect">
             <a:avLst/>
@@ -25320,7 +25390,7 @@
           </a:bodyPr>
           <a:lstStyle/>
           <a:p>
-            <a:pPr algn="ctr"/>
+            <a:pPr algn="l"/>
             <a:r>
               <a:rPr lang="en-US" altLang="zh-CN" sz="2800" dirty="0">
                 <a:solidFill>
@@ -25329,7 +25399,7 @@
                   </a:schemeClr>
                 </a:solidFill>
               </a:rPr>
-              <a:t>2. 2.</a:t>
+              <a:t>	2. 2.</a:t>
             </a:r>
             <a:r>
               <a:rPr lang="zh-CN" altLang="en-US" sz="2800" dirty="0">
@@ -25360,7 +25430,7 @@
         <p:spPr>
           <a:xfrm>
             <a:off x="0" y="4338864"/>
-            <a:ext cx="12192000" cy="523220"/>
+            <a:ext cx="12192000" cy="521970"/>
           </a:xfrm>
           <a:prstGeom prst="rect">
             <a:avLst/>
@@ -25373,7 +25443,7 @@
           </a:bodyPr>
           <a:lstStyle/>
           <a:p>
-            <a:pPr algn="ctr"/>
+            <a:pPr algn="l"/>
             <a:r>
               <a:rPr lang="en-US" altLang="zh-CN" sz="2800" dirty="0">
                 <a:solidFill>
@@ -25382,7 +25452,7 @@
                   </a:schemeClr>
                 </a:solidFill>
               </a:rPr>
-              <a:t>2. 3.</a:t>
+              <a:t>	2. 3.</a:t>
             </a:r>
             <a:r>
               <a:rPr lang="zh-CN" altLang="en-US" sz="2800" dirty="0">
@@ -25413,7 +25483,7 @@
         <p:spPr>
           <a:xfrm>
             <a:off x="268829" y="5013532"/>
-            <a:ext cx="12192000" cy="523220"/>
+            <a:ext cx="12192000" cy="521970"/>
           </a:xfrm>
           <a:prstGeom prst="rect">
             <a:avLst/>
@@ -25426,7 +25496,7 @@
           </a:bodyPr>
           <a:lstStyle/>
           <a:p>
-            <a:pPr algn="ctr"/>
+            <a:pPr algn="l"/>
             <a:r>
               <a:rPr lang="en-US" altLang="zh-CN" sz="2800" dirty="0">
                 <a:solidFill>
@@ -25435,7 +25505,7 @@
                   </a:schemeClr>
                 </a:solidFill>
               </a:rPr>
-              <a:t>2. 4.DOM</a:t>
+              <a:t>        2. 4.DOM</a:t>
             </a:r>
             <a:r>
               <a:rPr lang="zh-CN" altLang="en-US" sz="2800" dirty="0">
@@ -26075,7 +26145,7 @@
         <p:spPr>
           <a:xfrm>
             <a:off x="0" y="1321248"/>
-            <a:ext cx="12192000" cy="523220"/>
+            <a:ext cx="12192000" cy="521970"/>
           </a:xfrm>
           <a:prstGeom prst="rect">
             <a:avLst/>
@@ -26088,7 +26158,7 @@
           </a:bodyPr>
           <a:lstStyle/>
           <a:p>
-            <a:pPr algn="ctr"/>
+            <a:pPr algn="l"/>
             <a:r>
               <a:rPr lang="en-US" altLang="zh-CN" sz="2800" dirty="0">
                 <a:solidFill>
@@ -26097,7 +26167,7 @@
                   </a:schemeClr>
                 </a:solidFill>
               </a:rPr>
-              <a:t>2.5 </a:t>
+              <a:t>	2.5 </a:t>
             </a:r>
             <a:r>
               <a:rPr lang="zh-CN" altLang="en-US" sz="2800" dirty="0">
@@ -26128,7 +26198,7 @@
         <p:spPr>
           <a:xfrm>
             <a:off x="1" y="1995916"/>
-            <a:ext cx="12192000" cy="523220"/>
+            <a:ext cx="12192000" cy="521970"/>
           </a:xfrm>
           <a:prstGeom prst="rect">
             <a:avLst/>
@@ -26141,7 +26211,7 @@
           </a:bodyPr>
           <a:lstStyle/>
           <a:p>
-            <a:pPr algn="ctr"/>
+            <a:pPr algn="l"/>
             <a:r>
               <a:rPr lang="en-US" altLang="zh-CN" sz="2800" dirty="0">
                 <a:solidFill>
@@ -26150,7 +26220,7 @@
                   </a:schemeClr>
                 </a:solidFill>
               </a:rPr>
-              <a:t>2.5.1</a:t>
+              <a:t>		2.5.1</a:t>
             </a:r>
             <a:r>
               <a:rPr lang="zh-CN" altLang="en-US" sz="2800" dirty="0">
@@ -26180,8 +26250,8 @@
         </p:nvSpPr>
         <p:spPr>
           <a:xfrm>
-            <a:off x="1391054" y="2670584"/>
-            <a:ext cx="9426103" cy="2246769"/>
+            <a:off x="57150" y="2670810"/>
+            <a:ext cx="12135485" cy="2245360"/>
           </a:xfrm>
           <a:prstGeom prst="rect">
             <a:avLst/>
@@ -26194,6 +26264,7 @@
           </a:bodyPr>
           <a:lstStyle/>
           <a:p>
+            <a:pPr algn="l"/>
             <a:r>
               <a:rPr lang="en-US" altLang="zh-CN" sz="2800" dirty="0">
                 <a:solidFill>
@@ -26202,7 +26273,7 @@
                   </a:schemeClr>
                 </a:solidFill>
               </a:rPr>
-              <a:t>2. 5.2</a:t>
+              <a:t>		2. 5.2</a:t>
             </a:r>
             <a:r>
               <a:rPr lang="zh-CN" altLang="en-US" sz="2800" dirty="0">
@@ -26362,8 +26433,8 @@
         </p:nvSpPr>
         <p:spPr>
           <a:xfrm>
-            <a:off x="132946" y="5121671"/>
-            <a:ext cx="12192000" cy="523220"/>
+            <a:off x="0" y="5121910"/>
+            <a:ext cx="12324715" cy="521970"/>
           </a:xfrm>
           <a:prstGeom prst="rect">
             <a:avLst/>
@@ -26376,7 +26447,7 @@
           </a:bodyPr>
           <a:lstStyle/>
           <a:p>
-            <a:pPr algn="ctr"/>
+            <a:pPr algn="l"/>
             <a:r>
               <a:rPr lang="en-US" altLang="zh-CN" sz="2800" dirty="0">
                 <a:solidFill>
@@ -26449,7 +26520,7 @@
           </a:bodyPr>
           <a:lstStyle/>
           <a:p>
-            <a:pPr algn="ctr"/>
+            <a:pPr algn="l"/>
             <a:r>
               <a:rPr lang="en-US" altLang="zh-CN" sz="2800" dirty="0">
                 <a:solidFill>

--- a/render.pptx
+++ b/render.pptx
@@ -32,7 +32,8 @@
     <p:sldId id="316" r:id="rId25"/>
     <p:sldId id="280" r:id="rId26"/>
     <p:sldId id="267" r:id="rId27"/>
-    <p:sldId id="294" r:id="rId28"/>
+    <p:sldId id="321" r:id="rId28"/>
+    <p:sldId id="294" r:id="rId29"/>
   </p:sldIdLst>
   <p:sldSz cx="12192000" cy="6858000"/>
   <p:notesSz cx="6858000" cy="9144000"/>
@@ -9670,7 +9671,7 @@
           </a:bodyPr>
           <a:lstStyle/>
           <a:p>
-            <a:pPr algn="ctr"/>
+            <a:pPr algn="l"/>
             <a:r>
               <a:rPr lang="en-US" altLang="zh-CN" sz="2800" dirty="0">
                 <a:solidFill>
@@ -9729,7 +9730,27 @@
                   </a:schemeClr>
                 </a:solidFill>
               </a:rPr>
-              <a:t>，终止当前流程</a:t>
+              <a:t>，终止当</a:t>
+            </a:r>
+            <a:r>
+              <a:rPr lang="en-US" altLang="zh-CN" sz="2800" dirty="0">
+                <a:solidFill>
+                  <a:schemeClr val="bg1">
+                    <a:lumMod val="95000"/>
+                  </a:schemeClr>
+                </a:solidFill>
+              </a:rPr>
+              <a:t>		     </a:t>
+            </a:r>
+            <a:r>
+              <a:rPr lang="zh-CN" altLang="en-US" sz="2800" dirty="0">
+                <a:solidFill>
+                  <a:schemeClr val="bg1">
+                    <a:lumMod val="95000"/>
+                  </a:schemeClr>
+                </a:solidFill>
+              </a:rPr>
+              <a:t>前流程</a:t>
             </a:r>
             <a:endParaRPr lang="zh-CN" altLang="en-US" sz="2800" dirty="0">
               <a:solidFill>
@@ -10830,7 +10851,7 @@
                   </a:schemeClr>
                 </a:solidFill>
               </a:rPr>
-              <a:t>	2.5 </a:t>
+              <a:t>	   2.5 </a:t>
             </a:r>
             <a:r>
               <a:rPr lang="zh-CN" altLang="en-US" sz="2800" dirty="0">
@@ -10881,7 +10902,7 @@
         <p:spPr>
           <a:xfrm>
             <a:off x="0" y="2536851"/>
-            <a:ext cx="12192000" cy="523220"/>
+            <a:ext cx="12192000" cy="521970"/>
           </a:xfrm>
           <a:prstGeom prst="rect">
             <a:avLst/>
@@ -10903,7 +10924,7 @@
                   </a:schemeClr>
                 </a:solidFill>
               </a:rPr>
-              <a:t>3.</a:t>
+              <a:t>    3.</a:t>
             </a:r>
             <a:r>
               <a:rPr lang="zh-CN" altLang="en-US" sz="2800" dirty="0">
@@ -10954,7 +10975,7 @@
         <p:spPr>
           <a:xfrm>
             <a:off x="0" y="3353122"/>
-            <a:ext cx="12192000" cy="523220"/>
+            <a:ext cx="12192000" cy="521970"/>
           </a:xfrm>
           <a:prstGeom prst="rect">
             <a:avLst/>
@@ -10976,7 +10997,7 @@
                   </a:schemeClr>
                 </a:solidFill>
               </a:rPr>
-              <a:t>4. </a:t>
+              <a:t>    4. </a:t>
             </a:r>
             <a:r>
               <a:rPr lang="zh-CN" altLang="en-US" sz="2800" dirty="0">
@@ -11027,7 +11048,7 @@
         <p:spPr>
           <a:xfrm>
             <a:off x="0" y="4134563"/>
-            <a:ext cx="12192000" cy="523220"/>
+            <a:ext cx="12192000" cy="521970"/>
           </a:xfrm>
           <a:prstGeom prst="rect">
             <a:avLst/>
@@ -11049,7 +11070,7 @@
                   </a:schemeClr>
                 </a:solidFill>
               </a:rPr>
-              <a:t>5. </a:t>
+              <a:t>    5. </a:t>
             </a:r>
             <a:r>
               <a:rPr lang="zh-CN" altLang="en-US" sz="2800" dirty="0">
@@ -11090,7 +11111,7 @@
         <p:spPr>
           <a:xfrm>
             <a:off x="-176" y="4870371"/>
-            <a:ext cx="12192000" cy="523220"/>
+            <a:ext cx="12192000" cy="521970"/>
           </a:xfrm>
           <a:prstGeom prst="rect">
             <a:avLst/>
@@ -11112,7 +11133,7 @@
                   </a:schemeClr>
                 </a:solidFill>
               </a:rPr>
-              <a:t>6.</a:t>
+              <a:t>    6.</a:t>
             </a:r>
             <a:r>
               <a:rPr lang="zh-CN" altLang="en-US" sz="2800" dirty="0">
@@ -19986,7 +20007,7 @@
           </p:nvPr>
         </p:nvGraphicFramePr>
         <p:xfrm>
-          <a:off x="8502015" y="2724150"/>
+          <a:off x="8584565" y="4008755"/>
           <a:ext cx="1932940" cy="979170"/>
         </p:xfrm>
         <a:graphic>
@@ -20025,7 +20046,7 @@
                       </a:pPr>
                       <a:r>
                         <a:rPr lang="en-US" altLang="zh-CN"/>
-                        <a:t>0</a:t>
+                        <a:t>1</a:t>
                       </a:r>
                       <a:endParaRPr lang="en-US" altLang="zh-CN"/>
                     </a:p>
@@ -20059,7 +20080,7 @@
                       </a:pPr>
                       <a:r>
                         <a:rPr lang="en-US" altLang="zh-CN"/>
-                        <a:t>a</a:t>
+                        <a:t>aa</a:t>
                       </a:r>
                       <a:endParaRPr lang="en-US" altLang="zh-CN"/>
                     </a:p>
@@ -20169,6 +20190,173 @@
                   <a:lumMod val="95000"/>
                 </a:schemeClr>
               </a:solidFill>
+            </a:endParaRPr>
+          </a:p>
+        </p:txBody>
+      </p:sp>
+      <p:graphicFrame>
+        <p:nvGraphicFramePr>
+          <p:cNvPr id="3" name="表格 2"/>
+          <p:cNvGraphicFramePr/>
+          <p:nvPr>
+            <p:custDataLst>
+              <p:tags r:id="rId4"/>
+            </p:custDataLst>
+          </p:nvPr>
+        </p:nvGraphicFramePr>
+        <p:xfrm>
+          <a:off x="8584565" y="1449070"/>
+          <a:ext cx="1932940" cy="979170"/>
+        </p:xfrm>
+        <a:graphic>
+          <a:graphicData uri="http://schemas.openxmlformats.org/drawingml/2006/table">
+            <a:tbl>
+              <a:tblPr firstRow="1" bandRow="1">
+                <a:tableStyleId>{5C22544A-7EE6-4342-B048-85BDC9FD1C3A}</a:tableStyleId>
+              </a:tblPr>
+              <a:tblGrid>
+                <a:gridCol w="966470"/>
+                <a:gridCol w="966470"/>
+              </a:tblGrid>
+              <a:tr h="489585">
+                <a:tc>
+                  <a:txBody>
+                    <a:bodyPr/>
+                    <a:p>
+                      <a:pPr algn="ctr">
+                        <a:buNone/>
+                      </a:pPr>
+                      <a:r>
+                        <a:rPr lang="en-US" altLang="zh-CN"/>
+                        <a:t>0</a:t>
+                      </a:r>
+                      <a:endParaRPr lang="en-US" altLang="zh-CN"/>
+                    </a:p>
+                  </a:txBody>
+                  <a:tcPr/>
+                </a:tc>
+                <a:tc>
+                  <a:txBody>
+                    <a:bodyPr/>
+                    <a:p>
+                      <a:pPr algn="ctr">
+                        <a:buNone/>
+                      </a:pPr>
+                      <a:r>
+                        <a:rPr lang="en-US" altLang="zh-CN"/>
+                        <a:t>1</a:t>
+                      </a:r>
+                      <a:endParaRPr lang="en-US" altLang="zh-CN"/>
+                    </a:p>
+                  </a:txBody>
+                  <a:tcPr/>
+                </a:tc>
+              </a:tr>
+              <a:tr h="489585">
+                <a:tc>
+                  <a:txBody>
+                    <a:bodyPr/>
+                    <a:p>
+                      <a:pPr algn="ctr">
+                        <a:buNone/>
+                      </a:pPr>
+                      <a:r>
+                        <a:rPr lang="en-US" altLang="zh-CN"/>
+                        <a:t>0</a:t>
+                      </a:r>
+                      <a:endParaRPr lang="en-US" altLang="zh-CN"/>
+                    </a:p>
+                  </a:txBody>
+                  <a:tcPr/>
+                </a:tc>
+                <a:tc>
+                  <a:txBody>
+                    <a:bodyPr/>
+                    <a:p>
+                      <a:pPr algn="ctr">
+                        <a:buNone/>
+                      </a:pPr>
+                      <a:r>
+                        <a:rPr lang="en-US" altLang="zh-CN"/>
+                        <a:t>a</a:t>
+                      </a:r>
+                      <a:endParaRPr lang="en-US" altLang="zh-CN"/>
+                    </a:p>
+                  </a:txBody>
+                  <a:tcPr/>
+                </a:tc>
+              </a:tr>
+            </a:tbl>
+          </a:graphicData>
+        </a:graphic>
+      </p:graphicFrame>
+      <p:sp>
+        <p:nvSpPr>
+          <p:cNvPr id="4" name="下箭头 3"/>
+          <p:cNvSpPr/>
+          <p:nvPr/>
+        </p:nvSpPr>
+        <p:spPr>
+          <a:xfrm>
+            <a:off x="9314180" y="2576195"/>
+            <a:ext cx="473710" cy="1275080"/>
+          </a:xfrm>
+          <a:prstGeom prst="downArrow">
+            <a:avLst/>
+          </a:prstGeom>
+          <a:solidFill>
+            <a:schemeClr val="accent1">
+              <a:lumMod val="60000"/>
+              <a:lumOff val="40000"/>
+            </a:schemeClr>
+          </a:solidFill>
+          <a:ln>
+            <a:headEnd type="none" w="med" len="med"/>
+            <a:tailEnd type="none" w="med" len="med"/>
+          </a:ln>
+        </p:spPr>
+        <p:style>
+          <a:lnRef idx="2">
+            <a:schemeClr val="accent3"/>
+          </a:lnRef>
+          <a:fillRef idx="1">
+            <a:schemeClr val="lt1"/>
+          </a:fillRef>
+          <a:effectRef idx="0">
+            <a:schemeClr val="accent3"/>
+          </a:effectRef>
+          <a:fontRef idx="minor">
+            <a:schemeClr val="dk1"/>
+          </a:fontRef>
+        </p:style>
+        <p:txBody>
+          <a:bodyPr vert="horz" wrap="square" lIns="91440" tIns="45720" rIns="91440" bIns="45720" numCol="1" anchor="t" anchorCtr="0" compatLnSpc="1"/>
+          <a:p>
+            <a:pPr marL="0" marR="0" indent="0" algn="l" defTabSz="914400" rtl="0" eaLnBrk="0" fontAlgn="base" latinLnBrk="0" hangingPunct="0">
+              <a:lnSpc>
+                <a:spcPct val="100000"/>
+              </a:lnSpc>
+              <a:spcBef>
+                <a:spcPct val="0"/>
+              </a:spcBef>
+              <a:spcAft>
+                <a:spcPct val="0"/>
+              </a:spcAft>
+              <a:buClrTx/>
+              <a:buSzTx/>
+              <a:buFont typeface="Arial" panose="020B0604020202020204" pitchFamily="34" charset="0"/>
+              <a:buNone/>
+            </a:pPr>
+            <a:endParaRPr kumimoji="0" lang="zh-CN" altLang="zh-CN" sz="1800" b="0" i="0" u="none" strike="noStrike" cap="none" normalizeH="0" baseline="0" smtClean="0">
+              <a:ln>
+                <a:noFill/>
+              </a:ln>
+              <a:solidFill>
+                <a:schemeClr val="tx1"/>
+              </a:solidFill>
+              <a:effectLst/>
+              <a:latin typeface="Calibri" panose="020F0502020204030204" pitchFamily="34" charset="0"/>
+              <a:ea typeface="宋体" panose="02010600030101010101" pitchFamily="2" charset="-122"/>
             </a:endParaRPr>
           </a:p>
         </p:txBody>
@@ -20409,6 +20597,59 @@
                       </p:childTnLst>
                     </p:cTn>
                   </p:par>
+                  <p:par>
+                    <p:cTn id="20" fill="hold">
+                      <p:stCondLst>
+                        <p:cond delay="indefinite"/>
+                      </p:stCondLst>
+                      <p:childTnLst>
+                        <p:par>
+                          <p:cTn id="21" fill="hold">
+                            <p:stCondLst>
+                              <p:cond delay="0"/>
+                            </p:stCondLst>
+                            <p:childTnLst>
+                              <p:par>
+                                <p:cTn id="22" presetID="3" presetClass="entr" presetSubtype="10" fill="hold" nodeType="clickEffect">
+                                  <p:stCondLst>
+                                    <p:cond delay="0"/>
+                                  </p:stCondLst>
+                                  <p:childTnLst>
+                                    <p:set>
+                                      <p:cBhvr>
+                                        <p:cTn id="23" dur="1" fill="hold">
+                                          <p:stCondLst>
+                                            <p:cond delay="0"/>
+                                          </p:stCondLst>
+                                        </p:cTn>
+                                        <p:tgtEl>
+                                          <p:spTgt spid="3"/>
+                                        </p:tgtEl>
+                                        <p:attrNameLst>
+                                          <p:attrName>style.visibility</p:attrName>
+                                        </p:attrNameLst>
+                                      </p:cBhvr>
+                                      <p:to>
+                                        <p:strVal val="visible"/>
+                                      </p:to>
+                                    </p:set>
+                                    <p:animEffect transition="in" filter="blinds(horizontal)">
+                                      <p:cBhvr>
+                                        <p:cTn id="24" dur="500"/>
+                                        <p:tgtEl>
+                                          <p:spTgt spid="3"/>
+                                        </p:tgtEl>
+                                      </p:cBhvr>
+                                    </p:animEffect>
+                                  </p:childTnLst>
+                                </p:cTn>
+                              </p:par>
+                            </p:childTnLst>
+                          </p:cTn>
+                        </p:par>
+                      </p:childTnLst>
+                    </p:cTn>
+                  </p:par>
                 </p:childTnLst>
               </p:cTn>
               <p:prevCondLst>
@@ -20529,19 +20770,43 @@
           </a:p>
         </p:txBody>
       </p:sp>
+      <p:pic>
+        <p:nvPicPr>
+          <p:cNvPr id="4" name="图片 3"/>
+          <p:cNvPicPr>
+            <a:picLocks noChangeAspect="1"/>
+          </p:cNvPicPr>
+          <p:nvPr/>
+        </p:nvPicPr>
+        <p:blipFill>
+          <a:blip r:embed="rId2"/>
+          <a:stretch>
+            <a:fillRect/>
+          </a:stretch>
+        </p:blipFill>
+        <p:spPr>
+          <a:xfrm>
+            <a:off x="274320" y="758190"/>
+            <a:ext cx="6406515" cy="5341620"/>
+          </a:xfrm>
+          <a:prstGeom prst="rect">
+            <a:avLst/>
+          </a:prstGeom>
+        </p:spPr>
+      </p:pic>
       <p:graphicFrame>
         <p:nvGraphicFramePr>
-          <p:cNvPr id="3" name="表格 2"/>
+          <p:cNvPr id="5" name="表格 4"/>
           <p:cNvGraphicFramePr/>
           <p:nvPr>
             <p:custDataLst>
-              <p:tags r:id="rId2"/>
+              <p:tags r:id="rId3"/>
             </p:custDataLst>
           </p:nvPr>
         </p:nvGraphicFramePr>
         <p:xfrm>
-          <a:off x="7246620" y="2474595"/>
-          <a:ext cx="3288030" cy="1234440"/>
+          <a:off x="7383780" y="1254125"/>
+          <a:ext cx="3943350" cy="800100"/>
         </p:xfrm>
         <a:graphic>
           <a:graphicData uri="http://schemas.openxmlformats.org/drawingml/2006/table">
@@ -20550,10 +20815,11 @@
                 <a:tableStyleId>{5C22544A-7EE6-4342-B048-85BDC9FD1C3A}</a:tableStyleId>
               </a:tblPr>
               <a:tblGrid>
-                <a:gridCol w="1644015"/>
-                <a:gridCol w="1644015"/>
+                <a:gridCol w="1314450"/>
+                <a:gridCol w="1314450"/>
+                <a:gridCol w="1314450"/>
               </a:tblGrid>
-              <a:tr h="411480">
+              <a:tr h="400050">
                 <a:tc>
                   <a:txBody>
                     <a:bodyPr/>
@@ -20568,8 +20834,42 @@
                       <a:endParaRPr lang="en-US" altLang="zh-CN"/>
                     </a:p>
                   </a:txBody>
-                  <a:tcPr anchor="ctr" anchorCtr="0"/>
+                  <a:tcPr/>
                 </a:tc>
+                <a:tc>
+                  <a:txBody>
+                    <a:bodyPr/>
+                    <a:p>
+                      <a:pPr algn="ctr">
+                        <a:buNone/>
+                      </a:pPr>
+                      <a:r>
+                        <a:rPr lang="en-US" altLang="zh-CN"/>
+                        <a:t>1</a:t>
+                      </a:r>
+                      <a:endParaRPr lang="en-US" altLang="zh-CN"/>
+                    </a:p>
+                  </a:txBody>
+                  <a:tcPr/>
+                </a:tc>
+                <a:tc>
+                  <a:txBody>
+                    <a:bodyPr/>
+                    <a:p>
+                      <a:pPr algn="ctr">
+                        <a:buNone/>
+                      </a:pPr>
+                      <a:r>
+                        <a:rPr lang="en-US" altLang="zh-CN"/>
+                        <a:t>2</a:t>
+                      </a:r>
+                      <a:endParaRPr lang="en-US" altLang="zh-CN"/>
+                    </a:p>
+                  </a:txBody>
+                  <a:tcPr/>
+                </a:tc>
+              </a:tr>
+              <a:tr h="400050">
                 <a:tc>
                   <a:txBody>
                     <a:bodyPr/>
@@ -20584,25 +20884,7 @@
                       <a:endParaRPr lang="en-US" altLang="zh-CN"/>
                     </a:p>
                   </a:txBody>
-                  <a:tcPr anchor="ctr" anchorCtr="0"/>
-                </a:tc>
-              </a:tr>
-              <a:tr h="411480">
-                <a:tc>
-                  <a:txBody>
-                    <a:bodyPr/>
-                    <a:p>
-                      <a:pPr algn="ctr">
-                        <a:buNone/>
-                      </a:pPr>
-                      <a:r>
-                        <a:rPr lang="en-US" altLang="zh-CN"/>
-                        <a:t>1</a:t>
-                      </a:r>
-                      <a:endParaRPr lang="en-US" altLang="zh-CN"/>
-                    </a:p>
-                  </a:txBody>
-                  <a:tcPr anchor="ctr" anchorCtr="0"/>
+                  <a:tcPr/>
                 </a:tc>
                 <a:tc>
                   <a:txBody>
@@ -20618,25 +20900,7 @@
                       <a:endParaRPr lang="en-US" altLang="zh-CN"/>
                     </a:p>
                   </a:txBody>
-                  <a:tcPr anchor="ctr" anchorCtr="0"/>
-                </a:tc>
-              </a:tr>
-              <a:tr h="411480">
-                <a:tc>
-                  <a:txBody>
-                    <a:bodyPr/>
-                    <a:p>
-                      <a:pPr algn="ctr">
-                        <a:buNone/>
-                      </a:pPr>
-                      <a:r>
-                        <a:rPr lang="en-US" altLang="zh-CN"/>
-                        <a:t>2</a:t>
-                      </a:r>
-                      <a:endParaRPr lang="en-US" altLang="zh-CN"/>
-                    </a:p>
-                  </a:txBody>
-                  <a:tcPr anchor="ctr" anchorCtr="0"/>
+                  <a:tcPr/>
                 </a:tc>
                 <a:tc>
                   <a:txBody>
@@ -20652,37 +20916,213 @@
                       <a:endParaRPr lang="en-US" altLang="zh-CN"/>
                     </a:p>
                   </a:txBody>
-                  <a:tcPr anchor="ctr" anchorCtr="0"/>
+                  <a:tcPr/>
                 </a:tc>
               </a:tr>
             </a:tbl>
           </a:graphicData>
         </a:graphic>
       </p:graphicFrame>
-      <p:pic>
-        <p:nvPicPr>
-          <p:cNvPr id="4" name="图片 3"/>
-          <p:cNvPicPr>
-            <a:picLocks noChangeAspect="1"/>
-          </p:cNvPicPr>
+      <p:graphicFrame>
+        <p:nvGraphicFramePr>
+          <p:cNvPr id="6" name="表格 5"/>
+          <p:cNvGraphicFramePr/>
+          <p:nvPr>
+            <p:custDataLst>
+              <p:tags r:id="rId4"/>
+            </p:custDataLst>
+          </p:nvPr>
+        </p:nvGraphicFramePr>
+        <p:xfrm>
+          <a:off x="7383780" y="4413885"/>
+          <a:ext cx="3943350" cy="800100"/>
+        </p:xfrm>
+        <a:graphic>
+          <a:graphicData uri="http://schemas.openxmlformats.org/drawingml/2006/table">
+            <a:tbl>
+              <a:tblPr firstRow="1" bandRow="1">
+                <a:tableStyleId>{5C22544A-7EE6-4342-B048-85BDC9FD1C3A}</a:tableStyleId>
+              </a:tblPr>
+              <a:tblGrid>
+                <a:gridCol w="1314450"/>
+                <a:gridCol w="1314450"/>
+                <a:gridCol w="1314450"/>
+              </a:tblGrid>
+              <a:tr h="400050">
+                <a:tc>
+                  <a:txBody>
+                    <a:bodyPr/>
+                    <a:p>
+                      <a:pPr algn="ctr">
+                        <a:buNone/>
+                      </a:pPr>
+                      <a:r>
+                        <a:rPr lang="en-US" altLang="zh-CN"/>
+                        <a:t>0</a:t>
+                      </a:r>
+                      <a:endParaRPr lang="en-US" altLang="zh-CN"/>
+                    </a:p>
+                  </a:txBody>
+                  <a:tcPr/>
+                </a:tc>
+                <a:tc>
+                  <a:txBody>
+                    <a:bodyPr/>
+                    <a:p>
+                      <a:pPr algn="ctr">
+                        <a:buNone/>
+                      </a:pPr>
+                      <a:r>
+                        <a:rPr lang="en-US" altLang="zh-CN"/>
+                        <a:t>1</a:t>
+                      </a:r>
+                      <a:endParaRPr lang="en-US" altLang="zh-CN"/>
+                    </a:p>
+                  </a:txBody>
+                  <a:tcPr/>
+                </a:tc>
+                <a:tc>
+                  <a:txBody>
+                    <a:bodyPr/>
+                    <a:p>
+                      <a:pPr algn="ctr">
+                        <a:buNone/>
+                      </a:pPr>
+                      <a:r>
+                        <a:rPr lang="en-US" altLang="zh-CN"/>
+                        <a:t>2</a:t>
+                      </a:r>
+                      <a:endParaRPr lang="en-US" altLang="zh-CN"/>
+                    </a:p>
+                  </a:txBody>
+                  <a:tcPr/>
+                </a:tc>
+              </a:tr>
+              <a:tr h="400050">
+                <a:tc>
+                  <a:txBody>
+                    <a:bodyPr/>
+                    <a:p>
+                      <a:pPr algn="ctr">
+                        <a:buNone/>
+                      </a:pPr>
+                      <a:r>
+                        <a:rPr lang="en-US" altLang="zh-CN"/>
+                        <a:t>false</a:t>
+                      </a:r>
+                      <a:endParaRPr lang="en-US" altLang="zh-CN"/>
+                    </a:p>
+                  </a:txBody>
+                  <a:tcPr/>
+                </a:tc>
+                <a:tc>
+                  <a:txBody>
+                    <a:bodyPr/>
+                    <a:p>
+                      <a:pPr algn="ctr">
+                        <a:buNone/>
+                      </a:pPr>
+                      <a:r>
+                        <a:rPr lang="en-US" altLang="zh-CN"/>
+                        <a:t>aa</a:t>
+                      </a:r>
+                      <a:endParaRPr lang="en-US" altLang="zh-CN"/>
+                    </a:p>
+                  </a:txBody>
+                  <a:tcPr/>
+                </a:tc>
+                <a:tc>
+                  <a:txBody>
+                    <a:bodyPr/>
+                    <a:p>
+                      <a:pPr algn="ctr">
+                        <a:buNone/>
+                      </a:pPr>
+                      <a:r>
+                        <a:rPr lang="en-US" altLang="zh-CN"/>
+                        <a:t>bb</a:t>
+                      </a:r>
+                      <a:endParaRPr lang="en-US" altLang="zh-CN"/>
+                    </a:p>
+                  </a:txBody>
+                  <a:tcPr/>
+                </a:tc>
+              </a:tr>
+            </a:tbl>
+          </a:graphicData>
+        </a:graphic>
+      </p:graphicFrame>
+      <p:sp>
+        <p:nvSpPr>
+          <p:cNvPr id="8" name="下箭头 7"/>
+          <p:cNvSpPr/>
           <p:nvPr/>
-        </p:nvPicPr>
-        <p:blipFill>
-          <a:blip r:embed="rId3"/>
-          <a:stretch>
-            <a:fillRect/>
-          </a:stretch>
-        </p:blipFill>
+        </p:nvSpPr>
         <p:spPr>
           <a:xfrm>
-            <a:off x="274320" y="758190"/>
-            <a:ext cx="6406515" cy="5341620"/>
+            <a:off x="9118600" y="2295525"/>
+            <a:ext cx="473710" cy="1748155"/>
           </a:xfrm>
-          <a:prstGeom prst="rect">
+          <a:prstGeom prst="downArrow">
             <a:avLst/>
           </a:prstGeom>
+          <a:solidFill>
+            <a:schemeClr val="accent1">
+              <a:lumMod val="60000"/>
+              <a:lumOff val="40000"/>
+            </a:schemeClr>
+          </a:solidFill>
+          <a:ln>
+            <a:headEnd type="none" w="med" len="med"/>
+            <a:tailEnd type="none" w="med" len="med"/>
+          </a:ln>
         </p:spPr>
-      </p:pic>
+        <p:style>
+          <a:lnRef idx="2">
+            <a:schemeClr val="accent3"/>
+          </a:lnRef>
+          <a:fillRef idx="1">
+            <a:schemeClr val="lt1"/>
+          </a:fillRef>
+          <a:effectRef idx="0">
+            <a:schemeClr val="accent3"/>
+          </a:effectRef>
+          <a:fontRef idx="minor">
+            <a:schemeClr val="dk1"/>
+          </a:fontRef>
+        </p:style>
+        <p:txBody>
+          <a:bodyPr vert="horz" wrap="square" lIns="91440" tIns="45720" rIns="91440" bIns="45720" numCol="1" anchor="t" anchorCtr="0" compatLnSpc="1"/>
+          <a:p>
+            <a:pPr marL="0" marR="0" indent="0" algn="l" defTabSz="914400" rtl="0" eaLnBrk="0" fontAlgn="base" latinLnBrk="0" hangingPunct="0">
+              <a:lnSpc>
+                <a:spcPct val="100000"/>
+              </a:lnSpc>
+              <a:spcBef>
+                <a:spcPct val="0"/>
+              </a:spcBef>
+              <a:spcAft>
+                <a:spcPct val="0"/>
+              </a:spcAft>
+              <a:buClrTx/>
+              <a:buSzTx/>
+              <a:buFont typeface="Arial" panose="020B0604020202020204" pitchFamily="34" charset="0"/>
+              <a:buNone/>
+            </a:pPr>
+            <a:endParaRPr kumimoji="0" lang="zh-CN" altLang="zh-CN" sz="1800" b="0" i="0" u="none" strike="noStrike" cap="none" normalizeH="0" baseline="0" smtClean="0">
+              <a:ln>
+                <a:noFill/>
+              </a:ln>
+              <a:solidFill>
+                <a:schemeClr val="tx1"/>
+              </a:solidFill>
+              <a:effectLst/>
+              <a:latin typeface="Calibri" panose="020F0502020204030204" pitchFamily="34" charset="0"/>
+              <a:ea typeface="宋体" panose="02010600030101010101" pitchFamily="2" charset="-122"/>
+            </a:endParaRPr>
+          </a:p>
+        </p:txBody>
+      </p:sp>
     </p:spTree>
   </p:cSld>
   <p:clrMapOvr>
@@ -20694,83 +21134,7 @@
   <p:timing>
     <p:tnLst>
       <p:par>
-        <p:cTn id="1" dur="indefinite" restart="never" nodeType="tmRoot">
-          <p:childTnLst>
-            <p:seq concurrent="1" nextAc="seek">
-              <p:cTn id="2" dur="indefinite" nodeType="mainSeq">
-                <p:childTnLst>
-                  <p:par>
-                    <p:cTn id="3" fill="hold">
-                      <p:stCondLst>
-                        <p:cond delay="indefinite"/>
-                      </p:stCondLst>
-                      <p:childTnLst>
-                        <p:par>
-                          <p:cTn id="4" fill="hold">
-                            <p:stCondLst>
-                              <p:cond delay="0"/>
-                            </p:stCondLst>
-                            <p:childTnLst>
-                              <p:par>
-                                <p:cTn id="5" presetID="3" presetClass="entr" presetSubtype="10" fill="hold" nodeType="clickEffect">
-                                  <p:stCondLst>
-                                    <p:cond delay="0"/>
-                                  </p:stCondLst>
-                                  <p:childTnLst>
-                                    <p:set>
-                                      <p:cBhvr>
-                                        <p:cTn id="6" dur="1" fill="hold">
-                                          <p:stCondLst>
-                                            <p:cond delay="0"/>
-                                          </p:stCondLst>
-                                        </p:cTn>
-                                        <p:tgtEl>
-                                          <p:spTgt spid="3"/>
-                                        </p:tgtEl>
-                                        <p:attrNameLst>
-                                          <p:attrName>style.visibility</p:attrName>
-                                        </p:attrNameLst>
-                                      </p:cBhvr>
-                                      <p:to>
-                                        <p:strVal val="visible"/>
-                                      </p:to>
-                                    </p:set>
-                                    <p:animEffect transition="in" filter="blinds(horizontal)">
-                                      <p:cBhvr>
-                                        <p:cTn id="7" dur="500"/>
-                                        <p:tgtEl>
-                                          <p:spTgt spid="3"/>
-                                        </p:tgtEl>
-                                      </p:cBhvr>
-                                    </p:animEffect>
-                                  </p:childTnLst>
-                                </p:cTn>
-                              </p:par>
-                            </p:childTnLst>
-                          </p:cTn>
-                        </p:par>
-                      </p:childTnLst>
-                    </p:cTn>
-                  </p:par>
-                </p:childTnLst>
-              </p:cTn>
-              <p:prevCondLst>
-                <p:cond evt="onPrev" delay="0">
-                  <p:tgtEl>
-                    <p:sldTgt/>
-                  </p:tgtEl>
-                </p:cond>
-              </p:prevCondLst>
-              <p:nextCondLst>
-                <p:cond evt="onNext" delay="0">
-                  <p:tgtEl>
-                    <p:sldTgt/>
-                  </p:tgtEl>
-                </p:cond>
-              </p:nextCondLst>
-            </p:seq>
-          </p:childTnLst>
-        </p:cTn>
+        <p:cTn id="1" dur="indefinite" restart="never" nodeType="tmRoot"/>
       </p:par>
     </p:tnLst>
   </p:timing>
@@ -20778,6 +21142,1529 @@
 </file>
 
 <file path=ppt/slides/slide25.xml><?xml version="1.0" encoding="utf-8"?>
+<p:sld xmlns:a="http://schemas.openxmlformats.org/drawingml/2006/main" xmlns:r="http://schemas.openxmlformats.org/officeDocument/2006/relationships" xmlns:p="http://schemas.openxmlformats.org/presentationml/2006/main">
+  <p:cSld>
+    <p:spTree>
+      <p:nvGrpSpPr>
+        <p:cNvPr id="1" name=""/>
+        <p:cNvGrpSpPr/>
+        <p:nvPr/>
+      </p:nvGrpSpPr>
+      <p:grpSpPr>
+        <a:xfrm>
+          <a:off x="0" y="0"/>
+          <a:ext cx="0" cy="0"/>
+          <a:chOff x="0" y="0"/>
+          <a:chExt cx="0" cy="0"/>
+        </a:xfrm>
+      </p:grpSpPr>
+      <p:pic>
+        <p:nvPicPr>
+          <p:cNvPr id="24578" name="图片 1"/>
+          <p:cNvPicPr>
+            <a:picLocks noChangeAspect="1" noChangeArrowheads="1"/>
+          </p:cNvPicPr>
+          <p:nvPr/>
+        </p:nvPicPr>
+        <p:blipFill>
+          <a:blip r:embed="rId1" cstate="email"/>
+          <a:srcRect/>
+          <a:stretch>
+            <a:fillRect/>
+          </a:stretch>
+        </p:blipFill>
+        <p:spPr bwMode="auto">
+          <a:xfrm>
+            <a:off x="0" y="-12700"/>
+            <a:ext cx="12192000" cy="6883400"/>
+          </a:xfrm>
+          <a:prstGeom prst="rect">
+            <a:avLst/>
+          </a:prstGeom>
+          <a:noFill/>
+          <a:ln w="9525">
+            <a:noFill/>
+            <a:miter lim="800000"/>
+            <a:headEnd/>
+            <a:tailEnd/>
+          </a:ln>
+        </p:spPr>
+      </p:pic>
+      <p:sp>
+        <p:nvSpPr>
+          <p:cNvPr id="80" name="矩形 79"/>
+          <p:cNvSpPr/>
+          <p:nvPr/>
+        </p:nvSpPr>
+        <p:spPr>
+          <a:xfrm>
+            <a:off x="9523095" y="357505"/>
+            <a:ext cx="2513330" cy="6513195"/>
+          </a:xfrm>
+          <a:prstGeom prst="rect">
+            <a:avLst/>
+          </a:prstGeom>
+          <a:solidFill>
+            <a:schemeClr val="bg2">
+              <a:alpha val="50000"/>
+            </a:schemeClr>
+          </a:solidFill>
+          <a:ln>
+            <a:noFill/>
+          </a:ln>
+        </p:spPr>
+        <p:style>
+          <a:lnRef idx="2">
+            <a:schemeClr val="accent1">
+              <a:shade val="50000"/>
+            </a:schemeClr>
+          </a:lnRef>
+          <a:fillRef idx="1">
+            <a:schemeClr val="accent1"/>
+          </a:fillRef>
+          <a:effectRef idx="0">
+            <a:schemeClr val="accent1"/>
+          </a:effectRef>
+          <a:fontRef idx="minor">
+            <a:schemeClr val="lt1"/>
+          </a:fontRef>
+        </p:style>
+        <p:txBody>
+          <a:bodyPr rtlCol="0" anchor="ctr"/>
+          <a:p>
+            <a:pPr algn="ctr"/>
+            <a:endParaRPr lang="zh-CN" altLang="en-US"/>
+          </a:p>
+        </p:txBody>
+      </p:sp>
+      <p:sp>
+        <p:nvSpPr>
+          <p:cNvPr id="76" name="矩形 75"/>
+          <p:cNvSpPr/>
+          <p:nvPr/>
+        </p:nvSpPr>
+        <p:spPr>
+          <a:xfrm>
+            <a:off x="4601845" y="357505"/>
+            <a:ext cx="4818380" cy="6513195"/>
+          </a:xfrm>
+          <a:prstGeom prst="rect">
+            <a:avLst/>
+          </a:prstGeom>
+          <a:solidFill>
+            <a:schemeClr val="bg2">
+              <a:alpha val="50000"/>
+            </a:schemeClr>
+          </a:solidFill>
+          <a:ln>
+            <a:noFill/>
+          </a:ln>
+        </p:spPr>
+        <p:style>
+          <a:lnRef idx="2">
+            <a:schemeClr val="accent1">
+              <a:shade val="50000"/>
+            </a:schemeClr>
+          </a:lnRef>
+          <a:fillRef idx="1">
+            <a:schemeClr val="accent1"/>
+          </a:fillRef>
+          <a:effectRef idx="0">
+            <a:schemeClr val="accent1"/>
+          </a:effectRef>
+          <a:fontRef idx="minor">
+            <a:schemeClr val="lt1"/>
+          </a:fontRef>
+        </p:style>
+        <p:txBody>
+          <a:bodyPr rtlCol="0" anchor="ctr"/>
+          <a:p>
+            <a:pPr algn="ctr"/>
+            <a:endParaRPr lang="zh-CN" altLang="en-US"/>
+          </a:p>
+        </p:txBody>
+      </p:sp>
+      <p:sp>
+        <p:nvSpPr>
+          <p:cNvPr id="49" name="矩形 48"/>
+          <p:cNvSpPr/>
+          <p:nvPr/>
+        </p:nvSpPr>
+        <p:spPr>
+          <a:xfrm>
+            <a:off x="2190750" y="357505"/>
+            <a:ext cx="2251710" cy="6513195"/>
+          </a:xfrm>
+          <a:prstGeom prst="rect">
+            <a:avLst/>
+          </a:prstGeom>
+          <a:solidFill>
+            <a:schemeClr val="bg2">
+              <a:alpha val="50000"/>
+            </a:schemeClr>
+          </a:solidFill>
+          <a:ln>
+            <a:noFill/>
+          </a:ln>
+        </p:spPr>
+        <p:style>
+          <a:lnRef idx="2">
+            <a:schemeClr val="accent1">
+              <a:shade val="50000"/>
+            </a:schemeClr>
+          </a:lnRef>
+          <a:fillRef idx="1">
+            <a:schemeClr val="accent1"/>
+          </a:fillRef>
+          <a:effectRef idx="0">
+            <a:schemeClr val="accent1"/>
+          </a:effectRef>
+          <a:fontRef idx="minor">
+            <a:schemeClr val="lt1"/>
+          </a:fontRef>
+        </p:style>
+        <p:txBody>
+          <a:bodyPr rtlCol="0" anchor="ctr"/>
+          <a:p>
+            <a:pPr algn="ctr"/>
+            <a:endParaRPr lang="zh-CN" altLang="en-US"/>
+          </a:p>
+        </p:txBody>
+      </p:sp>
+      <p:sp>
+        <p:nvSpPr>
+          <p:cNvPr id="32" name="矩形 31"/>
+          <p:cNvSpPr/>
+          <p:nvPr/>
+        </p:nvSpPr>
+        <p:spPr>
+          <a:xfrm>
+            <a:off x="116205" y="357505"/>
+            <a:ext cx="1885315" cy="6513830"/>
+          </a:xfrm>
+          <a:prstGeom prst="rect">
+            <a:avLst/>
+          </a:prstGeom>
+          <a:solidFill>
+            <a:schemeClr val="bg2">
+              <a:alpha val="50000"/>
+            </a:schemeClr>
+          </a:solidFill>
+          <a:ln>
+            <a:noFill/>
+          </a:ln>
+        </p:spPr>
+        <p:style>
+          <a:lnRef idx="2">
+            <a:schemeClr val="accent1">
+              <a:shade val="50000"/>
+            </a:schemeClr>
+          </a:lnRef>
+          <a:fillRef idx="1">
+            <a:schemeClr val="accent1"/>
+          </a:fillRef>
+          <a:effectRef idx="0">
+            <a:schemeClr val="accent1"/>
+          </a:effectRef>
+          <a:fontRef idx="minor">
+            <a:schemeClr val="lt1"/>
+          </a:fontRef>
+        </p:style>
+        <p:txBody>
+          <a:bodyPr rtlCol="0" anchor="ctr"/>
+          <a:p>
+            <a:pPr algn="ctr"/>
+            <a:endParaRPr lang="zh-CN" altLang="en-US"/>
+          </a:p>
+        </p:txBody>
+      </p:sp>
+      <p:sp>
+        <p:nvSpPr>
+          <p:cNvPr id="2" name="矩形: 圆角 4"/>
+          <p:cNvSpPr/>
+          <p:nvPr/>
+        </p:nvSpPr>
+        <p:spPr>
+          <a:xfrm>
+            <a:off x="197747" y="1290596"/>
+            <a:ext cx="1735568" cy="952106"/>
+          </a:xfrm>
+          <a:prstGeom prst="roundRect">
+            <a:avLst/>
+          </a:prstGeom>
+        </p:spPr>
+        <p:style>
+          <a:lnRef idx="2">
+            <a:schemeClr val="accent1">
+              <a:shade val="50000"/>
+            </a:schemeClr>
+          </a:lnRef>
+          <a:fillRef idx="1">
+            <a:schemeClr val="accent1"/>
+          </a:fillRef>
+          <a:effectRef idx="0">
+            <a:schemeClr val="accent1"/>
+          </a:effectRef>
+          <a:fontRef idx="minor">
+            <a:schemeClr val="lt1"/>
+          </a:fontRef>
+        </p:style>
+        <p:txBody>
+          <a:bodyPr rtlCol="0" anchor="ctr"/>
+          <a:p>
+            <a:pPr algn="ctr"/>
+            <a:r>
+              <a:rPr lang="zh-CN" altLang="en-US" sz="1400">
+                <a:solidFill>
+                  <a:schemeClr val="bg1">
+                    <a:lumMod val="95000"/>
+                  </a:schemeClr>
+                </a:solidFill>
+              </a:rPr>
+              <a:t>初始化阶段</a:t>
+            </a:r>
+            <a:endParaRPr lang="en-US" altLang="zh-CN" sz="1400">
+              <a:solidFill>
+                <a:schemeClr val="bg1">
+                  <a:lumMod val="95000"/>
+                </a:schemeClr>
+              </a:solidFill>
+            </a:endParaRPr>
+          </a:p>
+          <a:p>
+            <a:pPr algn="ctr"/>
+            <a:r>
+              <a:rPr lang="zh-CN" altLang="en-US" sz="1400">
+                <a:solidFill>
+                  <a:schemeClr val="bg1">
+                    <a:lumMod val="95000"/>
+                  </a:schemeClr>
+                </a:solidFill>
+              </a:rPr>
+              <a:t>初始化属性和状态</a:t>
+            </a:r>
+            <a:endParaRPr lang="en-US" altLang="zh-CN" sz="1400">
+              <a:solidFill>
+                <a:schemeClr val="bg1">
+                  <a:lumMod val="75000"/>
+                </a:schemeClr>
+              </a:solidFill>
+            </a:endParaRPr>
+          </a:p>
+          <a:p>
+            <a:pPr algn="ctr"/>
+            <a:r>
+              <a:rPr lang="en-US" altLang="zh-CN" sz="1400">
+                <a:solidFill>
+                  <a:schemeClr val="bg1"/>
+                </a:solidFill>
+              </a:rPr>
+              <a:t>constructor</a:t>
+            </a:r>
+            <a:endParaRPr lang="zh-CN" altLang="en-US" sz="1400">
+              <a:solidFill>
+                <a:schemeClr val="bg1"/>
+              </a:solidFill>
+            </a:endParaRPr>
+          </a:p>
+        </p:txBody>
+      </p:sp>
+      <p:sp>
+        <p:nvSpPr>
+          <p:cNvPr id="3" name="矩形: 圆角 5"/>
+          <p:cNvSpPr/>
+          <p:nvPr/>
+        </p:nvSpPr>
+        <p:spPr>
+          <a:xfrm>
+            <a:off x="2340773" y="1290596"/>
+            <a:ext cx="6860341" cy="952106"/>
+          </a:xfrm>
+          <a:prstGeom prst="roundRect">
+            <a:avLst/>
+          </a:prstGeom>
+        </p:spPr>
+        <p:style>
+          <a:lnRef idx="2">
+            <a:schemeClr val="accent1">
+              <a:shade val="50000"/>
+            </a:schemeClr>
+          </a:lnRef>
+          <a:fillRef idx="1">
+            <a:schemeClr val="accent1"/>
+          </a:fillRef>
+          <a:effectRef idx="0">
+            <a:schemeClr val="accent1"/>
+          </a:effectRef>
+          <a:fontRef idx="minor">
+            <a:schemeClr val="lt1"/>
+          </a:fontRef>
+        </p:style>
+        <p:txBody>
+          <a:bodyPr rtlCol="0" anchor="ctr"/>
+          <a:p>
+            <a:pPr algn="ctr"/>
+            <a:r>
+              <a:rPr lang="zh-CN" altLang="en-US" sz="1400">
+                <a:solidFill>
+                  <a:schemeClr val="bg1">
+                    <a:lumMod val="95000"/>
+                  </a:schemeClr>
+                </a:solidFill>
+              </a:rPr>
+              <a:t>从属性中获取新的状态</a:t>
+            </a:r>
+            <a:endParaRPr lang="en-US" altLang="zh-CN" sz="1400">
+              <a:solidFill>
+                <a:schemeClr val="bg1">
+                  <a:lumMod val="95000"/>
+                </a:schemeClr>
+              </a:solidFill>
+            </a:endParaRPr>
+          </a:p>
+          <a:p>
+            <a:pPr algn="ctr"/>
+            <a:r>
+              <a:rPr lang="en-US" altLang="zh-CN" sz="1400"/>
+              <a:t>static getDerivedStateFromProps</a:t>
+            </a:r>
+            <a:endParaRPr lang="zh-CN" altLang="en-US" sz="1400"/>
+          </a:p>
+        </p:txBody>
+      </p:sp>
+      <p:sp>
+        <p:nvSpPr>
+          <p:cNvPr id="7" name="矩形: 圆角 6"/>
+          <p:cNvSpPr/>
+          <p:nvPr/>
+        </p:nvSpPr>
+        <p:spPr>
+          <a:xfrm>
+            <a:off x="2340772" y="3687356"/>
+            <a:ext cx="6860349" cy="678734"/>
+          </a:xfrm>
+          <a:prstGeom prst="roundRect">
+            <a:avLst/>
+          </a:prstGeom>
+        </p:spPr>
+        <p:style>
+          <a:lnRef idx="2">
+            <a:schemeClr val="accent1">
+              <a:shade val="50000"/>
+            </a:schemeClr>
+          </a:lnRef>
+          <a:fillRef idx="1">
+            <a:schemeClr val="accent1"/>
+          </a:fillRef>
+          <a:effectRef idx="0">
+            <a:schemeClr val="accent1"/>
+          </a:effectRef>
+          <a:fontRef idx="minor">
+            <a:schemeClr val="lt1"/>
+          </a:fontRef>
+        </p:style>
+        <p:txBody>
+          <a:bodyPr rtlCol="0" anchor="ctr"/>
+          <a:p>
+            <a:pPr algn="ctr"/>
+            <a:r>
+              <a:rPr lang="zh-CN" altLang="en-US" sz="1400">
+                <a:solidFill>
+                  <a:schemeClr val="bg1">
+                    <a:lumMod val="95000"/>
+                  </a:schemeClr>
+                </a:solidFill>
+              </a:rPr>
+              <a:t>组件渲染虚拟</a:t>
+            </a:r>
+            <a:r>
+              <a:rPr lang="en-US" altLang="zh-CN" sz="1400">
+                <a:solidFill>
+                  <a:schemeClr val="bg1">
+                    <a:lumMod val="95000"/>
+                  </a:schemeClr>
+                </a:solidFill>
+              </a:rPr>
+              <a:t>DOM</a:t>
+            </a:r>
+            <a:endParaRPr lang="en-US" altLang="zh-CN" sz="1400">
+              <a:solidFill>
+                <a:schemeClr val="bg1">
+                  <a:lumMod val="95000"/>
+                </a:schemeClr>
+              </a:solidFill>
+            </a:endParaRPr>
+          </a:p>
+          <a:p>
+            <a:pPr algn="ctr"/>
+            <a:r>
+              <a:rPr lang="en-US" altLang="zh-CN" sz="1400"/>
+              <a:t>render</a:t>
+            </a:r>
+            <a:endParaRPr lang="zh-CN" altLang="en-US" sz="1400"/>
+          </a:p>
+        </p:txBody>
+      </p:sp>
+      <p:sp>
+        <p:nvSpPr>
+          <p:cNvPr id="9" name="矩形: 圆角 7"/>
+          <p:cNvSpPr/>
+          <p:nvPr/>
+        </p:nvSpPr>
+        <p:spPr>
+          <a:xfrm>
+            <a:off x="2340773" y="4688958"/>
+            <a:ext cx="2004768" cy="952106"/>
+          </a:xfrm>
+          <a:prstGeom prst="roundRect">
+            <a:avLst/>
+          </a:prstGeom>
+        </p:spPr>
+        <p:style>
+          <a:lnRef idx="2">
+            <a:schemeClr val="accent1">
+              <a:shade val="50000"/>
+            </a:schemeClr>
+          </a:lnRef>
+          <a:fillRef idx="1">
+            <a:schemeClr val="accent1"/>
+          </a:fillRef>
+          <a:effectRef idx="0">
+            <a:schemeClr val="accent1"/>
+          </a:effectRef>
+          <a:fontRef idx="minor">
+            <a:schemeClr val="lt1"/>
+          </a:fontRef>
+        </p:style>
+        <p:txBody>
+          <a:bodyPr rtlCol="0" anchor="ctr"/>
+          <a:p>
+            <a:pPr algn="ctr"/>
+            <a:r>
+              <a:rPr lang="zh-CN" altLang="en-US" sz="1400">
+                <a:solidFill>
+                  <a:schemeClr val="bg1">
+                    <a:lumMod val="95000"/>
+                  </a:schemeClr>
+                </a:solidFill>
+              </a:rPr>
+              <a:t>虚拟</a:t>
+            </a:r>
+            <a:r>
+              <a:rPr lang="en-US" altLang="zh-CN" sz="1400">
+                <a:solidFill>
+                  <a:schemeClr val="bg1">
+                    <a:lumMod val="95000"/>
+                  </a:schemeClr>
+                </a:solidFill>
+              </a:rPr>
+              <a:t>DOM</a:t>
+            </a:r>
+            <a:r>
+              <a:rPr lang="zh-CN" altLang="en-US" sz="1400">
+                <a:solidFill>
+                  <a:schemeClr val="bg1">
+                    <a:lumMod val="95000"/>
+                  </a:schemeClr>
+                </a:solidFill>
+              </a:rPr>
+              <a:t>已挂载到页面成为真实</a:t>
+            </a:r>
+            <a:r>
+              <a:rPr lang="en-US" altLang="zh-CN" sz="1400">
+                <a:solidFill>
+                  <a:schemeClr val="bg1">
+                    <a:lumMod val="95000"/>
+                  </a:schemeClr>
+                </a:solidFill>
+              </a:rPr>
+              <a:t>DOM</a:t>
+            </a:r>
+            <a:endParaRPr lang="en-US" altLang="zh-CN" sz="1400">
+              <a:solidFill>
+                <a:schemeClr val="bg1">
+                  <a:lumMod val="75000"/>
+                </a:schemeClr>
+              </a:solidFill>
+            </a:endParaRPr>
+          </a:p>
+          <a:p>
+            <a:pPr algn="ctr"/>
+            <a:r>
+              <a:rPr lang="en-US" altLang="zh-CN" sz="1400"/>
+              <a:t>componentDidMount</a:t>
+            </a:r>
+            <a:endParaRPr lang="zh-CN" altLang="en-US" sz="1400"/>
+          </a:p>
+        </p:txBody>
+      </p:sp>
+      <p:cxnSp>
+        <p:nvCxnSpPr>
+          <p:cNvPr id="10" name="直接箭头连接符 9"/>
+          <p:cNvCxnSpPr>
+            <a:stCxn id="2" idx="3"/>
+            <a:endCxn id="3" idx="1"/>
+          </p:cNvCxnSpPr>
+          <p:nvPr/>
+        </p:nvCxnSpPr>
+        <p:spPr>
+          <a:xfrm>
+            <a:off x="1932680" y="1766649"/>
+            <a:ext cx="407670" cy="0"/>
+          </a:xfrm>
+          <a:prstGeom prst="straightConnector1">
+            <a:avLst/>
+          </a:prstGeom>
+          <a:ln w="38100">
+            <a:solidFill>
+              <a:schemeClr val="accent2"/>
+            </a:solidFill>
+            <a:tailEnd type="triangle"/>
+          </a:ln>
+        </p:spPr>
+        <p:style>
+          <a:lnRef idx="1">
+            <a:schemeClr val="accent1"/>
+          </a:lnRef>
+          <a:fillRef idx="0">
+            <a:schemeClr val="accent1"/>
+          </a:fillRef>
+          <a:effectRef idx="0">
+            <a:schemeClr val="accent1"/>
+          </a:effectRef>
+          <a:fontRef idx="minor">
+            <a:schemeClr val="tx1"/>
+          </a:fontRef>
+        </p:style>
+      </p:cxnSp>
+      <p:cxnSp>
+        <p:nvCxnSpPr>
+          <p:cNvPr id="13" name="直接箭头连接符 12"/>
+          <p:cNvCxnSpPr/>
+          <p:nvPr/>
+        </p:nvCxnSpPr>
+        <p:spPr>
+          <a:xfrm>
+            <a:off x="3343157" y="2242702"/>
+            <a:ext cx="0" cy="1470582"/>
+          </a:xfrm>
+          <a:prstGeom prst="straightConnector1">
+            <a:avLst/>
+          </a:prstGeom>
+          <a:ln w="38100">
+            <a:solidFill>
+              <a:schemeClr val="accent2"/>
+            </a:solidFill>
+            <a:tailEnd type="triangle"/>
+          </a:ln>
+        </p:spPr>
+        <p:style>
+          <a:lnRef idx="1">
+            <a:schemeClr val="accent1"/>
+          </a:lnRef>
+          <a:fillRef idx="0">
+            <a:schemeClr val="accent1"/>
+          </a:fillRef>
+          <a:effectRef idx="0">
+            <a:schemeClr val="accent1"/>
+          </a:effectRef>
+          <a:fontRef idx="minor">
+            <a:schemeClr val="tx1"/>
+          </a:fontRef>
+        </p:style>
+      </p:cxnSp>
+      <p:cxnSp>
+        <p:nvCxnSpPr>
+          <p:cNvPr id="16" name="直接箭头连接符 15"/>
+          <p:cNvCxnSpPr>
+            <a:endCxn id="9" idx="0"/>
+          </p:cNvCxnSpPr>
+          <p:nvPr/>
+        </p:nvCxnSpPr>
+        <p:spPr>
+          <a:xfrm>
+            <a:off x="3343157" y="4382587"/>
+            <a:ext cx="0" cy="306371"/>
+          </a:xfrm>
+          <a:prstGeom prst="straightConnector1">
+            <a:avLst/>
+          </a:prstGeom>
+          <a:ln w="38100">
+            <a:solidFill>
+              <a:schemeClr val="accent2"/>
+            </a:solidFill>
+            <a:tailEnd type="triangle"/>
+          </a:ln>
+        </p:spPr>
+        <p:style>
+          <a:lnRef idx="1">
+            <a:schemeClr val="accent1"/>
+          </a:lnRef>
+          <a:fillRef idx="0">
+            <a:schemeClr val="accent1"/>
+          </a:fillRef>
+          <a:effectRef idx="0">
+            <a:schemeClr val="accent1"/>
+          </a:effectRef>
+          <a:fontRef idx="minor">
+            <a:schemeClr val="tx1"/>
+          </a:fontRef>
+        </p:style>
+      </p:cxnSp>
+      <p:sp>
+        <p:nvSpPr>
+          <p:cNvPr id="19" name="文本框 18"/>
+          <p:cNvSpPr txBox="1"/>
+          <p:nvPr/>
+        </p:nvSpPr>
+        <p:spPr>
+          <a:xfrm>
+            <a:off x="260576" y="2516079"/>
+            <a:ext cx="1621410" cy="369332"/>
+          </a:xfrm>
+          <a:prstGeom prst="rect">
+            <a:avLst/>
+          </a:prstGeom>
+          <a:noFill/>
+        </p:spPr>
+        <p:txBody>
+          <a:bodyPr wrap="square" rtlCol="0">
+            <a:spAutoFit/>
+          </a:bodyPr>
+          <a:p>
+            <a:pPr algn="ctr"/>
+            <a:r>
+              <a:rPr lang="zh-CN" altLang="en-US"/>
+              <a:t>初始化阶段</a:t>
+            </a:r>
+            <a:endParaRPr lang="zh-CN" altLang="en-US"/>
+          </a:p>
+        </p:txBody>
+      </p:sp>
+      <p:sp>
+        <p:nvSpPr>
+          <p:cNvPr id="20" name="文本框 19"/>
+          <p:cNvSpPr txBox="1"/>
+          <p:nvPr/>
+        </p:nvSpPr>
+        <p:spPr>
+          <a:xfrm>
+            <a:off x="2532452" y="5739203"/>
+            <a:ext cx="1621410" cy="369332"/>
+          </a:xfrm>
+          <a:prstGeom prst="rect">
+            <a:avLst/>
+          </a:prstGeom>
+          <a:noFill/>
+        </p:spPr>
+        <p:txBody>
+          <a:bodyPr wrap="square" rtlCol="0">
+            <a:spAutoFit/>
+          </a:bodyPr>
+          <a:p>
+            <a:pPr algn="ctr"/>
+            <a:r>
+              <a:rPr lang="zh-CN" altLang="en-US"/>
+              <a:t>挂载阶段</a:t>
+            </a:r>
+            <a:endParaRPr lang="zh-CN" altLang="en-US"/>
+          </a:p>
+        </p:txBody>
+      </p:sp>
+      <p:sp>
+        <p:nvSpPr>
+          <p:cNvPr id="46" name="文本框 45"/>
+          <p:cNvSpPr txBox="1"/>
+          <p:nvPr/>
+        </p:nvSpPr>
+        <p:spPr>
+          <a:xfrm>
+            <a:off x="4632526" y="406662"/>
+            <a:ext cx="1621410" cy="369332"/>
+          </a:xfrm>
+          <a:prstGeom prst="rect">
+            <a:avLst/>
+          </a:prstGeom>
+          <a:noFill/>
+        </p:spPr>
+        <p:txBody>
+          <a:bodyPr wrap="square" rtlCol="0">
+            <a:spAutoFit/>
+          </a:bodyPr>
+          <a:p>
+            <a:pPr algn="ctr"/>
+            <a:r>
+              <a:rPr lang="zh-CN" altLang="en-US"/>
+              <a:t>属性变化</a:t>
+            </a:r>
+            <a:endParaRPr lang="zh-CN" altLang="en-US"/>
+          </a:p>
+        </p:txBody>
+      </p:sp>
+      <p:cxnSp>
+        <p:nvCxnSpPr>
+          <p:cNvPr id="51" name="直接箭头连接符 50"/>
+          <p:cNvCxnSpPr/>
+          <p:nvPr/>
+        </p:nvCxnSpPr>
+        <p:spPr>
+          <a:xfrm>
+            <a:off x="5332213" y="775994"/>
+            <a:ext cx="0" cy="524028"/>
+          </a:xfrm>
+          <a:prstGeom prst="straightConnector1">
+            <a:avLst/>
+          </a:prstGeom>
+          <a:ln w="38100">
+            <a:solidFill>
+              <a:schemeClr val="accent2"/>
+            </a:solidFill>
+            <a:tailEnd type="triangle"/>
+          </a:ln>
+        </p:spPr>
+        <p:style>
+          <a:lnRef idx="1">
+            <a:schemeClr val="accent1"/>
+          </a:lnRef>
+          <a:fillRef idx="0">
+            <a:schemeClr val="accent1"/>
+          </a:fillRef>
+          <a:effectRef idx="0">
+            <a:schemeClr val="accent1"/>
+          </a:effectRef>
+          <a:fontRef idx="minor">
+            <a:schemeClr val="tx1"/>
+          </a:fontRef>
+        </p:style>
+      </p:cxnSp>
+      <p:sp>
+        <p:nvSpPr>
+          <p:cNvPr id="53" name="矩形: 圆角 52"/>
+          <p:cNvSpPr/>
+          <p:nvPr/>
+        </p:nvSpPr>
+        <p:spPr>
+          <a:xfrm>
+            <a:off x="4787817" y="2475170"/>
+            <a:ext cx="4413317" cy="642712"/>
+          </a:xfrm>
+          <a:prstGeom prst="roundRect">
+            <a:avLst/>
+          </a:prstGeom>
+        </p:spPr>
+        <p:style>
+          <a:lnRef idx="2">
+            <a:schemeClr val="accent1">
+              <a:shade val="50000"/>
+            </a:schemeClr>
+          </a:lnRef>
+          <a:fillRef idx="1">
+            <a:schemeClr val="accent1"/>
+          </a:fillRef>
+          <a:effectRef idx="0">
+            <a:schemeClr val="accent1"/>
+          </a:effectRef>
+          <a:fontRef idx="minor">
+            <a:schemeClr val="lt1"/>
+          </a:fontRef>
+        </p:style>
+        <p:txBody>
+          <a:bodyPr rtlCol="0" anchor="ctr"/>
+          <a:p>
+            <a:pPr algn="ctr"/>
+            <a:r>
+              <a:rPr lang="zh-CN" altLang="en-US" sz="1400">
+                <a:solidFill>
+                  <a:schemeClr val="bg1">
+                    <a:lumMod val="95000"/>
+                  </a:schemeClr>
+                </a:solidFill>
+              </a:rPr>
+              <a:t>是否应该重新渲染组件，性能优化点</a:t>
+            </a:r>
+            <a:endParaRPr lang="en-US" altLang="zh-CN" sz="1400">
+              <a:solidFill>
+                <a:schemeClr val="bg1">
+                  <a:lumMod val="95000"/>
+                </a:schemeClr>
+              </a:solidFill>
+            </a:endParaRPr>
+          </a:p>
+          <a:p>
+            <a:pPr algn="ctr"/>
+            <a:r>
+              <a:rPr lang="en-US" altLang="zh-CN" sz="1400"/>
+              <a:t>shouldComponentUpdate</a:t>
+            </a:r>
+            <a:endParaRPr lang="zh-CN" altLang="en-US" sz="1400"/>
+          </a:p>
+        </p:txBody>
+      </p:sp>
+      <p:cxnSp>
+        <p:nvCxnSpPr>
+          <p:cNvPr id="56" name="直接箭头连接符 55"/>
+          <p:cNvCxnSpPr/>
+          <p:nvPr/>
+        </p:nvCxnSpPr>
+        <p:spPr>
+          <a:xfrm>
+            <a:off x="5332213" y="2254065"/>
+            <a:ext cx="0" cy="243161"/>
+          </a:xfrm>
+          <a:prstGeom prst="straightConnector1">
+            <a:avLst/>
+          </a:prstGeom>
+          <a:ln w="38100">
+            <a:solidFill>
+              <a:schemeClr val="accent2"/>
+            </a:solidFill>
+            <a:tailEnd type="triangle"/>
+          </a:ln>
+        </p:spPr>
+        <p:style>
+          <a:lnRef idx="1">
+            <a:schemeClr val="accent1"/>
+          </a:lnRef>
+          <a:fillRef idx="0">
+            <a:schemeClr val="accent1"/>
+          </a:fillRef>
+          <a:effectRef idx="0">
+            <a:schemeClr val="accent1"/>
+          </a:effectRef>
+          <a:fontRef idx="minor">
+            <a:schemeClr val="tx1"/>
+          </a:fontRef>
+        </p:style>
+      </p:cxnSp>
+      <p:cxnSp>
+        <p:nvCxnSpPr>
+          <p:cNvPr id="59" name="直接箭头连接符 58"/>
+          <p:cNvCxnSpPr/>
+          <p:nvPr/>
+        </p:nvCxnSpPr>
+        <p:spPr>
+          <a:xfrm>
+            <a:off x="6039227" y="3135053"/>
+            <a:ext cx="0" cy="559377"/>
+          </a:xfrm>
+          <a:prstGeom prst="straightConnector1">
+            <a:avLst/>
+          </a:prstGeom>
+          <a:ln w="38100">
+            <a:solidFill>
+              <a:schemeClr val="accent2"/>
+            </a:solidFill>
+            <a:tailEnd type="triangle"/>
+          </a:ln>
+        </p:spPr>
+        <p:style>
+          <a:lnRef idx="1">
+            <a:schemeClr val="accent1"/>
+          </a:lnRef>
+          <a:fillRef idx="0">
+            <a:schemeClr val="accent1"/>
+          </a:fillRef>
+          <a:effectRef idx="0">
+            <a:schemeClr val="accent1"/>
+          </a:effectRef>
+          <a:fontRef idx="minor">
+            <a:schemeClr val="tx1"/>
+          </a:fontRef>
+        </p:style>
+      </p:cxnSp>
+      <p:sp>
+        <p:nvSpPr>
+          <p:cNvPr id="61" name="文本框 60"/>
+          <p:cNvSpPr txBox="1"/>
+          <p:nvPr/>
+        </p:nvSpPr>
+        <p:spPr>
+          <a:xfrm>
+            <a:off x="5285091" y="3221233"/>
+            <a:ext cx="810698" cy="369332"/>
+          </a:xfrm>
+          <a:prstGeom prst="rect">
+            <a:avLst/>
+          </a:prstGeom>
+          <a:noFill/>
+        </p:spPr>
+        <p:txBody>
+          <a:bodyPr wrap="square" rtlCol="0">
+            <a:spAutoFit/>
+          </a:bodyPr>
+          <a:p>
+            <a:pPr algn="ctr"/>
+            <a:r>
+              <a:rPr lang="en-US" altLang="zh-CN">
+                <a:solidFill>
+                  <a:schemeClr val="accent6"/>
+                </a:solidFill>
+              </a:rPr>
+              <a:t>true</a:t>
+            </a:r>
+            <a:endParaRPr lang="zh-CN" altLang="en-US">
+              <a:solidFill>
+                <a:schemeClr val="accent6"/>
+              </a:solidFill>
+            </a:endParaRPr>
+          </a:p>
+        </p:txBody>
+      </p:sp>
+      <p:sp>
+        <p:nvSpPr>
+          <p:cNvPr id="62" name="文本框 61"/>
+          <p:cNvSpPr txBox="1"/>
+          <p:nvPr/>
+        </p:nvSpPr>
+        <p:spPr>
+          <a:xfrm>
+            <a:off x="7654360" y="3101852"/>
+            <a:ext cx="810698" cy="369332"/>
+          </a:xfrm>
+          <a:prstGeom prst="rect">
+            <a:avLst/>
+          </a:prstGeom>
+          <a:noFill/>
+        </p:spPr>
+        <p:txBody>
+          <a:bodyPr wrap="square" rtlCol="0">
+            <a:spAutoFit/>
+          </a:bodyPr>
+          <a:p>
+            <a:pPr algn="ctr"/>
+            <a:r>
+              <a:rPr lang="en-US" altLang="zh-CN">
+                <a:solidFill>
+                  <a:schemeClr val="accent2">
+                    <a:lumMod val="75000"/>
+                  </a:schemeClr>
+                </a:solidFill>
+              </a:rPr>
+              <a:t>false</a:t>
+            </a:r>
+            <a:endParaRPr lang="zh-CN" altLang="en-US">
+              <a:solidFill>
+                <a:schemeClr val="accent2">
+                  <a:lumMod val="75000"/>
+                </a:schemeClr>
+              </a:solidFill>
+            </a:endParaRPr>
+          </a:p>
+        </p:txBody>
+      </p:sp>
+      <p:cxnSp>
+        <p:nvCxnSpPr>
+          <p:cNvPr id="63" name="直接箭头连接符 62"/>
+          <p:cNvCxnSpPr/>
+          <p:nvPr/>
+        </p:nvCxnSpPr>
+        <p:spPr>
+          <a:xfrm>
+            <a:off x="7732909" y="3136882"/>
+            <a:ext cx="0" cy="284171"/>
+          </a:xfrm>
+          <a:prstGeom prst="straightConnector1">
+            <a:avLst/>
+          </a:prstGeom>
+          <a:ln w="38100">
+            <a:solidFill>
+              <a:schemeClr val="accent2"/>
+            </a:solidFill>
+            <a:tailEnd type="triangle"/>
+          </a:ln>
+        </p:spPr>
+        <p:style>
+          <a:lnRef idx="1">
+            <a:schemeClr val="accent1"/>
+          </a:lnRef>
+          <a:fillRef idx="0">
+            <a:schemeClr val="accent1"/>
+          </a:fillRef>
+          <a:effectRef idx="0">
+            <a:schemeClr val="accent1"/>
+          </a:effectRef>
+          <a:fontRef idx="minor">
+            <a:schemeClr val="tx1"/>
+          </a:fontRef>
+        </p:style>
+      </p:cxnSp>
+      <p:sp>
+        <p:nvSpPr>
+          <p:cNvPr id="66" name="文本框 65"/>
+          <p:cNvSpPr txBox="1"/>
+          <p:nvPr/>
+        </p:nvSpPr>
+        <p:spPr>
+          <a:xfrm>
+            <a:off x="7437537" y="3332168"/>
+            <a:ext cx="735289" cy="369332"/>
+          </a:xfrm>
+          <a:prstGeom prst="rect">
+            <a:avLst/>
+          </a:prstGeom>
+          <a:noFill/>
+        </p:spPr>
+        <p:txBody>
+          <a:bodyPr wrap="square" rtlCol="0">
+            <a:spAutoFit/>
+          </a:bodyPr>
+          <a:p>
+            <a:r>
+              <a:rPr lang="zh-CN" altLang="en-US">
+                <a:solidFill>
+                  <a:schemeClr val="accent2">
+                    <a:lumMod val="75000"/>
+                  </a:schemeClr>
+                </a:solidFill>
+              </a:rPr>
+              <a:t>结束</a:t>
+            </a:r>
+            <a:endParaRPr lang="zh-CN" altLang="en-US">
+              <a:solidFill>
+                <a:schemeClr val="accent2">
+                  <a:lumMod val="75000"/>
+                </a:schemeClr>
+              </a:solidFill>
+            </a:endParaRPr>
+          </a:p>
+        </p:txBody>
+      </p:sp>
+      <p:sp>
+        <p:nvSpPr>
+          <p:cNvPr id="69" name="文本框 68"/>
+          <p:cNvSpPr txBox="1"/>
+          <p:nvPr/>
+        </p:nvSpPr>
+        <p:spPr>
+          <a:xfrm>
+            <a:off x="6994476" y="406662"/>
+            <a:ext cx="1621410" cy="369332"/>
+          </a:xfrm>
+          <a:prstGeom prst="rect">
+            <a:avLst/>
+          </a:prstGeom>
+          <a:noFill/>
+        </p:spPr>
+        <p:txBody>
+          <a:bodyPr wrap="square" rtlCol="0">
+            <a:spAutoFit/>
+          </a:bodyPr>
+          <a:p>
+            <a:pPr algn="ctr"/>
+            <a:r>
+              <a:rPr lang="zh-CN" altLang="en-US"/>
+              <a:t>状态变化</a:t>
+            </a:r>
+            <a:endParaRPr lang="zh-CN" altLang="en-US"/>
+          </a:p>
+        </p:txBody>
+      </p:sp>
+      <p:cxnSp>
+        <p:nvCxnSpPr>
+          <p:cNvPr id="70" name="直接箭头连接符 69"/>
+          <p:cNvCxnSpPr/>
+          <p:nvPr/>
+        </p:nvCxnSpPr>
+        <p:spPr>
+          <a:xfrm>
+            <a:off x="7789470" y="775994"/>
+            <a:ext cx="0" cy="505174"/>
+          </a:xfrm>
+          <a:prstGeom prst="straightConnector1">
+            <a:avLst/>
+          </a:prstGeom>
+          <a:ln w="38100">
+            <a:solidFill>
+              <a:schemeClr val="accent2"/>
+            </a:solidFill>
+            <a:tailEnd type="triangle"/>
+          </a:ln>
+        </p:spPr>
+        <p:style>
+          <a:lnRef idx="1">
+            <a:schemeClr val="accent1"/>
+          </a:lnRef>
+          <a:fillRef idx="0">
+            <a:schemeClr val="accent1"/>
+          </a:fillRef>
+          <a:effectRef idx="0">
+            <a:schemeClr val="accent1"/>
+          </a:effectRef>
+          <a:fontRef idx="minor">
+            <a:schemeClr val="tx1"/>
+          </a:fontRef>
+        </p:style>
+      </p:cxnSp>
+      <p:sp>
+        <p:nvSpPr>
+          <p:cNvPr id="71" name="矩形: 圆角 70"/>
+          <p:cNvSpPr/>
+          <p:nvPr/>
+        </p:nvSpPr>
+        <p:spPr>
+          <a:xfrm>
+            <a:off x="4787817" y="4633571"/>
+            <a:ext cx="4413317" cy="678734"/>
+          </a:xfrm>
+          <a:prstGeom prst="roundRect">
+            <a:avLst/>
+          </a:prstGeom>
+        </p:spPr>
+        <p:style>
+          <a:lnRef idx="2">
+            <a:schemeClr val="accent1">
+              <a:shade val="50000"/>
+            </a:schemeClr>
+          </a:lnRef>
+          <a:fillRef idx="1">
+            <a:schemeClr val="accent1"/>
+          </a:fillRef>
+          <a:effectRef idx="0">
+            <a:schemeClr val="accent1"/>
+          </a:effectRef>
+          <a:fontRef idx="minor">
+            <a:schemeClr val="lt1"/>
+          </a:fontRef>
+        </p:style>
+        <p:txBody>
+          <a:bodyPr rtlCol="0" anchor="ctr"/>
+          <a:p>
+            <a:pPr algn="ctr"/>
+            <a:r>
+              <a:rPr lang="zh-CN" altLang="en-US" sz="1400">
+                <a:solidFill>
+                  <a:schemeClr val="bg1">
+                    <a:lumMod val="95000"/>
+                  </a:schemeClr>
+                </a:solidFill>
+              </a:rPr>
+              <a:t>获取更新前的快照</a:t>
+            </a:r>
+            <a:endParaRPr lang="en-US" altLang="zh-CN" sz="1400">
+              <a:solidFill>
+                <a:schemeClr val="bg1">
+                  <a:lumMod val="95000"/>
+                </a:schemeClr>
+              </a:solidFill>
+            </a:endParaRPr>
+          </a:p>
+          <a:p>
+            <a:pPr algn="ctr"/>
+            <a:r>
+              <a:rPr lang="en-US" altLang="zh-CN" sz="1400"/>
+              <a:t>getSnapshotBeforeUpdate</a:t>
+            </a:r>
+            <a:endParaRPr lang="zh-CN" altLang="en-US" sz="1400"/>
+          </a:p>
+        </p:txBody>
+      </p:sp>
+      <p:cxnSp>
+        <p:nvCxnSpPr>
+          <p:cNvPr id="73" name="直接箭头连接符 72"/>
+          <p:cNvCxnSpPr/>
+          <p:nvPr/>
+        </p:nvCxnSpPr>
+        <p:spPr>
+          <a:xfrm>
+            <a:off x="6994476" y="4349400"/>
+            <a:ext cx="0" cy="284171"/>
+          </a:xfrm>
+          <a:prstGeom prst="straightConnector1">
+            <a:avLst/>
+          </a:prstGeom>
+          <a:ln w="38100">
+            <a:solidFill>
+              <a:schemeClr val="accent2"/>
+            </a:solidFill>
+            <a:tailEnd type="triangle"/>
+          </a:ln>
+        </p:spPr>
+        <p:style>
+          <a:lnRef idx="1">
+            <a:schemeClr val="accent1"/>
+          </a:lnRef>
+          <a:fillRef idx="0">
+            <a:schemeClr val="accent1"/>
+          </a:fillRef>
+          <a:effectRef idx="0">
+            <a:schemeClr val="accent1"/>
+          </a:effectRef>
+          <a:fontRef idx="minor">
+            <a:schemeClr val="tx1"/>
+          </a:fontRef>
+        </p:style>
+      </p:cxnSp>
+      <p:cxnSp>
+        <p:nvCxnSpPr>
+          <p:cNvPr id="74" name="直接箭头连接符 73"/>
+          <p:cNvCxnSpPr/>
+          <p:nvPr/>
+        </p:nvCxnSpPr>
+        <p:spPr>
+          <a:xfrm>
+            <a:off x="6994476" y="5312305"/>
+            <a:ext cx="0" cy="284171"/>
+          </a:xfrm>
+          <a:prstGeom prst="straightConnector1">
+            <a:avLst/>
+          </a:prstGeom>
+          <a:ln w="38100">
+            <a:solidFill>
+              <a:schemeClr val="accent2"/>
+            </a:solidFill>
+            <a:tailEnd type="triangle"/>
+          </a:ln>
+        </p:spPr>
+        <p:style>
+          <a:lnRef idx="1">
+            <a:schemeClr val="accent1"/>
+          </a:lnRef>
+          <a:fillRef idx="0">
+            <a:schemeClr val="accent1"/>
+          </a:fillRef>
+          <a:effectRef idx="0">
+            <a:schemeClr val="accent1"/>
+          </a:effectRef>
+          <a:fontRef idx="minor">
+            <a:schemeClr val="tx1"/>
+          </a:fontRef>
+        </p:style>
+      </p:cxnSp>
+      <p:sp>
+        <p:nvSpPr>
+          <p:cNvPr id="75" name="矩形: 圆角 74"/>
+          <p:cNvSpPr/>
+          <p:nvPr/>
+        </p:nvSpPr>
+        <p:spPr>
+          <a:xfrm>
+            <a:off x="4787815" y="5607372"/>
+            <a:ext cx="4413319" cy="642712"/>
+          </a:xfrm>
+          <a:prstGeom prst="roundRect">
+            <a:avLst/>
+          </a:prstGeom>
+        </p:spPr>
+        <p:style>
+          <a:lnRef idx="2">
+            <a:schemeClr val="accent1">
+              <a:shade val="50000"/>
+            </a:schemeClr>
+          </a:lnRef>
+          <a:fillRef idx="1">
+            <a:schemeClr val="accent1"/>
+          </a:fillRef>
+          <a:effectRef idx="0">
+            <a:schemeClr val="accent1"/>
+          </a:effectRef>
+          <a:fontRef idx="minor">
+            <a:schemeClr val="lt1"/>
+          </a:fontRef>
+        </p:style>
+        <p:txBody>
+          <a:bodyPr rtlCol="0" anchor="ctr"/>
+          <a:p>
+            <a:pPr algn="ctr"/>
+            <a:r>
+              <a:rPr lang="zh-CN" altLang="en-US" sz="1400">
+                <a:solidFill>
+                  <a:schemeClr val="bg1">
+                    <a:lumMod val="95000"/>
+                  </a:schemeClr>
+                </a:solidFill>
+              </a:rPr>
+              <a:t>虚拟</a:t>
+            </a:r>
+            <a:r>
+              <a:rPr lang="en-US" altLang="zh-CN" sz="1400">
+                <a:solidFill>
+                  <a:schemeClr val="bg1">
+                    <a:lumMod val="95000"/>
+                  </a:schemeClr>
+                </a:solidFill>
+              </a:rPr>
+              <a:t>DOM</a:t>
+            </a:r>
+            <a:r>
+              <a:rPr lang="zh-CN" altLang="en-US" sz="1400">
+                <a:solidFill>
+                  <a:schemeClr val="bg1">
+                    <a:lumMod val="95000"/>
+                  </a:schemeClr>
+                </a:solidFill>
+              </a:rPr>
+              <a:t>已重新挂载到页面成为真实</a:t>
+            </a:r>
+            <a:r>
+              <a:rPr lang="en-US" altLang="zh-CN" sz="1400">
+                <a:solidFill>
+                  <a:schemeClr val="bg1">
+                    <a:lumMod val="95000"/>
+                  </a:schemeClr>
+                </a:solidFill>
+              </a:rPr>
+              <a:t>DOM</a:t>
+            </a:r>
+            <a:endParaRPr lang="en-US" altLang="zh-CN" sz="1400">
+              <a:solidFill>
+                <a:schemeClr val="bg1">
+                  <a:lumMod val="75000"/>
+                </a:schemeClr>
+              </a:solidFill>
+            </a:endParaRPr>
+          </a:p>
+          <a:p>
+            <a:pPr algn="ctr"/>
+            <a:r>
+              <a:rPr lang="en-US" altLang="zh-CN" sz="1400"/>
+              <a:t>componentDidUpdate</a:t>
+            </a:r>
+            <a:endParaRPr lang="zh-CN" altLang="en-US" sz="1400"/>
+          </a:p>
+        </p:txBody>
+      </p:sp>
+      <p:sp>
+        <p:nvSpPr>
+          <p:cNvPr id="77" name="文本框 76"/>
+          <p:cNvSpPr txBox="1"/>
+          <p:nvPr/>
+        </p:nvSpPr>
+        <p:spPr>
+          <a:xfrm>
+            <a:off x="5816673" y="6356081"/>
+            <a:ext cx="1621410" cy="369332"/>
+          </a:xfrm>
+          <a:prstGeom prst="rect">
+            <a:avLst/>
+          </a:prstGeom>
+          <a:noFill/>
+        </p:spPr>
+        <p:txBody>
+          <a:bodyPr wrap="square" rtlCol="0">
+            <a:spAutoFit/>
+          </a:bodyPr>
+          <a:p>
+            <a:pPr algn="ctr"/>
+            <a:r>
+              <a:rPr lang="zh-CN" altLang="en-US"/>
+              <a:t>更新阶段</a:t>
+            </a:r>
+            <a:endParaRPr lang="zh-CN" altLang="en-US"/>
+          </a:p>
+        </p:txBody>
+      </p:sp>
+      <p:sp>
+        <p:nvSpPr>
+          <p:cNvPr id="78" name="矩形: 圆角 77"/>
+          <p:cNvSpPr/>
+          <p:nvPr/>
+        </p:nvSpPr>
+        <p:spPr>
+          <a:xfrm>
+            <a:off x="9578986" y="1315848"/>
+            <a:ext cx="2358275" cy="642712"/>
+          </a:xfrm>
+          <a:prstGeom prst="roundRect">
+            <a:avLst/>
+          </a:prstGeom>
+        </p:spPr>
+        <p:style>
+          <a:lnRef idx="2">
+            <a:schemeClr val="accent1">
+              <a:shade val="50000"/>
+            </a:schemeClr>
+          </a:lnRef>
+          <a:fillRef idx="1">
+            <a:schemeClr val="accent1"/>
+          </a:fillRef>
+          <a:effectRef idx="0">
+            <a:schemeClr val="accent1"/>
+          </a:effectRef>
+          <a:fontRef idx="minor">
+            <a:schemeClr val="lt1"/>
+          </a:fontRef>
+        </p:style>
+        <p:txBody>
+          <a:bodyPr rtlCol="0" anchor="ctr"/>
+          <a:p>
+            <a:pPr algn="ctr"/>
+            <a:r>
+              <a:rPr lang="zh-CN" altLang="en-US" sz="1400">
+                <a:solidFill>
+                  <a:schemeClr val="bg1">
+                    <a:lumMod val="95000"/>
+                  </a:schemeClr>
+                </a:solidFill>
+              </a:rPr>
+              <a:t>组件即将被销毁</a:t>
+            </a:r>
+            <a:endParaRPr lang="en-US" altLang="zh-CN" sz="1400">
+              <a:solidFill>
+                <a:schemeClr val="bg1">
+                  <a:lumMod val="95000"/>
+                </a:schemeClr>
+              </a:solidFill>
+            </a:endParaRPr>
+          </a:p>
+          <a:p>
+            <a:pPr algn="ctr"/>
+            <a:r>
+              <a:rPr lang="en-US" altLang="zh-CN" sz="1400"/>
+              <a:t>componentWillUnMount</a:t>
+            </a:r>
+            <a:endParaRPr lang="zh-CN" altLang="en-US" sz="1400"/>
+          </a:p>
+        </p:txBody>
+      </p:sp>
+      <p:sp>
+        <p:nvSpPr>
+          <p:cNvPr id="79" name="文本框 78"/>
+          <p:cNvSpPr txBox="1"/>
+          <p:nvPr/>
+        </p:nvSpPr>
+        <p:spPr>
+          <a:xfrm>
+            <a:off x="9947418" y="2180582"/>
+            <a:ext cx="1621410" cy="369332"/>
+          </a:xfrm>
+          <a:prstGeom prst="rect">
+            <a:avLst/>
+          </a:prstGeom>
+          <a:noFill/>
+        </p:spPr>
+        <p:txBody>
+          <a:bodyPr wrap="square" rtlCol="0">
+            <a:spAutoFit/>
+          </a:bodyPr>
+          <a:p>
+            <a:pPr algn="ctr"/>
+            <a:r>
+              <a:rPr lang="zh-CN" altLang="en-US"/>
+              <a:t>销毁阶段</a:t>
+            </a:r>
+            <a:endParaRPr lang="zh-CN" altLang="en-US"/>
+          </a:p>
+        </p:txBody>
+      </p:sp>
+    </p:spTree>
+  </p:cSld>
+  <p:clrMapOvr>
+    <a:masterClrMapping/>
+  </p:clrMapOvr>
+  <p:transition spd="slow">
+    <p:push dir="u"/>
+  </p:transition>
+  <p:timing>
+    <p:tnLst>
+      <p:par>
+        <p:cTn id="1" dur="indefinite" restart="never" nodeType="tmRoot"/>
+      </p:par>
+    </p:tnLst>
+  </p:timing>
+</p:sld>
+</file>
+
+<file path=ppt/slides/slide26.xml><?xml version="1.0" encoding="utf-8"?>
 <p:sld xmlns:a="http://schemas.openxmlformats.org/drawingml/2006/main" xmlns:r="http://schemas.openxmlformats.org/officeDocument/2006/relationships" xmlns:p="http://schemas.openxmlformats.org/presentationml/2006/main">
   <p:cSld>
     <p:spTree>
@@ -30758,7 +32645,19 @@
 
 <file path=ppt/tags/tag3.xml><?xml version="1.0" encoding="utf-8"?>
 <p:tagLst xmlns:p="http://schemas.openxmlformats.org/presentationml/2006/main">
-  <p:tag name="KSO_WM_UNIT_TABLE_BEAUTIFY" val="smartTable{d6f82c1a-1b57-414f-93b7-2ba4232d06c8}"/>
+  <p:tag name="KSO_WM_UNIT_TABLE_BEAUTIFY" val="smartTable{3fca41e9-a917-4303-94f2-7ef4eea16fe2}"/>
+</p:tagLst>
+</file>
+
+<file path=ppt/tags/tag4.xml><?xml version="1.0" encoding="utf-8"?>
+<p:tagLst xmlns:p="http://schemas.openxmlformats.org/presentationml/2006/main">
+  <p:tag name="KSO_WM_UNIT_TABLE_BEAUTIFY" val="smartTable{ae7db86a-35a3-4979-8b47-86a25b4ecbae}"/>
+</p:tagLst>
+</file>
+
+<file path=ppt/tags/tag5.xml><?xml version="1.0" encoding="utf-8"?>
+<p:tagLst xmlns:p="http://schemas.openxmlformats.org/presentationml/2006/main">
+  <p:tag name="KSO_WM_UNIT_TABLE_BEAUTIFY" val="smartTable{ae7db86a-35a3-4979-8b47-86a25b4ecbae}"/>
 </p:tagLst>
 </file>
 
